--- a/Mass Shooting Detector.pptx
+++ b/Mass Shooting Detector.pptx
@@ -16,29 +16,41 @@
     <p:sldId id="264" r:id="rId14"/>
     <p:sldId id="265" r:id="rId15"/>
     <p:sldId id="266" r:id="rId16"/>
+    <p:sldId id="267" r:id="rId17"/>
+    <p:sldId id="268" r:id="rId18"/>
+    <p:sldId id="269" r:id="rId19"/>
+    <p:sldId id="270" r:id="rId20"/>
+    <p:sldId id="271" r:id="rId21"/>
+    <p:sldId id="272" r:id="rId22"/>
+    <p:sldId id="273" r:id="rId23"/>
+    <p:sldId id="274" r:id="rId24"/>
+    <p:sldId id="275" r:id="rId25"/>
+    <p:sldId id="276" r:id="rId26"/>
+    <p:sldId id="277" r:id="rId27"/>
+    <p:sldId id="278" r:id="rId28"/>
   </p:sldIdLst>
   <p:sldSz cx="18288000" cy="10287000"/>
   <p:notesSz cx="6858000" cy="9144000"/>
   <p:embeddedFontLst>
     <p:embeddedFont>
-      <p:font typeface="Telegraf" charset="1" panose="00000500000000000000"/>
-      <p:regular r:id="rId17"/>
-    </p:embeddedFont>
-    <p:embeddedFont>
       <p:font typeface="Telegraf Bold" charset="1" panose="00000800000000000000"/>
-      <p:regular r:id="rId18"/>
+      <p:regular r:id="rId29"/>
     </p:embeddedFont>
     <p:embeddedFont>
       <p:font typeface="Pattanakarn Expanded" charset="1" panose="00000000000000000000"/>
-      <p:regular r:id="rId19"/>
+      <p:regular r:id="rId30"/>
     </p:embeddedFont>
     <p:embeddedFont>
       <p:font typeface="Telegraf Medium" charset="1" panose="00000600000000000000"/>
-      <p:regular r:id="rId20"/>
+      <p:regular r:id="rId31"/>
     </p:embeddedFont>
     <p:embeddedFont>
       <p:font typeface="Pattanakarn Expanded Bold" charset="1" panose="00000000000000000000"/>
-      <p:regular r:id="rId21"/>
+      <p:regular r:id="rId32"/>
+    </p:embeddedFont>
+    <p:embeddedFont>
+      <p:font typeface="Telegraf" charset="1" panose="00000500000000000000"/>
+      <p:regular r:id="rId33"/>
     </p:embeddedFont>
   </p:embeddedFontLst>
   <p:defaultTextStyle>
@@ -3075,7 +3087,7 @@
 </file>
 
 <file path=ppt/slides/slide1.xml><?xml version="1.0" encoding="utf-8"?>
-<p:sld xmlns:p="http://schemas.openxmlformats.org/presentationml/2006/main" xmlns:a="http://schemas.openxmlformats.org/drawingml/2006/main" xmlns:r="http://schemas.openxmlformats.org/officeDocument/2006/relationships">
+<p:sld xmlns:p="http://schemas.openxmlformats.org/presentationml/2006/main" xmlns:a="http://schemas.openxmlformats.org/drawingml/2006/main">
   <p:cSld>
     <p:bg>
       <p:bgPr>
@@ -3105,208 +3117,16 @@
           <p:nvPr/>
         </p:nvGrpSpPr>
         <p:grpSpPr>
-          <a:xfrm rot="5400000">
-            <a:off x="7084221" y="-2819922"/>
-            <a:ext cx="4119558" cy="18611732"/>
+          <a:xfrm rot="0">
+            <a:off x="6869353" y="5483217"/>
+            <a:ext cx="4547196" cy="674697"/>
             <a:chOff x="0" y="0"/>
-            <a:chExt cx="1084987" cy="4901855"/>
+            <a:chExt cx="1197615" cy="177698"/>
           </a:xfrm>
         </p:grpSpPr>
         <p:sp>
           <p:nvSpPr>
             <p:cNvPr name="Freeform 3" id="3"/>
-            <p:cNvSpPr/>
-            <p:nvPr/>
-          </p:nvSpPr>
-          <p:spPr>
-            <a:xfrm flipH="false" flipV="false" rot="0">
-              <a:off x="0" y="0"/>
-              <a:ext cx="1084987" cy="4901855"/>
-            </a:xfrm>
-            <a:custGeom>
-              <a:avLst/>
-              <a:gdLst/>
-              <a:ahLst/>
-              <a:cxnLst/>
-              <a:rect r="r" b="b" t="t" l="l"/>
-              <a:pathLst>
-                <a:path h="4901855" w="1084987">
-                  <a:moveTo>
-                    <a:pt x="0" y="0"/>
-                  </a:moveTo>
-                  <a:lnTo>
-                    <a:pt x="1084987" y="0"/>
-                  </a:lnTo>
-                  <a:lnTo>
-                    <a:pt x="1084987" y="4901855"/>
-                  </a:lnTo>
-                  <a:lnTo>
-                    <a:pt x="0" y="4901855"/>
-                  </a:lnTo>
-                  <a:close/>
-                </a:path>
-              </a:pathLst>
-            </a:custGeom>
-            <a:gradFill rotWithShape="true">
-              <a:gsLst>
-                <a:gs pos="0">
-                  <a:srgbClr val="000000">
-                    <a:alpha val="100000"/>
-                  </a:srgbClr>
-                </a:gs>
-                <a:gs pos="100000">
-                  <a:srgbClr val="000000">
-                    <a:alpha val="0"/>
-                  </a:srgbClr>
-                </a:gs>
-              </a:gsLst>
-              <a:lin ang="0"/>
-            </a:gradFill>
-          </p:spPr>
-        </p:sp>
-        <p:sp>
-          <p:nvSpPr>
-            <p:cNvPr name="TextBox 4" id="4"/>
-            <p:cNvSpPr txBox="true"/>
-            <p:nvPr/>
-          </p:nvSpPr>
-          <p:spPr>
-            <a:xfrm>
-              <a:off x="0" y="-57150"/>
-              <a:ext cx="1084987" cy="4959005"/>
-            </a:xfrm>
-            <a:prstGeom prst="rect">
-              <a:avLst/>
-            </a:prstGeom>
-          </p:spPr>
-          <p:txBody>
-            <a:bodyPr anchor="ctr" rtlCol="false" tIns="50800" lIns="50800" bIns="50800" rIns="50800"/>
-            <a:lstStyle/>
-            <a:p>
-              <a:pPr algn="ctr">
-                <a:lnSpc>
-                  <a:spcPts val="1960"/>
-                </a:lnSpc>
-              </a:pPr>
-            </a:p>
-          </p:txBody>
-        </p:sp>
-      </p:grpSp>
-      <p:grpSp>
-        <p:nvGrpSpPr>
-          <p:cNvPr name="Group 5" id="5"/>
-          <p:cNvGrpSpPr/>
-          <p:nvPr/>
-        </p:nvGrpSpPr>
-        <p:grpSpPr>
-          <a:xfrm rot="0">
-            <a:off x="0" y="0"/>
-            <a:ext cx="18288000" cy="10287000"/>
-            <a:chOff x="0" y="0"/>
-            <a:chExt cx="4816593" cy="2709333"/>
-          </a:xfrm>
-        </p:grpSpPr>
-        <p:sp>
-          <p:nvSpPr>
-            <p:cNvPr name="Freeform 6" id="6"/>
-            <p:cNvSpPr/>
-            <p:nvPr/>
-          </p:nvSpPr>
-          <p:spPr>
-            <a:xfrm flipH="false" flipV="false" rot="0">
-              <a:off x="0" y="0"/>
-              <a:ext cx="4816592" cy="2709333"/>
-            </a:xfrm>
-            <a:custGeom>
-              <a:avLst/>
-              <a:gdLst/>
-              <a:ahLst/>
-              <a:cxnLst/>
-              <a:rect r="r" b="b" t="t" l="l"/>
-              <a:pathLst>
-                <a:path h="2709333" w="4816592">
-                  <a:moveTo>
-                    <a:pt x="0" y="0"/>
-                  </a:moveTo>
-                  <a:lnTo>
-                    <a:pt x="4816592" y="0"/>
-                  </a:lnTo>
-                  <a:lnTo>
-                    <a:pt x="4816592" y="2709333"/>
-                  </a:lnTo>
-                  <a:lnTo>
-                    <a:pt x="0" y="2709333"/>
-                  </a:lnTo>
-                  <a:close/>
-                </a:path>
-              </a:pathLst>
-            </a:custGeom>
-            <a:solidFill>
-              <a:srgbClr val="000000">
-                <a:alpha val="49804"/>
-              </a:srgbClr>
-            </a:solidFill>
-          </p:spPr>
-        </p:sp>
-        <p:sp>
-          <p:nvSpPr>
-            <p:cNvPr name="TextBox 7" id="7"/>
-            <p:cNvSpPr txBox="true"/>
-            <p:nvPr/>
-          </p:nvSpPr>
-          <p:spPr>
-            <a:xfrm>
-              <a:off x="0" y="-28575"/>
-              <a:ext cx="4816593" cy="2737908"/>
-            </a:xfrm>
-            <a:prstGeom prst="rect">
-              <a:avLst/>
-            </a:prstGeom>
-          </p:spPr>
-          <p:txBody>
-            <a:bodyPr anchor="ctr" rtlCol="false" tIns="50800" lIns="50800" bIns="50800" rIns="50800"/>
-            <a:lstStyle/>
-            <a:p>
-              <a:pPr algn="ctr">
-                <a:lnSpc>
-                  <a:spcPts val="2360"/>
-                </a:lnSpc>
-              </a:pPr>
-              <a:r>
-                <a:rPr lang="en-US" sz="2000" spc="60">
-                  <a:solidFill>
-                    <a:srgbClr val="FFFFFF">
-                      <a:alpha val="49804"/>
-                    </a:srgbClr>
-                  </a:solidFill>
-                  <a:latin typeface="Telegraf"/>
-                  <a:ea typeface="Telegraf"/>
-                  <a:cs typeface="Telegraf"/>
-                  <a:sym typeface="Telegraf"/>
-                </a:rPr>
-                <a:t> </a:t>
-              </a:r>
-            </a:p>
-          </p:txBody>
-        </p:sp>
-      </p:grpSp>
-      <p:grpSp>
-        <p:nvGrpSpPr>
-          <p:cNvPr name="Group 8" id="8"/>
-          <p:cNvGrpSpPr/>
-          <p:nvPr/>
-        </p:nvGrpSpPr>
-        <p:grpSpPr>
-          <a:xfrm rot="0">
-            <a:off x="1854397" y="7871026"/>
-            <a:ext cx="4547196" cy="674697"/>
-            <a:chOff x="0" y="0"/>
-            <a:chExt cx="1197615" cy="177698"/>
-          </a:xfrm>
-        </p:grpSpPr>
-        <p:sp>
-          <p:nvSpPr>
-            <p:cNvPr name="Freeform 9" id="9"/>
             <p:cNvSpPr/>
             <p:nvPr/>
           </p:nvSpPr>
@@ -3398,7 +3218,7 @@
         </p:sp>
         <p:sp>
           <p:nvSpPr>
-            <p:cNvPr name="TextBox 10" id="10"/>
+            <p:cNvPr name="TextBox 4" id="4"/>
             <p:cNvSpPr txBox="true"/>
             <p:nvPr/>
           </p:nvSpPr>
@@ -3426,118 +3246,14 @@
       </p:grpSp>
       <p:sp>
         <p:nvSpPr>
-          <p:cNvPr name="Freeform 11" id="11"/>
-          <p:cNvSpPr/>
-          <p:nvPr/>
-        </p:nvSpPr>
-        <p:spPr>
-          <a:xfrm flipH="false" flipV="false" rot="0">
-            <a:off x="1028700" y="8160860"/>
-            <a:ext cx="380120" cy="95030"/>
-          </a:xfrm>
-          <a:custGeom>
-            <a:avLst/>
-            <a:gdLst/>
-            <a:ahLst/>
-            <a:cxnLst/>
-            <a:rect r="r" b="b" t="t" l="l"/>
-            <a:pathLst>
-              <a:path h="95030" w="380120">
-                <a:moveTo>
-                  <a:pt x="0" y="0"/>
-                </a:moveTo>
-                <a:lnTo>
-                  <a:pt x="380120" y="0"/>
-                </a:lnTo>
-                <a:lnTo>
-                  <a:pt x="380120" y="95030"/>
-                </a:lnTo>
-                <a:lnTo>
-                  <a:pt x="0" y="95030"/>
-                </a:lnTo>
-                <a:lnTo>
-                  <a:pt x="0" y="0"/>
-                </a:lnTo>
-                <a:close/>
-              </a:path>
-            </a:pathLst>
-          </a:custGeom>
-          <a:blipFill>
-            <a:blip r:embed="rId2">
-              <a:extLst>
-                <a:ext uri="{96DAC541-7B7A-43D3-8B79-37D633B846F1}">
-                  <asvg:svgBlip xmlns:asvg="http://schemas.microsoft.com/office/drawing/2016/SVG/main" r:embed="rId3"/>
-                </a:ext>
-              </a:extLst>
-            </a:blip>
-            <a:stretch>
-              <a:fillRect l="0" t="0" r="0" b="0"/>
-            </a:stretch>
-          </a:blipFill>
-        </p:spPr>
-      </p:sp>
-      <p:sp>
-        <p:nvSpPr>
-          <p:cNvPr name="Freeform 12" id="12"/>
-          <p:cNvSpPr/>
-          <p:nvPr/>
-        </p:nvSpPr>
-        <p:spPr>
-          <a:xfrm flipH="false" flipV="false" rot="0">
-            <a:off x="6849268" y="8160860"/>
-            <a:ext cx="380120" cy="95030"/>
-          </a:xfrm>
-          <a:custGeom>
-            <a:avLst/>
-            <a:gdLst/>
-            <a:ahLst/>
-            <a:cxnLst/>
-            <a:rect r="r" b="b" t="t" l="l"/>
-            <a:pathLst>
-              <a:path h="95030" w="380120">
-                <a:moveTo>
-                  <a:pt x="0" y="0"/>
-                </a:moveTo>
-                <a:lnTo>
-                  <a:pt x="380120" y="0"/>
-                </a:lnTo>
-                <a:lnTo>
-                  <a:pt x="380120" y="95030"/>
-                </a:lnTo>
-                <a:lnTo>
-                  <a:pt x="0" y="95030"/>
-                </a:lnTo>
-                <a:lnTo>
-                  <a:pt x="0" y="0"/>
-                </a:lnTo>
-                <a:close/>
-              </a:path>
-            </a:pathLst>
-          </a:custGeom>
-          <a:blipFill>
-            <a:blip r:embed="rId2">
-              <a:extLst>
-                <a:ext uri="{96DAC541-7B7A-43D3-8B79-37D633B846F1}">
-                  <asvg:svgBlip xmlns:asvg="http://schemas.microsoft.com/office/drawing/2016/SVG/main" r:embed="rId3"/>
-                </a:ext>
-              </a:extLst>
-            </a:blip>
-            <a:stretch>
-              <a:fillRect l="0" t="0" r="0" b="0"/>
-            </a:stretch>
-          </a:blipFill>
-        </p:spPr>
-      </p:sp>
-      <p:sp>
-        <p:nvSpPr>
-          <p:cNvPr name="TextBox 13" id="13"/>
+          <p:cNvPr name="TextBox 5" id="5"/>
           <p:cNvSpPr txBox="true"/>
           <p:nvPr/>
         </p:nvSpPr>
         <p:spPr>
           <a:xfrm rot="0">
-            <a:off x="2052031" y="8000399"/>
-            <a:ext cx="4151927" cy="368300"/>
+            <a:off x="7066987" y="5501478"/>
+            <a:ext cx="4151927" cy="542926"/>
           </a:xfrm>
           <a:prstGeom prst="rect">
             <a:avLst/>
@@ -3551,14 +3267,14 @@
           <a:p>
             <a:pPr algn="ctr">
               <a:lnSpc>
-                <a:spcPts val="2799"/>
+                <a:spcPts val="4199"/>
               </a:lnSpc>
               <a:spcBef>
                 <a:spcPct val="0"/>
               </a:spcBef>
             </a:pPr>
             <a:r>
-              <a:rPr lang="en-US" b="true" sz="1999" spc="-99">
+              <a:rPr lang="en-US" b="true" sz="2999" spc="-149">
                 <a:solidFill>
                   <a:srgbClr val="FFFFFF"/>
                 </a:solidFill>
@@ -3574,14 +3290,14 @@
       </p:sp>
       <p:sp>
         <p:nvSpPr>
-          <p:cNvPr name="TextBox 14" id="14"/>
+          <p:cNvPr name="TextBox 6" id="6"/>
           <p:cNvSpPr txBox="true"/>
           <p:nvPr/>
         </p:nvSpPr>
         <p:spPr>
           <a:xfrm rot="0">
-            <a:off x="1028700" y="4669342"/>
-            <a:ext cx="10853285" cy="778510"/>
+            <a:off x="4318064" y="4045165"/>
+            <a:ext cx="9651872" cy="1073785"/>
           </a:xfrm>
           <a:prstGeom prst="rect">
             <a:avLst/>
@@ -3656,8 +3372,8 @@
         </p:nvSpPr>
         <p:spPr>
           <a:xfrm flipH="false" flipV="false" rot="0">
-            <a:off x="3884026" y="3057806"/>
-            <a:ext cx="10519947" cy="4171388"/>
+            <a:off x="2871699" y="2424200"/>
+            <a:ext cx="12544602" cy="6303662"/>
           </a:xfrm>
           <a:custGeom>
             <a:avLst/>
@@ -3666,18 +3382,18 @@
             <a:cxnLst/>
             <a:rect r="r" b="b" t="t" l="l"/>
             <a:pathLst>
-              <a:path h="4171388" w="10519947">
+              <a:path h="6303662" w="12544602">
                 <a:moveTo>
                   <a:pt x="0" y="0"/>
                 </a:moveTo>
                 <a:lnTo>
-                  <a:pt x="10519948" y="0"/>
-                </a:lnTo>
-                <a:lnTo>
-                  <a:pt x="10519948" y="4171388"/>
-                </a:lnTo>
-                <a:lnTo>
-                  <a:pt x="0" y="4171388"/>
+                  <a:pt x="12544602" y="0"/>
+                </a:lnTo>
+                <a:lnTo>
+                  <a:pt x="12544602" y="6303662"/>
+                </a:lnTo>
+                <a:lnTo>
+                  <a:pt x="0" y="6303662"/>
                 </a:lnTo>
                 <a:lnTo>
                   <a:pt x="0" y="0"/>
@@ -3702,8 +3418,8 @@
         </p:nvSpPr>
         <p:spPr>
           <a:xfrm rot="0">
-            <a:off x="5118657" y="530225"/>
-            <a:ext cx="8050687" cy="892175"/>
+            <a:off x="5446978" y="215900"/>
+            <a:ext cx="7394044" cy="1206500"/>
           </a:xfrm>
           <a:prstGeom prst="rect">
             <a:avLst/>
@@ -3745,7 +3461,189 @@
                 <a:cs typeface="Pattanakarn Expanded Bold"/>
                 <a:sym typeface="Pattanakarn Expanded Bold"/>
               </a:rPr>
-              <a:t>Experiment Results</a:t>
+              <a:t>Model Architecture</a:t>
+            </a:r>
+          </a:p>
+        </p:txBody>
+      </p:sp>
+      <p:sp>
+        <p:nvSpPr>
+          <p:cNvPr name="Freeform 4" id="4"/>
+          <p:cNvSpPr/>
+          <p:nvPr/>
+        </p:nvSpPr>
+        <p:spPr>
+          <a:xfrm flipH="false" flipV="false" rot="0">
+            <a:off x="15866188" y="605930"/>
+            <a:ext cx="1196828" cy="442826"/>
+          </a:xfrm>
+          <a:custGeom>
+            <a:avLst/>
+            <a:gdLst/>
+            <a:ahLst/>
+            <a:cxnLst/>
+            <a:rect r="r" b="b" t="t" l="l"/>
+            <a:pathLst>
+              <a:path h="442826" w="1196828">
+                <a:moveTo>
+                  <a:pt x="0" y="0"/>
+                </a:moveTo>
+                <a:lnTo>
+                  <a:pt x="1196828" y="0"/>
+                </a:lnTo>
+                <a:lnTo>
+                  <a:pt x="1196828" y="442827"/>
+                </a:lnTo>
+                <a:lnTo>
+                  <a:pt x="0" y="442827"/>
+                </a:lnTo>
+                <a:lnTo>
+                  <a:pt x="0" y="0"/>
+                </a:lnTo>
+                <a:close/>
+              </a:path>
+            </a:pathLst>
+          </a:custGeom>
+          <a:blipFill>
+            <a:blip r:embed="rId3"/>
+            <a:stretch>
+              <a:fillRect l="0" t="0" r="0" b="0"/>
+            </a:stretch>
+          </a:blipFill>
+        </p:spPr>
+      </p:sp>
+      <p:sp>
+        <p:nvSpPr>
+          <p:cNvPr name="Freeform 5" id="5"/>
+          <p:cNvSpPr/>
+          <p:nvPr/>
+        </p:nvSpPr>
+        <p:spPr>
+          <a:xfrm flipH="false" flipV="false" rot="0">
+            <a:off x="14972261" y="594540"/>
+            <a:ext cx="777356" cy="437263"/>
+          </a:xfrm>
+          <a:custGeom>
+            <a:avLst/>
+            <a:gdLst/>
+            <a:ahLst/>
+            <a:cxnLst/>
+            <a:rect r="r" b="b" t="t" l="l"/>
+            <a:pathLst>
+              <a:path h="437263" w="777356">
+                <a:moveTo>
+                  <a:pt x="0" y="0"/>
+                </a:moveTo>
+                <a:lnTo>
+                  <a:pt x="777356" y="0"/>
+                </a:lnTo>
+                <a:lnTo>
+                  <a:pt x="777356" y="437263"/>
+                </a:lnTo>
+                <a:lnTo>
+                  <a:pt x="0" y="437263"/>
+                </a:lnTo>
+                <a:lnTo>
+                  <a:pt x="0" y="0"/>
+                </a:lnTo>
+                <a:close/>
+              </a:path>
+            </a:pathLst>
+          </a:custGeom>
+          <a:blipFill>
+            <a:blip r:embed="rId4"/>
+            <a:stretch>
+              <a:fillRect l="0" t="0" r="0" b="0"/>
+            </a:stretch>
+          </a:blipFill>
+        </p:spPr>
+      </p:sp>
+      <p:sp>
+        <p:nvSpPr>
+          <p:cNvPr name="Freeform 6" id="6"/>
+          <p:cNvSpPr/>
+          <p:nvPr/>
+        </p:nvSpPr>
+        <p:spPr>
+          <a:xfrm flipH="false" flipV="false" rot="0">
+            <a:off x="757785" y="682606"/>
+            <a:ext cx="541830" cy="489731"/>
+          </a:xfrm>
+          <a:custGeom>
+            <a:avLst/>
+            <a:gdLst/>
+            <a:ahLst/>
+            <a:cxnLst/>
+            <a:rect r="r" b="b" t="t" l="l"/>
+            <a:pathLst>
+              <a:path h="489731" w="541830">
+                <a:moveTo>
+                  <a:pt x="0" y="0"/>
+                </a:moveTo>
+                <a:lnTo>
+                  <a:pt x="541830" y="0"/>
+                </a:lnTo>
+                <a:lnTo>
+                  <a:pt x="541830" y="489731"/>
+                </a:lnTo>
+                <a:lnTo>
+                  <a:pt x="0" y="489731"/>
+                </a:lnTo>
+                <a:lnTo>
+                  <a:pt x="0" y="0"/>
+                </a:lnTo>
+                <a:close/>
+              </a:path>
+            </a:pathLst>
+          </a:custGeom>
+          <a:blipFill>
+            <a:blip r:embed="rId5"/>
+            <a:stretch>
+              <a:fillRect l="0" t="0" r="0" b="0"/>
+            </a:stretch>
+          </a:blipFill>
+        </p:spPr>
+      </p:sp>
+      <p:sp>
+        <p:nvSpPr>
+          <p:cNvPr name="TextBox 7" id="7"/>
+          <p:cNvSpPr txBox="true"/>
+          <p:nvPr/>
+        </p:nvSpPr>
+        <p:spPr>
+          <a:xfrm rot="0">
+            <a:off x="1411420" y="765547"/>
+            <a:ext cx="2246573" cy="276225"/>
+          </a:xfrm>
+          <a:prstGeom prst="rect">
+            <a:avLst/>
+          </a:prstGeom>
+        </p:spPr>
+        <p:txBody>
+          <a:bodyPr anchor="t" rtlCol="false" tIns="0" lIns="0" bIns="0" rIns="0">
+            <a:spAutoFit/>
+          </a:bodyPr>
+          <a:lstStyle/>
+          <a:p>
+            <a:pPr algn="l">
+              <a:lnSpc>
+                <a:spcPts val="2100"/>
+              </a:lnSpc>
+              <a:spcBef>
+                <a:spcPct val="0"/>
+              </a:spcBef>
+            </a:pPr>
+            <a:r>
+              <a:rPr lang="en-US" sz="1500" spc="-75">
+                <a:solidFill>
+                  <a:srgbClr val="FFFFFF"/>
+                </a:solidFill>
+                <a:latin typeface="Telegraf"/>
+                <a:ea typeface="Telegraf"/>
+                <a:cs typeface="Telegraf"/>
+                <a:sym typeface="Telegraf"/>
+              </a:rPr>
+              <a:t>Pemrosesan Bahasa Lisan</a:t>
             </a:r>
           </a:p>
         </p:txBody>
@@ -3759,7 +3657,7 @@
 </file>
 
 <file path=ppt/slides/slide11.xml><?xml version="1.0" encoding="utf-8"?>
-<p:sld xmlns:p="http://schemas.openxmlformats.org/presentationml/2006/main" xmlns:a="http://schemas.openxmlformats.org/drawingml/2006/main">
+<p:sld xmlns:p="http://schemas.openxmlformats.org/presentationml/2006/main" xmlns:a="http://schemas.openxmlformats.org/drawingml/2006/main" xmlns:r="http://schemas.openxmlformats.org/officeDocument/2006/relationships">
   <p:cSld>
     <p:bg>
       <p:bgPr>
@@ -3782,16 +3680,176 @@
           <a:chExt cx="0" cy="0"/>
         </a:xfrm>
       </p:grpSpPr>
-      <p:sp>
-        <p:nvSpPr>
-          <p:cNvPr name="TextBox 2" id="2"/>
+      <p:grpSp>
+        <p:nvGrpSpPr>
+          <p:cNvPr name="Group 2" id="2"/>
+          <p:cNvGrpSpPr/>
+          <p:nvPr/>
+        </p:nvGrpSpPr>
+        <p:grpSpPr>
+          <a:xfrm rot="0">
+            <a:off x="1789786" y="2627168"/>
+            <a:ext cx="8866845" cy="5561054"/>
+            <a:chOff x="0" y="0"/>
+            <a:chExt cx="2335301" cy="1464640"/>
+          </a:xfrm>
+        </p:grpSpPr>
+        <p:sp>
+          <p:nvSpPr>
+            <p:cNvPr name="Freeform 3" id="3"/>
+            <p:cNvSpPr/>
+            <p:nvPr/>
+          </p:nvSpPr>
+          <p:spPr>
+            <a:xfrm flipH="false" flipV="false" rot="0">
+              <a:off x="0" y="0"/>
+              <a:ext cx="2335301" cy="1464640"/>
+            </a:xfrm>
+            <a:custGeom>
+              <a:avLst/>
+              <a:gdLst/>
+              <a:ahLst/>
+              <a:cxnLst/>
+              <a:rect r="r" b="b" t="t" l="l"/>
+              <a:pathLst>
+                <a:path h="1464640" w="2335301">
+                  <a:moveTo>
+                    <a:pt x="43657" y="0"/>
+                  </a:moveTo>
+                  <a:lnTo>
+                    <a:pt x="2291644" y="0"/>
+                  </a:lnTo>
+                  <a:cubicBezTo>
+                    <a:pt x="2315755" y="0"/>
+                    <a:pt x="2335301" y="19546"/>
+                    <a:pt x="2335301" y="43657"/>
+                  </a:cubicBezTo>
+                  <a:lnTo>
+                    <a:pt x="2335301" y="1420983"/>
+                  </a:lnTo>
+                  <a:cubicBezTo>
+                    <a:pt x="2335301" y="1445094"/>
+                    <a:pt x="2315755" y="1464640"/>
+                    <a:pt x="2291644" y="1464640"/>
+                  </a:cubicBezTo>
+                  <a:lnTo>
+                    <a:pt x="43657" y="1464640"/>
+                  </a:lnTo>
+                  <a:cubicBezTo>
+                    <a:pt x="19546" y="1464640"/>
+                    <a:pt x="0" y="1445094"/>
+                    <a:pt x="0" y="1420983"/>
+                  </a:cubicBezTo>
+                  <a:lnTo>
+                    <a:pt x="0" y="43657"/>
+                  </a:lnTo>
+                  <a:cubicBezTo>
+                    <a:pt x="0" y="19546"/>
+                    <a:pt x="19546" y="0"/>
+                    <a:pt x="43657" y="0"/>
+                  </a:cubicBezTo>
+                  <a:close/>
+                </a:path>
+              </a:pathLst>
+            </a:custGeom>
+            <a:solidFill>
+              <a:srgbClr val="000000">
+                <a:alpha val="0"/>
+              </a:srgbClr>
+            </a:solidFill>
+            <a:ln w="9525" cap="rnd">
+              <a:solidFill>
+                <a:srgbClr val="FFFFFF"/>
+              </a:solidFill>
+              <a:prstDash val="solid"/>
+              <a:round/>
+            </a:ln>
+          </p:spPr>
+        </p:sp>
+        <p:sp>
+          <p:nvSpPr>
+            <p:cNvPr name="TextBox 4" id="4"/>
+            <p:cNvSpPr txBox="true"/>
+            <p:nvPr/>
+          </p:nvSpPr>
+          <p:spPr>
+            <a:xfrm>
+              <a:off x="0" y="-57150"/>
+              <a:ext cx="2335301" cy="1521790"/>
+            </a:xfrm>
+            <a:prstGeom prst="rect">
+              <a:avLst/>
+            </a:prstGeom>
+          </p:spPr>
+          <p:txBody>
+            <a:bodyPr anchor="ctr" rtlCol="false" tIns="50800" lIns="50800" bIns="50800" rIns="50800"/>
+            <a:lstStyle/>
+            <a:p>
+              <a:pPr algn="ctr">
+                <a:lnSpc>
+                  <a:spcPts val="1960"/>
+                </a:lnSpc>
+              </a:pPr>
+            </a:p>
+          </p:txBody>
+        </p:sp>
+      </p:grpSp>
+      <p:sp>
+        <p:nvSpPr>
+          <p:cNvPr name="Freeform 5" id="5"/>
+          <p:cNvSpPr/>
+          <p:nvPr/>
+        </p:nvSpPr>
+        <p:spPr>
+          <a:xfrm flipH="false" flipV="false" rot="0">
+            <a:off x="1981146" y="2885781"/>
+            <a:ext cx="8484125" cy="5043827"/>
+          </a:xfrm>
+          <a:custGeom>
+            <a:avLst/>
+            <a:gdLst/>
+            <a:ahLst/>
+            <a:cxnLst/>
+            <a:rect r="r" b="b" t="t" l="l"/>
+            <a:pathLst>
+              <a:path h="5043827" w="8484125">
+                <a:moveTo>
+                  <a:pt x="0" y="0"/>
+                </a:moveTo>
+                <a:lnTo>
+                  <a:pt x="8484125" y="0"/>
+                </a:lnTo>
+                <a:lnTo>
+                  <a:pt x="8484125" y="5043827"/>
+                </a:lnTo>
+                <a:lnTo>
+                  <a:pt x="0" y="5043827"/>
+                </a:lnTo>
+                <a:lnTo>
+                  <a:pt x="0" y="0"/>
+                </a:lnTo>
+                <a:close/>
+              </a:path>
+            </a:pathLst>
+          </a:custGeom>
+          <a:blipFill>
+            <a:blip r:embed="rId2"/>
+            <a:stretch>
+              <a:fillRect l="0" t="0" r="0" b="0"/>
+            </a:stretch>
+          </a:blipFill>
+        </p:spPr>
+      </p:sp>
+      <p:sp>
+        <p:nvSpPr>
+          <p:cNvPr name="TextBox 6" id="6"/>
           <p:cNvSpPr txBox="true"/>
           <p:nvPr/>
         </p:nvSpPr>
         <p:spPr>
           <a:xfrm rot="0">
-            <a:off x="1028700" y="4156464"/>
-            <a:ext cx="16230600" cy="1774841"/>
+            <a:off x="11224769" y="4482792"/>
+            <a:ext cx="5273445" cy="1595218"/>
           </a:xfrm>
           <a:prstGeom prst="rect">
             <a:avLst/>
@@ -3803,16 +3861,98 @@
           </a:bodyPr>
           <a:lstStyle/>
           <a:p>
+            <a:pPr algn="l">
+              <a:lnSpc>
+                <a:spcPts val="4062"/>
+              </a:lnSpc>
+            </a:pPr>
+            <a:r>
+              <a:rPr lang="en-US" sz="3385" spc="-169">
+                <a:solidFill>
+                  <a:srgbClr val="FFFFFF"/>
+                </a:solidFill>
+                <a:latin typeface="Telegraf"/>
+                <a:ea typeface="Telegraf"/>
+                <a:cs typeface="Telegraf"/>
+                <a:sym typeface="Telegraf"/>
+              </a:rPr>
+              <a:t>Convolution layer bertugas untuk mengekstrak fitur spasial dari gambar</a:t>
+            </a:r>
+          </a:p>
+        </p:txBody>
+      </p:sp>
+      <p:sp>
+        <p:nvSpPr>
+          <p:cNvPr name="TextBox 7" id="7"/>
+          <p:cNvSpPr txBox="true"/>
+          <p:nvPr/>
+        </p:nvSpPr>
+        <p:spPr>
+          <a:xfrm rot="0">
+            <a:off x="11224769" y="3305511"/>
+            <a:ext cx="5063982" cy="806450"/>
+          </a:xfrm>
+          <a:prstGeom prst="rect">
+            <a:avLst/>
+          </a:prstGeom>
+        </p:spPr>
+        <p:txBody>
+          <a:bodyPr anchor="t" rtlCol="false" tIns="0" lIns="0" bIns="0" rIns="0">
+            <a:spAutoFit/>
+          </a:bodyPr>
+          <a:lstStyle/>
+          <a:p>
+            <a:pPr algn="l">
+              <a:lnSpc>
+                <a:spcPts val="3999"/>
+              </a:lnSpc>
+            </a:pPr>
+            <a:r>
+              <a:rPr lang="en-US" sz="3999" b="true">
+                <a:solidFill>
+                  <a:srgbClr val="FFFFFF"/>
+                </a:solidFill>
+                <a:latin typeface="Pattanakarn Expanded Bold"/>
+                <a:ea typeface="Pattanakarn Expanded Bold"/>
+                <a:cs typeface="Pattanakarn Expanded Bold"/>
+                <a:sym typeface="Pattanakarn Expanded Bold"/>
+              </a:rPr>
+              <a:t>CONVOLUTION</a:t>
+            </a:r>
+          </a:p>
+        </p:txBody>
+      </p:sp>
+      <p:sp>
+        <p:nvSpPr>
+          <p:cNvPr name="TextBox 8" id="8"/>
+          <p:cNvSpPr txBox="true"/>
+          <p:nvPr/>
+        </p:nvSpPr>
+        <p:spPr>
+          <a:xfrm rot="0">
+            <a:off x="5446978" y="215900"/>
+            <a:ext cx="7394044" cy="1206500"/>
+          </a:xfrm>
+          <a:prstGeom prst="rect">
+            <a:avLst/>
+          </a:prstGeom>
+        </p:spPr>
+        <p:txBody>
+          <a:bodyPr anchor="t" rtlCol="false" tIns="0" lIns="0" bIns="0" rIns="0">
+            <a:spAutoFit/>
+          </a:bodyPr>
+          <a:lstStyle/>
+          <a:p>
             <a:pPr algn="ctr" marL="0" indent="0" lvl="0">
               <a:lnSpc>
-                <a:spcPts val="13999"/>
+                <a:spcPts val="7000"/>
               </a:lnSpc>
               <a:spcBef>
                 <a:spcPct val="0"/>
               </a:spcBef>
             </a:pPr>
             <a:r>
-              <a:rPr lang="en-US" b="true" sz="9999">
+              <a:rPr lang="en-US" b="true" sz="5000">
                 <a:gradFill>
                   <a:gsLst>
                     <a:gs pos="0">
@@ -3833,7 +3973,3598 @@
                 <a:cs typeface="Pattanakarn Expanded Bold"/>
                 <a:sym typeface="Pattanakarn Expanded Bold"/>
               </a:rPr>
-              <a:t>THANK YOU</a:t>
+              <a:t>Model Architecture</a:t>
+            </a:r>
+          </a:p>
+        </p:txBody>
+      </p:sp>
+      <p:sp>
+        <p:nvSpPr>
+          <p:cNvPr name="Freeform 9" id="9"/>
+          <p:cNvSpPr/>
+          <p:nvPr/>
+        </p:nvSpPr>
+        <p:spPr>
+          <a:xfrm flipH="false" flipV="false" rot="0">
+            <a:off x="15866188" y="605930"/>
+            <a:ext cx="1196828" cy="442826"/>
+          </a:xfrm>
+          <a:custGeom>
+            <a:avLst/>
+            <a:gdLst/>
+            <a:ahLst/>
+            <a:cxnLst/>
+            <a:rect r="r" b="b" t="t" l="l"/>
+            <a:pathLst>
+              <a:path h="442826" w="1196828">
+                <a:moveTo>
+                  <a:pt x="0" y="0"/>
+                </a:moveTo>
+                <a:lnTo>
+                  <a:pt x="1196828" y="0"/>
+                </a:lnTo>
+                <a:lnTo>
+                  <a:pt x="1196828" y="442827"/>
+                </a:lnTo>
+                <a:lnTo>
+                  <a:pt x="0" y="442827"/>
+                </a:lnTo>
+                <a:lnTo>
+                  <a:pt x="0" y="0"/>
+                </a:lnTo>
+                <a:close/>
+              </a:path>
+            </a:pathLst>
+          </a:custGeom>
+          <a:blipFill>
+            <a:blip r:embed="rId3"/>
+            <a:stretch>
+              <a:fillRect l="0" t="0" r="0" b="0"/>
+            </a:stretch>
+          </a:blipFill>
+        </p:spPr>
+      </p:sp>
+      <p:sp>
+        <p:nvSpPr>
+          <p:cNvPr name="Freeform 10" id="10"/>
+          <p:cNvSpPr/>
+          <p:nvPr/>
+        </p:nvSpPr>
+        <p:spPr>
+          <a:xfrm flipH="false" flipV="false" rot="0">
+            <a:off x="14972261" y="594540"/>
+            <a:ext cx="777356" cy="437263"/>
+          </a:xfrm>
+          <a:custGeom>
+            <a:avLst/>
+            <a:gdLst/>
+            <a:ahLst/>
+            <a:cxnLst/>
+            <a:rect r="r" b="b" t="t" l="l"/>
+            <a:pathLst>
+              <a:path h="437263" w="777356">
+                <a:moveTo>
+                  <a:pt x="0" y="0"/>
+                </a:moveTo>
+                <a:lnTo>
+                  <a:pt x="777356" y="0"/>
+                </a:lnTo>
+                <a:lnTo>
+                  <a:pt x="777356" y="437263"/>
+                </a:lnTo>
+                <a:lnTo>
+                  <a:pt x="0" y="437263"/>
+                </a:lnTo>
+                <a:lnTo>
+                  <a:pt x="0" y="0"/>
+                </a:lnTo>
+                <a:close/>
+              </a:path>
+            </a:pathLst>
+          </a:custGeom>
+          <a:blipFill>
+            <a:blip r:embed="rId4"/>
+            <a:stretch>
+              <a:fillRect l="0" t="0" r="0" b="0"/>
+            </a:stretch>
+          </a:blipFill>
+        </p:spPr>
+      </p:sp>
+      <p:sp>
+        <p:nvSpPr>
+          <p:cNvPr name="Freeform 11" id="11"/>
+          <p:cNvSpPr/>
+          <p:nvPr/>
+        </p:nvSpPr>
+        <p:spPr>
+          <a:xfrm flipH="false" flipV="false" rot="0">
+            <a:off x="757785" y="682606"/>
+            <a:ext cx="541830" cy="489731"/>
+          </a:xfrm>
+          <a:custGeom>
+            <a:avLst/>
+            <a:gdLst/>
+            <a:ahLst/>
+            <a:cxnLst/>
+            <a:rect r="r" b="b" t="t" l="l"/>
+            <a:pathLst>
+              <a:path h="489731" w="541830">
+                <a:moveTo>
+                  <a:pt x="0" y="0"/>
+                </a:moveTo>
+                <a:lnTo>
+                  <a:pt x="541830" y="0"/>
+                </a:lnTo>
+                <a:lnTo>
+                  <a:pt x="541830" y="489731"/>
+                </a:lnTo>
+                <a:lnTo>
+                  <a:pt x="0" y="489731"/>
+                </a:lnTo>
+                <a:lnTo>
+                  <a:pt x="0" y="0"/>
+                </a:lnTo>
+                <a:close/>
+              </a:path>
+            </a:pathLst>
+          </a:custGeom>
+          <a:blipFill>
+            <a:blip r:embed="rId5"/>
+            <a:stretch>
+              <a:fillRect l="0" t="0" r="0" b="0"/>
+            </a:stretch>
+          </a:blipFill>
+        </p:spPr>
+      </p:sp>
+      <p:sp>
+        <p:nvSpPr>
+          <p:cNvPr name="TextBox 12" id="12"/>
+          <p:cNvSpPr txBox="true"/>
+          <p:nvPr/>
+        </p:nvSpPr>
+        <p:spPr>
+          <a:xfrm rot="0">
+            <a:off x="1411420" y="765547"/>
+            <a:ext cx="2246573" cy="276225"/>
+          </a:xfrm>
+          <a:prstGeom prst="rect">
+            <a:avLst/>
+          </a:prstGeom>
+        </p:spPr>
+        <p:txBody>
+          <a:bodyPr anchor="t" rtlCol="false" tIns="0" lIns="0" bIns="0" rIns="0">
+            <a:spAutoFit/>
+          </a:bodyPr>
+          <a:lstStyle/>
+          <a:p>
+            <a:pPr algn="l">
+              <a:lnSpc>
+                <a:spcPts val="2100"/>
+              </a:lnSpc>
+              <a:spcBef>
+                <a:spcPct val="0"/>
+              </a:spcBef>
+            </a:pPr>
+            <a:r>
+              <a:rPr lang="en-US" sz="1500" spc="-75">
+                <a:solidFill>
+                  <a:srgbClr val="FFFFFF"/>
+                </a:solidFill>
+                <a:latin typeface="Telegraf"/>
+                <a:ea typeface="Telegraf"/>
+                <a:cs typeface="Telegraf"/>
+                <a:sym typeface="Telegraf"/>
+              </a:rPr>
+              <a:t>Pemrosesan Bahasa Lisan</a:t>
+            </a:r>
+          </a:p>
+        </p:txBody>
+      </p:sp>
+    </p:spTree>
+  </p:cSld>
+  <p:clrMapOvr>
+    <a:masterClrMapping/>
+  </p:clrMapOvr>
+</p:sld>
+</file>
+
+<file path=ppt/slides/slide12.xml><?xml version="1.0" encoding="utf-8"?>
+<p:sld xmlns:p="http://schemas.openxmlformats.org/presentationml/2006/main" xmlns:a="http://schemas.openxmlformats.org/drawingml/2006/main" xmlns:r="http://schemas.openxmlformats.org/officeDocument/2006/relationships">
+  <p:cSld>
+    <p:bg>
+      <p:bgPr>
+        <a:solidFill>
+          <a:srgbClr val="000000"/>
+        </a:solidFill>
+      </p:bgPr>
+    </p:bg>
+    <p:spTree>
+      <p:nvGrpSpPr>
+        <p:cNvPr id="1" name=""/>
+        <p:cNvGrpSpPr/>
+        <p:nvPr/>
+      </p:nvGrpSpPr>
+      <p:grpSpPr>
+        <a:xfrm>
+          <a:off x="0" y="0"/>
+          <a:ext cx="0" cy="0"/>
+          <a:chOff x="0" y="0"/>
+          <a:chExt cx="0" cy="0"/>
+        </a:xfrm>
+      </p:grpSpPr>
+      <p:grpSp>
+        <p:nvGrpSpPr>
+          <p:cNvPr name="Group 2" id="2"/>
+          <p:cNvGrpSpPr/>
+          <p:nvPr/>
+        </p:nvGrpSpPr>
+        <p:grpSpPr>
+          <a:xfrm rot="0">
+            <a:off x="6789749" y="2208305"/>
+            <a:ext cx="9933645" cy="4428940"/>
+            <a:chOff x="0" y="0"/>
+            <a:chExt cx="2616269" cy="1166470"/>
+          </a:xfrm>
+        </p:grpSpPr>
+        <p:sp>
+          <p:nvSpPr>
+            <p:cNvPr name="Freeform 3" id="3"/>
+            <p:cNvSpPr/>
+            <p:nvPr/>
+          </p:nvSpPr>
+          <p:spPr>
+            <a:xfrm flipH="false" flipV="false" rot="0">
+              <a:off x="0" y="0"/>
+              <a:ext cx="2616269" cy="1166470"/>
+            </a:xfrm>
+            <a:custGeom>
+              <a:avLst/>
+              <a:gdLst/>
+              <a:ahLst/>
+              <a:cxnLst/>
+              <a:rect r="r" b="b" t="t" l="l"/>
+              <a:pathLst>
+                <a:path h="1166470" w="2616269">
+                  <a:moveTo>
+                    <a:pt x="38968" y="0"/>
+                  </a:moveTo>
+                  <a:lnTo>
+                    <a:pt x="2577300" y="0"/>
+                  </a:lnTo>
+                  <a:cubicBezTo>
+                    <a:pt x="2598822" y="0"/>
+                    <a:pt x="2616269" y="17447"/>
+                    <a:pt x="2616269" y="38968"/>
+                  </a:cubicBezTo>
+                  <a:lnTo>
+                    <a:pt x="2616269" y="1127502"/>
+                  </a:lnTo>
+                  <a:cubicBezTo>
+                    <a:pt x="2616269" y="1149023"/>
+                    <a:pt x="2598822" y="1166470"/>
+                    <a:pt x="2577300" y="1166470"/>
+                  </a:cubicBezTo>
+                  <a:lnTo>
+                    <a:pt x="38968" y="1166470"/>
+                  </a:lnTo>
+                  <a:cubicBezTo>
+                    <a:pt x="17447" y="1166470"/>
+                    <a:pt x="0" y="1149023"/>
+                    <a:pt x="0" y="1127502"/>
+                  </a:cubicBezTo>
+                  <a:lnTo>
+                    <a:pt x="0" y="38968"/>
+                  </a:lnTo>
+                  <a:cubicBezTo>
+                    <a:pt x="0" y="17447"/>
+                    <a:pt x="17447" y="0"/>
+                    <a:pt x="38968" y="0"/>
+                  </a:cubicBezTo>
+                  <a:close/>
+                </a:path>
+              </a:pathLst>
+            </a:custGeom>
+            <a:solidFill>
+              <a:srgbClr val="000000">
+                <a:alpha val="0"/>
+              </a:srgbClr>
+            </a:solidFill>
+            <a:ln w="9525" cap="rnd">
+              <a:solidFill>
+                <a:srgbClr val="FFFFFF"/>
+              </a:solidFill>
+              <a:prstDash val="solid"/>
+              <a:round/>
+            </a:ln>
+          </p:spPr>
+        </p:sp>
+        <p:sp>
+          <p:nvSpPr>
+            <p:cNvPr name="TextBox 4" id="4"/>
+            <p:cNvSpPr txBox="true"/>
+            <p:nvPr/>
+          </p:nvSpPr>
+          <p:spPr>
+            <a:xfrm>
+              <a:off x="0" y="-57150"/>
+              <a:ext cx="2616269" cy="1223620"/>
+            </a:xfrm>
+            <a:prstGeom prst="rect">
+              <a:avLst/>
+            </a:prstGeom>
+          </p:spPr>
+          <p:txBody>
+            <a:bodyPr anchor="ctr" rtlCol="false" tIns="50800" lIns="50800" bIns="50800" rIns="50800"/>
+            <a:lstStyle/>
+            <a:p>
+              <a:pPr algn="ctr">
+                <a:lnSpc>
+                  <a:spcPts val="1960"/>
+                </a:lnSpc>
+              </a:pPr>
+            </a:p>
+          </p:txBody>
+        </p:sp>
+      </p:grpSp>
+      <p:sp>
+        <p:nvSpPr>
+          <p:cNvPr name="Freeform 5" id="5"/>
+          <p:cNvSpPr/>
+          <p:nvPr/>
+        </p:nvSpPr>
+        <p:spPr>
+          <a:xfrm flipH="false" flipV="false" rot="0">
+            <a:off x="6968838" y="2428931"/>
+            <a:ext cx="9556351" cy="3981813"/>
+          </a:xfrm>
+          <a:custGeom>
+            <a:avLst/>
+            <a:gdLst/>
+            <a:ahLst/>
+            <a:cxnLst/>
+            <a:rect r="r" b="b" t="t" l="l"/>
+            <a:pathLst>
+              <a:path h="3981813" w="9556351">
+                <a:moveTo>
+                  <a:pt x="0" y="0"/>
+                </a:moveTo>
+                <a:lnTo>
+                  <a:pt x="9556351" y="0"/>
+                </a:lnTo>
+                <a:lnTo>
+                  <a:pt x="9556351" y="3981813"/>
+                </a:lnTo>
+                <a:lnTo>
+                  <a:pt x="0" y="3981813"/>
+                </a:lnTo>
+                <a:lnTo>
+                  <a:pt x="0" y="0"/>
+                </a:lnTo>
+                <a:close/>
+              </a:path>
+            </a:pathLst>
+          </a:custGeom>
+          <a:blipFill>
+            <a:blip r:embed="rId2"/>
+            <a:stretch>
+              <a:fillRect l="0" t="0" r="0" b="0"/>
+            </a:stretch>
+          </a:blipFill>
+        </p:spPr>
+      </p:sp>
+      <p:sp>
+        <p:nvSpPr>
+          <p:cNvPr name="TextBox 6" id="6"/>
+          <p:cNvSpPr txBox="true"/>
+          <p:nvPr/>
+        </p:nvSpPr>
+        <p:spPr>
+          <a:xfrm rot="0">
+            <a:off x="1138099" y="7401386"/>
+            <a:ext cx="16011801" cy="1595218"/>
+          </a:xfrm>
+          <a:prstGeom prst="rect">
+            <a:avLst/>
+          </a:prstGeom>
+        </p:spPr>
+        <p:txBody>
+          <a:bodyPr anchor="t" rtlCol="false" tIns="0" lIns="0" bIns="0" rIns="0">
+            <a:spAutoFit/>
+          </a:bodyPr>
+          <a:lstStyle/>
+          <a:p>
+            <a:pPr algn="l">
+              <a:lnSpc>
+                <a:spcPts val="4062"/>
+              </a:lnSpc>
+            </a:pPr>
+            <a:r>
+              <a:rPr lang="en-US" sz="3385" spc="-169">
+                <a:solidFill>
+                  <a:srgbClr val="FFFFFF"/>
+                </a:solidFill>
+                <a:latin typeface="Telegraf"/>
+                <a:ea typeface="Telegraf"/>
+                <a:cs typeface="Telegraf"/>
+                <a:sym typeface="Telegraf"/>
+              </a:rPr>
+              <a:t>Max Pooling layer berfungsi mengecilkan resolusi fitur dengan mengambil nilai maksimum di tiap jendela pooling, sehingga ukuran spatial berkurang, jumlah parameter lebih sedikit, dan model tetap menonjolkan aktivasi paling kuat sebelum klasifikasi.</a:t>
+            </a:r>
+          </a:p>
+        </p:txBody>
+      </p:sp>
+      <p:sp>
+        <p:nvSpPr>
+          <p:cNvPr name="TextBox 7" id="7"/>
+          <p:cNvSpPr txBox="true"/>
+          <p:nvPr/>
+        </p:nvSpPr>
+        <p:spPr>
+          <a:xfrm rot="0">
+            <a:off x="1138099" y="6465795"/>
+            <a:ext cx="13673899" cy="806450"/>
+          </a:xfrm>
+          <a:prstGeom prst="rect">
+            <a:avLst/>
+          </a:prstGeom>
+        </p:spPr>
+        <p:txBody>
+          <a:bodyPr anchor="t" rtlCol="false" tIns="0" lIns="0" bIns="0" rIns="0">
+            <a:spAutoFit/>
+          </a:bodyPr>
+          <a:lstStyle/>
+          <a:p>
+            <a:pPr algn="l">
+              <a:lnSpc>
+                <a:spcPts val="3999"/>
+              </a:lnSpc>
+            </a:pPr>
+            <a:r>
+              <a:rPr lang="en-US" sz="3999" b="true">
+                <a:solidFill>
+                  <a:srgbClr val="FFFFFF"/>
+                </a:solidFill>
+                <a:latin typeface="Pattanakarn Expanded Bold"/>
+                <a:ea typeface="Pattanakarn Expanded Bold"/>
+                <a:cs typeface="Pattanakarn Expanded Bold"/>
+                <a:sym typeface="Pattanakarn Expanded Bold"/>
+              </a:rPr>
+              <a:t>MAX POOLING</a:t>
+            </a:r>
+          </a:p>
+        </p:txBody>
+      </p:sp>
+      <p:sp>
+        <p:nvSpPr>
+          <p:cNvPr name="TextBox 8" id="8"/>
+          <p:cNvSpPr txBox="true"/>
+          <p:nvPr/>
+        </p:nvSpPr>
+        <p:spPr>
+          <a:xfrm rot="0">
+            <a:off x="5446978" y="215900"/>
+            <a:ext cx="7394044" cy="1206500"/>
+          </a:xfrm>
+          <a:prstGeom prst="rect">
+            <a:avLst/>
+          </a:prstGeom>
+        </p:spPr>
+        <p:txBody>
+          <a:bodyPr anchor="t" rtlCol="false" tIns="0" lIns="0" bIns="0" rIns="0">
+            <a:spAutoFit/>
+          </a:bodyPr>
+          <a:lstStyle/>
+          <a:p>
+            <a:pPr algn="ctr" marL="0" indent="0" lvl="0">
+              <a:lnSpc>
+                <a:spcPts val="7000"/>
+              </a:lnSpc>
+              <a:spcBef>
+                <a:spcPct val="0"/>
+              </a:spcBef>
+            </a:pPr>
+            <a:r>
+              <a:rPr lang="en-US" b="true" sz="5000">
+                <a:gradFill>
+                  <a:gsLst>
+                    <a:gs pos="0">
+                      <a:srgbClr val="10162A">
+                        <a:alpha val="100000"/>
+                      </a:srgbClr>
+                    </a:gs>
+                    <a:gs pos="100000">
+                      <a:srgbClr val="3361AC">
+                        <a:alpha val="68500"/>
+                      </a:srgbClr>
+                    </a:gs>
+                  </a:gsLst>
+                  <a:lin ang="0"/>
+                </a:gradFill>
+                <a:latin typeface="Pattanakarn Expanded Bold"/>
+                <a:ea typeface="Pattanakarn Expanded Bold"/>
+                <a:cs typeface="Pattanakarn Expanded Bold"/>
+                <a:sym typeface="Pattanakarn Expanded Bold"/>
+              </a:rPr>
+              <a:t>Model Architecture</a:t>
+            </a:r>
+          </a:p>
+        </p:txBody>
+      </p:sp>
+      <p:sp>
+        <p:nvSpPr>
+          <p:cNvPr name="Freeform 9" id="9"/>
+          <p:cNvSpPr/>
+          <p:nvPr/>
+        </p:nvSpPr>
+        <p:spPr>
+          <a:xfrm flipH="false" flipV="false" rot="0">
+            <a:off x="15866188" y="605930"/>
+            <a:ext cx="1196828" cy="442826"/>
+          </a:xfrm>
+          <a:custGeom>
+            <a:avLst/>
+            <a:gdLst/>
+            <a:ahLst/>
+            <a:cxnLst/>
+            <a:rect r="r" b="b" t="t" l="l"/>
+            <a:pathLst>
+              <a:path h="442826" w="1196828">
+                <a:moveTo>
+                  <a:pt x="0" y="0"/>
+                </a:moveTo>
+                <a:lnTo>
+                  <a:pt x="1196828" y="0"/>
+                </a:lnTo>
+                <a:lnTo>
+                  <a:pt x="1196828" y="442827"/>
+                </a:lnTo>
+                <a:lnTo>
+                  <a:pt x="0" y="442827"/>
+                </a:lnTo>
+                <a:lnTo>
+                  <a:pt x="0" y="0"/>
+                </a:lnTo>
+                <a:close/>
+              </a:path>
+            </a:pathLst>
+          </a:custGeom>
+          <a:blipFill>
+            <a:blip r:embed="rId3"/>
+            <a:stretch>
+              <a:fillRect l="0" t="0" r="0" b="0"/>
+            </a:stretch>
+          </a:blipFill>
+        </p:spPr>
+      </p:sp>
+      <p:sp>
+        <p:nvSpPr>
+          <p:cNvPr name="Freeform 10" id="10"/>
+          <p:cNvSpPr/>
+          <p:nvPr/>
+        </p:nvSpPr>
+        <p:spPr>
+          <a:xfrm flipH="false" flipV="false" rot="0">
+            <a:off x="14972261" y="594540"/>
+            <a:ext cx="777356" cy="437263"/>
+          </a:xfrm>
+          <a:custGeom>
+            <a:avLst/>
+            <a:gdLst/>
+            <a:ahLst/>
+            <a:cxnLst/>
+            <a:rect r="r" b="b" t="t" l="l"/>
+            <a:pathLst>
+              <a:path h="437263" w="777356">
+                <a:moveTo>
+                  <a:pt x="0" y="0"/>
+                </a:moveTo>
+                <a:lnTo>
+                  <a:pt x="777356" y="0"/>
+                </a:lnTo>
+                <a:lnTo>
+                  <a:pt x="777356" y="437263"/>
+                </a:lnTo>
+                <a:lnTo>
+                  <a:pt x="0" y="437263"/>
+                </a:lnTo>
+                <a:lnTo>
+                  <a:pt x="0" y="0"/>
+                </a:lnTo>
+                <a:close/>
+              </a:path>
+            </a:pathLst>
+          </a:custGeom>
+          <a:blipFill>
+            <a:blip r:embed="rId4"/>
+            <a:stretch>
+              <a:fillRect l="0" t="0" r="0" b="0"/>
+            </a:stretch>
+          </a:blipFill>
+        </p:spPr>
+      </p:sp>
+      <p:sp>
+        <p:nvSpPr>
+          <p:cNvPr name="Freeform 11" id="11"/>
+          <p:cNvSpPr/>
+          <p:nvPr/>
+        </p:nvSpPr>
+        <p:spPr>
+          <a:xfrm flipH="false" flipV="false" rot="0">
+            <a:off x="757785" y="682606"/>
+            <a:ext cx="541830" cy="489731"/>
+          </a:xfrm>
+          <a:custGeom>
+            <a:avLst/>
+            <a:gdLst/>
+            <a:ahLst/>
+            <a:cxnLst/>
+            <a:rect r="r" b="b" t="t" l="l"/>
+            <a:pathLst>
+              <a:path h="489731" w="541830">
+                <a:moveTo>
+                  <a:pt x="0" y="0"/>
+                </a:moveTo>
+                <a:lnTo>
+                  <a:pt x="541830" y="0"/>
+                </a:lnTo>
+                <a:lnTo>
+                  <a:pt x="541830" y="489731"/>
+                </a:lnTo>
+                <a:lnTo>
+                  <a:pt x="0" y="489731"/>
+                </a:lnTo>
+                <a:lnTo>
+                  <a:pt x="0" y="0"/>
+                </a:lnTo>
+                <a:close/>
+              </a:path>
+            </a:pathLst>
+          </a:custGeom>
+          <a:blipFill>
+            <a:blip r:embed="rId5"/>
+            <a:stretch>
+              <a:fillRect l="0" t="0" r="0" b="0"/>
+            </a:stretch>
+          </a:blipFill>
+        </p:spPr>
+      </p:sp>
+      <p:sp>
+        <p:nvSpPr>
+          <p:cNvPr name="TextBox 12" id="12"/>
+          <p:cNvSpPr txBox="true"/>
+          <p:nvPr/>
+        </p:nvSpPr>
+        <p:spPr>
+          <a:xfrm rot="0">
+            <a:off x="1411420" y="765547"/>
+            <a:ext cx="2246573" cy="276225"/>
+          </a:xfrm>
+          <a:prstGeom prst="rect">
+            <a:avLst/>
+          </a:prstGeom>
+        </p:spPr>
+        <p:txBody>
+          <a:bodyPr anchor="t" rtlCol="false" tIns="0" lIns="0" bIns="0" rIns="0">
+            <a:spAutoFit/>
+          </a:bodyPr>
+          <a:lstStyle/>
+          <a:p>
+            <a:pPr algn="l">
+              <a:lnSpc>
+                <a:spcPts val="2100"/>
+              </a:lnSpc>
+              <a:spcBef>
+                <a:spcPct val="0"/>
+              </a:spcBef>
+            </a:pPr>
+            <a:r>
+              <a:rPr lang="en-US" sz="1500" spc="-75">
+                <a:solidFill>
+                  <a:srgbClr val="FFFFFF"/>
+                </a:solidFill>
+                <a:latin typeface="Telegraf"/>
+                <a:ea typeface="Telegraf"/>
+                <a:cs typeface="Telegraf"/>
+                <a:sym typeface="Telegraf"/>
+              </a:rPr>
+              <a:t>Pemrosesan Bahasa Lisan</a:t>
+            </a:r>
+          </a:p>
+        </p:txBody>
+      </p:sp>
+    </p:spTree>
+  </p:cSld>
+  <p:clrMapOvr>
+    <a:masterClrMapping/>
+  </p:clrMapOvr>
+</p:sld>
+</file>
+
+<file path=ppt/slides/slide13.xml><?xml version="1.0" encoding="utf-8"?>
+<p:sld xmlns:p="http://schemas.openxmlformats.org/presentationml/2006/main" xmlns:a="http://schemas.openxmlformats.org/drawingml/2006/main" xmlns:r="http://schemas.openxmlformats.org/officeDocument/2006/relationships">
+  <p:cSld>
+    <p:bg>
+      <p:bgPr>
+        <a:solidFill>
+          <a:srgbClr val="000000"/>
+        </a:solidFill>
+      </p:bgPr>
+    </p:bg>
+    <p:spTree>
+      <p:nvGrpSpPr>
+        <p:cNvPr id="1" name=""/>
+        <p:cNvGrpSpPr/>
+        <p:nvPr/>
+      </p:nvGrpSpPr>
+      <p:grpSpPr>
+        <a:xfrm>
+          <a:off x="0" y="0"/>
+          <a:ext cx="0" cy="0"/>
+          <a:chOff x="0" y="0"/>
+          <a:chExt cx="0" cy="0"/>
+        </a:xfrm>
+      </p:grpSpPr>
+      <p:grpSp>
+        <p:nvGrpSpPr>
+          <p:cNvPr name="Group 2" id="2"/>
+          <p:cNvGrpSpPr/>
+          <p:nvPr/>
+        </p:nvGrpSpPr>
+        <p:grpSpPr>
+          <a:xfrm rot="0">
+            <a:off x="1411420" y="2627168"/>
+            <a:ext cx="8866845" cy="5561054"/>
+            <a:chOff x="0" y="0"/>
+            <a:chExt cx="2335301" cy="1464640"/>
+          </a:xfrm>
+        </p:grpSpPr>
+        <p:sp>
+          <p:nvSpPr>
+            <p:cNvPr name="Freeform 3" id="3"/>
+            <p:cNvSpPr/>
+            <p:nvPr/>
+          </p:nvSpPr>
+          <p:spPr>
+            <a:xfrm flipH="false" flipV="false" rot="0">
+              <a:off x="0" y="0"/>
+              <a:ext cx="2335301" cy="1464640"/>
+            </a:xfrm>
+            <a:custGeom>
+              <a:avLst/>
+              <a:gdLst/>
+              <a:ahLst/>
+              <a:cxnLst/>
+              <a:rect r="r" b="b" t="t" l="l"/>
+              <a:pathLst>
+                <a:path h="1464640" w="2335301">
+                  <a:moveTo>
+                    <a:pt x="43657" y="0"/>
+                  </a:moveTo>
+                  <a:lnTo>
+                    <a:pt x="2291644" y="0"/>
+                  </a:lnTo>
+                  <a:cubicBezTo>
+                    <a:pt x="2315755" y="0"/>
+                    <a:pt x="2335301" y="19546"/>
+                    <a:pt x="2335301" y="43657"/>
+                  </a:cubicBezTo>
+                  <a:lnTo>
+                    <a:pt x="2335301" y="1420983"/>
+                  </a:lnTo>
+                  <a:cubicBezTo>
+                    <a:pt x="2335301" y="1445094"/>
+                    <a:pt x="2315755" y="1464640"/>
+                    <a:pt x="2291644" y="1464640"/>
+                  </a:cubicBezTo>
+                  <a:lnTo>
+                    <a:pt x="43657" y="1464640"/>
+                  </a:lnTo>
+                  <a:cubicBezTo>
+                    <a:pt x="19546" y="1464640"/>
+                    <a:pt x="0" y="1445094"/>
+                    <a:pt x="0" y="1420983"/>
+                  </a:cubicBezTo>
+                  <a:lnTo>
+                    <a:pt x="0" y="43657"/>
+                  </a:lnTo>
+                  <a:cubicBezTo>
+                    <a:pt x="0" y="19546"/>
+                    <a:pt x="19546" y="0"/>
+                    <a:pt x="43657" y="0"/>
+                  </a:cubicBezTo>
+                  <a:close/>
+                </a:path>
+              </a:pathLst>
+            </a:custGeom>
+            <a:solidFill>
+              <a:srgbClr val="000000">
+                <a:alpha val="0"/>
+              </a:srgbClr>
+            </a:solidFill>
+            <a:ln w="9525" cap="rnd">
+              <a:solidFill>
+                <a:srgbClr val="FFFFFF"/>
+              </a:solidFill>
+              <a:prstDash val="solid"/>
+              <a:round/>
+            </a:ln>
+          </p:spPr>
+        </p:sp>
+        <p:sp>
+          <p:nvSpPr>
+            <p:cNvPr name="TextBox 4" id="4"/>
+            <p:cNvSpPr txBox="true"/>
+            <p:nvPr/>
+          </p:nvSpPr>
+          <p:spPr>
+            <a:xfrm>
+              <a:off x="0" y="-57150"/>
+              <a:ext cx="2335301" cy="1521790"/>
+            </a:xfrm>
+            <a:prstGeom prst="rect">
+              <a:avLst/>
+            </a:prstGeom>
+          </p:spPr>
+          <p:txBody>
+            <a:bodyPr anchor="ctr" rtlCol="false" tIns="50800" lIns="50800" bIns="50800" rIns="50800"/>
+            <a:lstStyle/>
+            <a:p>
+              <a:pPr algn="ctr">
+                <a:lnSpc>
+                  <a:spcPts val="1960"/>
+                </a:lnSpc>
+              </a:pPr>
+            </a:p>
+          </p:txBody>
+        </p:sp>
+      </p:grpSp>
+      <p:sp>
+        <p:nvSpPr>
+          <p:cNvPr name="Freeform 5" id="5"/>
+          <p:cNvSpPr/>
+          <p:nvPr/>
+        </p:nvSpPr>
+        <p:spPr>
+          <a:xfrm flipH="false" flipV="false" rot="0">
+            <a:off x="1770307" y="2931849"/>
+            <a:ext cx="8149069" cy="4951691"/>
+          </a:xfrm>
+          <a:custGeom>
+            <a:avLst/>
+            <a:gdLst/>
+            <a:ahLst/>
+            <a:cxnLst/>
+            <a:rect r="r" b="b" t="t" l="l"/>
+            <a:pathLst>
+              <a:path h="4951691" w="8149069">
+                <a:moveTo>
+                  <a:pt x="0" y="0"/>
+                </a:moveTo>
+                <a:lnTo>
+                  <a:pt x="8149070" y="0"/>
+                </a:lnTo>
+                <a:lnTo>
+                  <a:pt x="8149070" y="4951691"/>
+                </a:lnTo>
+                <a:lnTo>
+                  <a:pt x="0" y="4951691"/>
+                </a:lnTo>
+                <a:lnTo>
+                  <a:pt x="0" y="0"/>
+                </a:lnTo>
+                <a:close/>
+              </a:path>
+            </a:pathLst>
+          </a:custGeom>
+          <a:blipFill>
+            <a:blip r:embed="rId2"/>
+            <a:stretch>
+              <a:fillRect l="0" t="0" r="0" b="0"/>
+            </a:stretch>
+          </a:blipFill>
+        </p:spPr>
+      </p:sp>
+      <p:sp>
+        <p:nvSpPr>
+          <p:cNvPr name="TextBox 6" id="6"/>
+          <p:cNvSpPr txBox="true"/>
+          <p:nvPr/>
+        </p:nvSpPr>
+        <p:spPr>
+          <a:xfrm rot="0">
+            <a:off x="10919969" y="3823340"/>
+            <a:ext cx="6339331" cy="4690405"/>
+          </a:xfrm>
+          <a:prstGeom prst="rect">
+            <a:avLst/>
+          </a:prstGeom>
+        </p:spPr>
+        <p:txBody>
+          <a:bodyPr anchor="t" rtlCol="false" tIns="0" lIns="0" bIns="0" rIns="0">
+            <a:spAutoFit/>
+          </a:bodyPr>
+          <a:lstStyle/>
+          <a:p>
+            <a:pPr algn="l">
+              <a:lnSpc>
+                <a:spcPts val="4062"/>
+              </a:lnSpc>
+            </a:pPr>
+            <a:r>
+              <a:rPr lang="en-US" sz="3385" spc="-169">
+                <a:solidFill>
+                  <a:srgbClr val="FFFFFF"/>
+                </a:solidFill>
+                <a:latin typeface="Telegraf"/>
+                <a:ea typeface="Telegraf"/>
+                <a:cs typeface="Telegraf"/>
+                <a:sym typeface="Telegraf"/>
+              </a:rPr>
+              <a:t>Softmax activation function berfungsi untuk mengubah logits dari neuron terakhir menjadi distribusi probabilitas yang penjumlahannya 1. Nilai tertinggi menunjukkan kelas yang diprediksi, sehingga cocok untuk klasifikasi dua kelas pada dataset ini.</a:t>
+            </a:r>
+          </a:p>
+        </p:txBody>
+      </p:sp>
+      <p:sp>
+        <p:nvSpPr>
+          <p:cNvPr name="TextBox 7" id="7"/>
+          <p:cNvSpPr txBox="true"/>
+          <p:nvPr/>
+        </p:nvSpPr>
+        <p:spPr>
+          <a:xfrm rot="0">
+            <a:off x="10919969" y="2646059"/>
+            <a:ext cx="6087530" cy="806450"/>
+          </a:xfrm>
+          <a:prstGeom prst="rect">
+            <a:avLst/>
+          </a:prstGeom>
+        </p:spPr>
+        <p:txBody>
+          <a:bodyPr anchor="t" rtlCol="false" tIns="0" lIns="0" bIns="0" rIns="0">
+            <a:spAutoFit/>
+          </a:bodyPr>
+          <a:lstStyle/>
+          <a:p>
+            <a:pPr algn="l">
+              <a:lnSpc>
+                <a:spcPts val="3999"/>
+              </a:lnSpc>
+            </a:pPr>
+            <a:r>
+              <a:rPr lang="en-US" sz="3999" b="true">
+                <a:solidFill>
+                  <a:srgbClr val="FFFFFF"/>
+                </a:solidFill>
+                <a:latin typeface="Pattanakarn Expanded Bold"/>
+                <a:ea typeface="Pattanakarn Expanded Bold"/>
+                <a:cs typeface="Pattanakarn Expanded Bold"/>
+                <a:sym typeface="Pattanakarn Expanded Bold"/>
+              </a:rPr>
+              <a:t>SOFTMAX</a:t>
+            </a:r>
+          </a:p>
+        </p:txBody>
+      </p:sp>
+      <p:sp>
+        <p:nvSpPr>
+          <p:cNvPr name="TextBox 8" id="8"/>
+          <p:cNvSpPr txBox="true"/>
+          <p:nvPr/>
+        </p:nvSpPr>
+        <p:spPr>
+          <a:xfrm rot="0">
+            <a:off x="5446978" y="215900"/>
+            <a:ext cx="7394044" cy="1206500"/>
+          </a:xfrm>
+          <a:prstGeom prst="rect">
+            <a:avLst/>
+          </a:prstGeom>
+        </p:spPr>
+        <p:txBody>
+          <a:bodyPr anchor="t" rtlCol="false" tIns="0" lIns="0" bIns="0" rIns="0">
+            <a:spAutoFit/>
+          </a:bodyPr>
+          <a:lstStyle/>
+          <a:p>
+            <a:pPr algn="ctr" marL="0" indent="0" lvl="0">
+              <a:lnSpc>
+                <a:spcPts val="7000"/>
+              </a:lnSpc>
+              <a:spcBef>
+                <a:spcPct val="0"/>
+              </a:spcBef>
+            </a:pPr>
+            <a:r>
+              <a:rPr lang="en-US" b="true" sz="5000">
+                <a:gradFill>
+                  <a:gsLst>
+                    <a:gs pos="0">
+                      <a:srgbClr val="10162A">
+                        <a:alpha val="100000"/>
+                      </a:srgbClr>
+                    </a:gs>
+                    <a:gs pos="100000">
+                      <a:srgbClr val="3361AC">
+                        <a:alpha val="68500"/>
+                      </a:srgbClr>
+                    </a:gs>
+                  </a:gsLst>
+                  <a:lin ang="0"/>
+                </a:gradFill>
+                <a:latin typeface="Pattanakarn Expanded Bold"/>
+                <a:ea typeface="Pattanakarn Expanded Bold"/>
+                <a:cs typeface="Pattanakarn Expanded Bold"/>
+                <a:sym typeface="Pattanakarn Expanded Bold"/>
+              </a:rPr>
+              <a:t>Model Architecture</a:t>
+            </a:r>
+          </a:p>
+        </p:txBody>
+      </p:sp>
+      <p:sp>
+        <p:nvSpPr>
+          <p:cNvPr name="Freeform 9" id="9"/>
+          <p:cNvSpPr/>
+          <p:nvPr/>
+        </p:nvSpPr>
+        <p:spPr>
+          <a:xfrm flipH="false" flipV="false" rot="0">
+            <a:off x="15866188" y="605930"/>
+            <a:ext cx="1196828" cy="442826"/>
+          </a:xfrm>
+          <a:custGeom>
+            <a:avLst/>
+            <a:gdLst/>
+            <a:ahLst/>
+            <a:cxnLst/>
+            <a:rect r="r" b="b" t="t" l="l"/>
+            <a:pathLst>
+              <a:path h="442826" w="1196828">
+                <a:moveTo>
+                  <a:pt x="0" y="0"/>
+                </a:moveTo>
+                <a:lnTo>
+                  <a:pt x="1196828" y="0"/>
+                </a:lnTo>
+                <a:lnTo>
+                  <a:pt x="1196828" y="442827"/>
+                </a:lnTo>
+                <a:lnTo>
+                  <a:pt x="0" y="442827"/>
+                </a:lnTo>
+                <a:lnTo>
+                  <a:pt x="0" y="0"/>
+                </a:lnTo>
+                <a:close/>
+              </a:path>
+            </a:pathLst>
+          </a:custGeom>
+          <a:blipFill>
+            <a:blip r:embed="rId3"/>
+            <a:stretch>
+              <a:fillRect l="0" t="0" r="0" b="0"/>
+            </a:stretch>
+          </a:blipFill>
+        </p:spPr>
+      </p:sp>
+      <p:sp>
+        <p:nvSpPr>
+          <p:cNvPr name="Freeform 10" id="10"/>
+          <p:cNvSpPr/>
+          <p:nvPr/>
+        </p:nvSpPr>
+        <p:spPr>
+          <a:xfrm flipH="false" flipV="false" rot="0">
+            <a:off x="14972261" y="594540"/>
+            <a:ext cx="777356" cy="437263"/>
+          </a:xfrm>
+          <a:custGeom>
+            <a:avLst/>
+            <a:gdLst/>
+            <a:ahLst/>
+            <a:cxnLst/>
+            <a:rect r="r" b="b" t="t" l="l"/>
+            <a:pathLst>
+              <a:path h="437263" w="777356">
+                <a:moveTo>
+                  <a:pt x="0" y="0"/>
+                </a:moveTo>
+                <a:lnTo>
+                  <a:pt x="777356" y="0"/>
+                </a:lnTo>
+                <a:lnTo>
+                  <a:pt x="777356" y="437263"/>
+                </a:lnTo>
+                <a:lnTo>
+                  <a:pt x="0" y="437263"/>
+                </a:lnTo>
+                <a:lnTo>
+                  <a:pt x="0" y="0"/>
+                </a:lnTo>
+                <a:close/>
+              </a:path>
+            </a:pathLst>
+          </a:custGeom>
+          <a:blipFill>
+            <a:blip r:embed="rId4"/>
+            <a:stretch>
+              <a:fillRect l="0" t="0" r="0" b="0"/>
+            </a:stretch>
+          </a:blipFill>
+        </p:spPr>
+      </p:sp>
+      <p:sp>
+        <p:nvSpPr>
+          <p:cNvPr name="Freeform 11" id="11"/>
+          <p:cNvSpPr/>
+          <p:nvPr/>
+        </p:nvSpPr>
+        <p:spPr>
+          <a:xfrm flipH="false" flipV="false" rot="0">
+            <a:off x="757785" y="682606"/>
+            <a:ext cx="541830" cy="489731"/>
+          </a:xfrm>
+          <a:custGeom>
+            <a:avLst/>
+            <a:gdLst/>
+            <a:ahLst/>
+            <a:cxnLst/>
+            <a:rect r="r" b="b" t="t" l="l"/>
+            <a:pathLst>
+              <a:path h="489731" w="541830">
+                <a:moveTo>
+                  <a:pt x="0" y="0"/>
+                </a:moveTo>
+                <a:lnTo>
+                  <a:pt x="541830" y="0"/>
+                </a:lnTo>
+                <a:lnTo>
+                  <a:pt x="541830" y="489731"/>
+                </a:lnTo>
+                <a:lnTo>
+                  <a:pt x="0" y="489731"/>
+                </a:lnTo>
+                <a:lnTo>
+                  <a:pt x="0" y="0"/>
+                </a:lnTo>
+                <a:close/>
+              </a:path>
+            </a:pathLst>
+          </a:custGeom>
+          <a:blipFill>
+            <a:blip r:embed="rId5"/>
+            <a:stretch>
+              <a:fillRect l="0" t="0" r="0" b="0"/>
+            </a:stretch>
+          </a:blipFill>
+        </p:spPr>
+      </p:sp>
+      <p:sp>
+        <p:nvSpPr>
+          <p:cNvPr name="TextBox 12" id="12"/>
+          <p:cNvSpPr txBox="true"/>
+          <p:nvPr/>
+        </p:nvSpPr>
+        <p:spPr>
+          <a:xfrm rot="0">
+            <a:off x="1411420" y="765547"/>
+            <a:ext cx="2246573" cy="276225"/>
+          </a:xfrm>
+          <a:prstGeom prst="rect">
+            <a:avLst/>
+          </a:prstGeom>
+        </p:spPr>
+        <p:txBody>
+          <a:bodyPr anchor="t" rtlCol="false" tIns="0" lIns="0" bIns="0" rIns="0">
+            <a:spAutoFit/>
+          </a:bodyPr>
+          <a:lstStyle/>
+          <a:p>
+            <a:pPr algn="l">
+              <a:lnSpc>
+                <a:spcPts val="2100"/>
+              </a:lnSpc>
+              <a:spcBef>
+                <a:spcPct val="0"/>
+              </a:spcBef>
+            </a:pPr>
+            <a:r>
+              <a:rPr lang="en-US" sz="1500" spc="-75">
+                <a:solidFill>
+                  <a:srgbClr val="FFFFFF"/>
+                </a:solidFill>
+                <a:latin typeface="Telegraf"/>
+                <a:ea typeface="Telegraf"/>
+                <a:cs typeface="Telegraf"/>
+                <a:sym typeface="Telegraf"/>
+              </a:rPr>
+              <a:t>Pemrosesan Bahasa Lisan</a:t>
+            </a:r>
+          </a:p>
+        </p:txBody>
+      </p:sp>
+    </p:spTree>
+  </p:cSld>
+  <p:clrMapOvr>
+    <a:masterClrMapping/>
+  </p:clrMapOvr>
+</p:sld>
+</file>
+
+<file path=ppt/slides/slide14.xml><?xml version="1.0" encoding="utf-8"?>
+<p:sld xmlns:p="http://schemas.openxmlformats.org/presentationml/2006/main" xmlns:a="http://schemas.openxmlformats.org/drawingml/2006/main" xmlns:r="http://schemas.openxmlformats.org/officeDocument/2006/relationships">
+  <p:cSld>
+    <p:bg>
+      <p:bgPr>
+        <a:solidFill>
+          <a:srgbClr val="000000"/>
+        </a:solidFill>
+      </p:bgPr>
+    </p:bg>
+    <p:spTree>
+      <p:nvGrpSpPr>
+        <p:cNvPr id="1" name=""/>
+        <p:cNvGrpSpPr/>
+        <p:nvPr/>
+      </p:nvGrpSpPr>
+      <p:grpSpPr>
+        <a:xfrm>
+          <a:off x="0" y="0"/>
+          <a:ext cx="0" cy="0"/>
+          <a:chOff x="0" y="0"/>
+          <a:chExt cx="0" cy="0"/>
+        </a:xfrm>
+      </p:grpSpPr>
+      <p:sp>
+        <p:nvSpPr>
+          <p:cNvPr name="Freeform 2" id="2"/>
+          <p:cNvSpPr/>
+          <p:nvPr/>
+        </p:nvSpPr>
+        <p:spPr>
+          <a:xfrm flipH="false" flipV="false" rot="0">
+            <a:off x="1663313" y="2891357"/>
+            <a:ext cx="14961374" cy="4504286"/>
+          </a:xfrm>
+          <a:custGeom>
+            <a:avLst/>
+            <a:gdLst/>
+            <a:ahLst/>
+            <a:cxnLst/>
+            <a:rect r="r" b="b" t="t" l="l"/>
+            <a:pathLst>
+              <a:path h="4504286" w="14961374">
+                <a:moveTo>
+                  <a:pt x="0" y="0"/>
+                </a:moveTo>
+                <a:lnTo>
+                  <a:pt x="14961374" y="0"/>
+                </a:lnTo>
+                <a:lnTo>
+                  <a:pt x="14961374" y="4504286"/>
+                </a:lnTo>
+                <a:lnTo>
+                  <a:pt x="0" y="4504286"/>
+                </a:lnTo>
+                <a:lnTo>
+                  <a:pt x="0" y="0"/>
+                </a:lnTo>
+                <a:close/>
+              </a:path>
+            </a:pathLst>
+          </a:custGeom>
+          <a:blipFill>
+            <a:blip r:embed="rId2"/>
+            <a:stretch>
+              <a:fillRect l="0" t="0" r="0" b="0"/>
+            </a:stretch>
+          </a:blipFill>
+        </p:spPr>
+      </p:sp>
+      <p:sp>
+        <p:nvSpPr>
+          <p:cNvPr name="TextBox 3" id="3"/>
+          <p:cNvSpPr txBox="true"/>
+          <p:nvPr/>
+        </p:nvSpPr>
+        <p:spPr>
+          <a:xfrm rot="0">
+            <a:off x="5446978" y="215900"/>
+            <a:ext cx="7394044" cy="1206500"/>
+          </a:xfrm>
+          <a:prstGeom prst="rect">
+            <a:avLst/>
+          </a:prstGeom>
+        </p:spPr>
+        <p:txBody>
+          <a:bodyPr anchor="t" rtlCol="false" tIns="0" lIns="0" bIns="0" rIns="0">
+            <a:spAutoFit/>
+          </a:bodyPr>
+          <a:lstStyle/>
+          <a:p>
+            <a:pPr algn="ctr" marL="0" indent="0" lvl="0">
+              <a:lnSpc>
+                <a:spcPts val="7000"/>
+              </a:lnSpc>
+              <a:spcBef>
+                <a:spcPct val="0"/>
+              </a:spcBef>
+            </a:pPr>
+            <a:r>
+              <a:rPr lang="en-US" b="true" sz="5000">
+                <a:gradFill>
+                  <a:gsLst>
+                    <a:gs pos="0">
+                      <a:srgbClr val="10162A">
+                        <a:alpha val="100000"/>
+                      </a:srgbClr>
+                    </a:gs>
+                    <a:gs pos="100000">
+                      <a:srgbClr val="3361AC">
+                        <a:alpha val="68500"/>
+                      </a:srgbClr>
+                    </a:gs>
+                  </a:gsLst>
+                  <a:lin ang="0"/>
+                </a:gradFill>
+                <a:latin typeface="Pattanakarn Expanded Bold"/>
+                <a:ea typeface="Pattanakarn Expanded Bold"/>
+                <a:cs typeface="Pattanakarn Expanded Bold"/>
+                <a:sym typeface="Pattanakarn Expanded Bold"/>
+              </a:rPr>
+              <a:t>Model Architecture</a:t>
+            </a:r>
+          </a:p>
+        </p:txBody>
+      </p:sp>
+      <p:sp>
+        <p:nvSpPr>
+          <p:cNvPr name="Freeform 4" id="4"/>
+          <p:cNvSpPr/>
+          <p:nvPr/>
+        </p:nvSpPr>
+        <p:spPr>
+          <a:xfrm flipH="false" flipV="false" rot="0">
+            <a:off x="15866188" y="605930"/>
+            <a:ext cx="1196828" cy="442826"/>
+          </a:xfrm>
+          <a:custGeom>
+            <a:avLst/>
+            <a:gdLst/>
+            <a:ahLst/>
+            <a:cxnLst/>
+            <a:rect r="r" b="b" t="t" l="l"/>
+            <a:pathLst>
+              <a:path h="442826" w="1196828">
+                <a:moveTo>
+                  <a:pt x="0" y="0"/>
+                </a:moveTo>
+                <a:lnTo>
+                  <a:pt x="1196828" y="0"/>
+                </a:lnTo>
+                <a:lnTo>
+                  <a:pt x="1196828" y="442827"/>
+                </a:lnTo>
+                <a:lnTo>
+                  <a:pt x="0" y="442827"/>
+                </a:lnTo>
+                <a:lnTo>
+                  <a:pt x="0" y="0"/>
+                </a:lnTo>
+                <a:close/>
+              </a:path>
+            </a:pathLst>
+          </a:custGeom>
+          <a:blipFill>
+            <a:blip r:embed="rId3"/>
+            <a:stretch>
+              <a:fillRect l="0" t="0" r="0" b="0"/>
+            </a:stretch>
+          </a:blipFill>
+        </p:spPr>
+      </p:sp>
+      <p:sp>
+        <p:nvSpPr>
+          <p:cNvPr name="Freeform 5" id="5"/>
+          <p:cNvSpPr/>
+          <p:nvPr/>
+        </p:nvSpPr>
+        <p:spPr>
+          <a:xfrm flipH="false" flipV="false" rot="0">
+            <a:off x="14972261" y="594540"/>
+            <a:ext cx="777356" cy="437263"/>
+          </a:xfrm>
+          <a:custGeom>
+            <a:avLst/>
+            <a:gdLst/>
+            <a:ahLst/>
+            <a:cxnLst/>
+            <a:rect r="r" b="b" t="t" l="l"/>
+            <a:pathLst>
+              <a:path h="437263" w="777356">
+                <a:moveTo>
+                  <a:pt x="0" y="0"/>
+                </a:moveTo>
+                <a:lnTo>
+                  <a:pt x="777356" y="0"/>
+                </a:lnTo>
+                <a:lnTo>
+                  <a:pt x="777356" y="437263"/>
+                </a:lnTo>
+                <a:lnTo>
+                  <a:pt x="0" y="437263"/>
+                </a:lnTo>
+                <a:lnTo>
+                  <a:pt x="0" y="0"/>
+                </a:lnTo>
+                <a:close/>
+              </a:path>
+            </a:pathLst>
+          </a:custGeom>
+          <a:blipFill>
+            <a:blip r:embed="rId4"/>
+            <a:stretch>
+              <a:fillRect l="0" t="0" r="0" b="0"/>
+            </a:stretch>
+          </a:blipFill>
+        </p:spPr>
+      </p:sp>
+      <p:sp>
+        <p:nvSpPr>
+          <p:cNvPr name="Freeform 6" id="6"/>
+          <p:cNvSpPr/>
+          <p:nvPr/>
+        </p:nvSpPr>
+        <p:spPr>
+          <a:xfrm flipH="false" flipV="false" rot="0">
+            <a:off x="757785" y="682606"/>
+            <a:ext cx="541830" cy="489731"/>
+          </a:xfrm>
+          <a:custGeom>
+            <a:avLst/>
+            <a:gdLst/>
+            <a:ahLst/>
+            <a:cxnLst/>
+            <a:rect r="r" b="b" t="t" l="l"/>
+            <a:pathLst>
+              <a:path h="489731" w="541830">
+                <a:moveTo>
+                  <a:pt x="0" y="0"/>
+                </a:moveTo>
+                <a:lnTo>
+                  <a:pt x="541830" y="0"/>
+                </a:lnTo>
+                <a:lnTo>
+                  <a:pt x="541830" y="489731"/>
+                </a:lnTo>
+                <a:lnTo>
+                  <a:pt x="0" y="489731"/>
+                </a:lnTo>
+                <a:lnTo>
+                  <a:pt x="0" y="0"/>
+                </a:lnTo>
+                <a:close/>
+              </a:path>
+            </a:pathLst>
+          </a:custGeom>
+          <a:blipFill>
+            <a:blip r:embed="rId5"/>
+            <a:stretch>
+              <a:fillRect l="0" t="0" r="0" b="0"/>
+            </a:stretch>
+          </a:blipFill>
+        </p:spPr>
+      </p:sp>
+      <p:sp>
+        <p:nvSpPr>
+          <p:cNvPr name="TextBox 7" id="7"/>
+          <p:cNvSpPr txBox="true"/>
+          <p:nvPr/>
+        </p:nvSpPr>
+        <p:spPr>
+          <a:xfrm rot="0">
+            <a:off x="1411420" y="765547"/>
+            <a:ext cx="2246573" cy="276225"/>
+          </a:xfrm>
+          <a:prstGeom prst="rect">
+            <a:avLst/>
+          </a:prstGeom>
+        </p:spPr>
+        <p:txBody>
+          <a:bodyPr anchor="t" rtlCol="false" tIns="0" lIns="0" bIns="0" rIns="0">
+            <a:spAutoFit/>
+          </a:bodyPr>
+          <a:lstStyle/>
+          <a:p>
+            <a:pPr algn="l">
+              <a:lnSpc>
+                <a:spcPts val="2100"/>
+              </a:lnSpc>
+              <a:spcBef>
+                <a:spcPct val="0"/>
+              </a:spcBef>
+            </a:pPr>
+            <a:r>
+              <a:rPr lang="en-US" sz="1500" spc="-75">
+                <a:solidFill>
+                  <a:srgbClr val="FFFFFF"/>
+                </a:solidFill>
+                <a:latin typeface="Telegraf"/>
+                <a:ea typeface="Telegraf"/>
+                <a:cs typeface="Telegraf"/>
+                <a:sym typeface="Telegraf"/>
+              </a:rPr>
+              <a:t>Pemrosesan Bahasa Lisan</a:t>
+            </a:r>
+          </a:p>
+        </p:txBody>
+      </p:sp>
+    </p:spTree>
+  </p:cSld>
+  <p:clrMapOvr>
+    <a:masterClrMapping/>
+  </p:clrMapOvr>
+</p:sld>
+</file>
+
+<file path=ppt/slides/slide15.xml><?xml version="1.0" encoding="utf-8"?>
+<p:sld xmlns:p="http://schemas.openxmlformats.org/presentationml/2006/main" xmlns:a="http://schemas.openxmlformats.org/drawingml/2006/main" xmlns:r="http://schemas.openxmlformats.org/officeDocument/2006/relationships">
+  <p:cSld>
+    <p:bg>
+      <p:bgPr>
+        <a:solidFill>
+          <a:srgbClr val="000000"/>
+        </a:solidFill>
+      </p:bgPr>
+    </p:bg>
+    <p:spTree>
+      <p:nvGrpSpPr>
+        <p:cNvPr id="1" name=""/>
+        <p:cNvGrpSpPr/>
+        <p:nvPr/>
+      </p:nvGrpSpPr>
+      <p:grpSpPr>
+        <a:xfrm>
+          <a:off x="0" y="0"/>
+          <a:ext cx="0" cy="0"/>
+          <a:chOff x="0" y="0"/>
+          <a:chExt cx="0" cy="0"/>
+        </a:xfrm>
+      </p:grpSpPr>
+      <p:sp>
+        <p:nvSpPr>
+          <p:cNvPr name="Freeform 2" id="2"/>
+          <p:cNvSpPr/>
+          <p:nvPr/>
+        </p:nvSpPr>
+        <p:spPr>
+          <a:xfrm flipH="false" flipV="false" rot="0">
+            <a:off x="3743425" y="2231669"/>
+            <a:ext cx="10801149" cy="5823661"/>
+          </a:xfrm>
+          <a:custGeom>
+            <a:avLst/>
+            <a:gdLst/>
+            <a:ahLst/>
+            <a:cxnLst/>
+            <a:rect r="r" b="b" t="t" l="l"/>
+            <a:pathLst>
+              <a:path h="5823661" w="10801149">
+                <a:moveTo>
+                  <a:pt x="0" y="0"/>
+                </a:moveTo>
+                <a:lnTo>
+                  <a:pt x="10801150" y="0"/>
+                </a:lnTo>
+                <a:lnTo>
+                  <a:pt x="10801150" y="5823662"/>
+                </a:lnTo>
+                <a:lnTo>
+                  <a:pt x="0" y="5823662"/>
+                </a:lnTo>
+                <a:lnTo>
+                  <a:pt x="0" y="0"/>
+                </a:lnTo>
+                <a:close/>
+              </a:path>
+            </a:pathLst>
+          </a:custGeom>
+          <a:blipFill>
+            <a:blip r:embed="rId2"/>
+            <a:stretch>
+              <a:fillRect l="0" t="0" r="0" b="0"/>
+            </a:stretch>
+          </a:blipFill>
+        </p:spPr>
+      </p:sp>
+      <p:sp>
+        <p:nvSpPr>
+          <p:cNvPr name="TextBox 3" id="3"/>
+          <p:cNvSpPr txBox="true"/>
+          <p:nvPr/>
+        </p:nvSpPr>
+        <p:spPr>
+          <a:xfrm rot="0">
+            <a:off x="5446978" y="215900"/>
+            <a:ext cx="7394044" cy="1206500"/>
+          </a:xfrm>
+          <a:prstGeom prst="rect">
+            <a:avLst/>
+          </a:prstGeom>
+        </p:spPr>
+        <p:txBody>
+          <a:bodyPr anchor="t" rtlCol="false" tIns="0" lIns="0" bIns="0" rIns="0">
+            <a:spAutoFit/>
+          </a:bodyPr>
+          <a:lstStyle/>
+          <a:p>
+            <a:pPr algn="ctr" marL="0" indent="0" lvl="0">
+              <a:lnSpc>
+                <a:spcPts val="7000"/>
+              </a:lnSpc>
+              <a:spcBef>
+                <a:spcPct val="0"/>
+              </a:spcBef>
+            </a:pPr>
+            <a:r>
+              <a:rPr lang="en-US" b="true" sz="5000">
+                <a:gradFill>
+                  <a:gsLst>
+                    <a:gs pos="0">
+                      <a:srgbClr val="10162A">
+                        <a:alpha val="100000"/>
+                      </a:srgbClr>
+                    </a:gs>
+                    <a:gs pos="100000">
+                      <a:srgbClr val="3361AC">
+                        <a:alpha val="68500"/>
+                      </a:srgbClr>
+                    </a:gs>
+                  </a:gsLst>
+                  <a:lin ang="0"/>
+                </a:gradFill>
+                <a:latin typeface="Pattanakarn Expanded Bold"/>
+                <a:ea typeface="Pattanakarn Expanded Bold"/>
+                <a:cs typeface="Pattanakarn Expanded Bold"/>
+                <a:sym typeface="Pattanakarn Expanded Bold"/>
+              </a:rPr>
+              <a:t>Experiments</a:t>
+            </a:r>
+          </a:p>
+        </p:txBody>
+      </p:sp>
+      <p:sp>
+        <p:nvSpPr>
+          <p:cNvPr name="Freeform 4" id="4"/>
+          <p:cNvSpPr/>
+          <p:nvPr/>
+        </p:nvSpPr>
+        <p:spPr>
+          <a:xfrm flipH="false" flipV="false" rot="0">
+            <a:off x="15866188" y="605930"/>
+            <a:ext cx="1196828" cy="442826"/>
+          </a:xfrm>
+          <a:custGeom>
+            <a:avLst/>
+            <a:gdLst/>
+            <a:ahLst/>
+            <a:cxnLst/>
+            <a:rect r="r" b="b" t="t" l="l"/>
+            <a:pathLst>
+              <a:path h="442826" w="1196828">
+                <a:moveTo>
+                  <a:pt x="0" y="0"/>
+                </a:moveTo>
+                <a:lnTo>
+                  <a:pt x="1196828" y="0"/>
+                </a:lnTo>
+                <a:lnTo>
+                  <a:pt x="1196828" y="442827"/>
+                </a:lnTo>
+                <a:lnTo>
+                  <a:pt x="0" y="442827"/>
+                </a:lnTo>
+                <a:lnTo>
+                  <a:pt x="0" y="0"/>
+                </a:lnTo>
+                <a:close/>
+              </a:path>
+            </a:pathLst>
+          </a:custGeom>
+          <a:blipFill>
+            <a:blip r:embed="rId3"/>
+            <a:stretch>
+              <a:fillRect l="0" t="0" r="0" b="0"/>
+            </a:stretch>
+          </a:blipFill>
+        </p:spPr>
+      </p:sp>
+      <p:sp>
+        <p:nvSpPr>
+          <p:cNvPr name="Freeform 5" id="5"/>
+          <p:cNvSpPr/>
+          <p:nvPr/>
+        </p:nvSpPr>
+        <p:spPr>
+          <a:xfrm flipH="false" flipV="false" rot="0">
+            <a:off x="14972261" y="594540"/>
+            <a:ext cx="777356" cy="437263"/>
+          </a:xfrm>
+          <a:custGeom>
+            <a:avLst/>
+            <a:gdLst/>
+            <a:ahLst/>
+            <a:cxnLst/>
+            <a:rect r="r" b="b" t="t" l="l"/>
+            <a:pathLst>
+              <a:path h="437263" w="777356">
+                <a:moveTo>
+                  <a:pt x="0" y="0"/>
+                </a:moveTo>
+                <a:lnTo>
+                  <a:pt x="777356" y="0"/>
+                </a:lnTo>
+                <a:lnTo>
+                  <a:pt x="777356" y="437263"/>
+                </a:lnTo>
+                <a:lnTo>
+                  <a:pt x="0" y="437263"/>
+                </a:lnTo>
+                <a:lnTo>
+                  <a:pt x="0" y="0"/>
+                </a:lnTo>
+                <a:close/>
+              </a:path>
+            </a:pathLst>
+          </a:custGeom>
+          <a:blipFill>
+            <a:blip r:embed="rId4"/>
+            <a:stretch>
+              <a:fillRect l="0" t="0" r="0" b="0"/>
+            </a:stretch>
+          </a:blipFill>
+        </p:spPr>
+      </p:sp>
+      <p:sp>
+        <p:nvSpPr>
+          <p:cNvPr name="Freeform 6" id="6"/>
+          <p:cNvSpPr/>
+          <p:nvPr/>
+        </p:nvSpPr>
+        <p:spPr>
+          <a:xfrm flipH="false" flipV="false" rot="0">
+            <a:off x="757785" y="682606"/>
+            <a:ext cx="541830" cy="489731"/>
+          </a:xfrm>
+          <a:custGeom>
+            <a:avLst/>
+            <a:gdLst/>
+            <a:ahLst/>
+            <a:cxnLst/>
+            <a:rect r="r" b="b" t="t" l="l"/>
+            <a:pathLst>
+              <a:path h="489731" w="541830">
+                <a:moveTo>
+                  <a:pt x="0" y="0"/>
+                </a:moveTo>
+                <a:lnTo>
+                  <a:pt x="541830" y="0"/>
+                </a:lnTo>
+                <a:lnTo>
+                  <a:pt x="541830" y="489731"/>
+                </a:lnTo>
+                <a:lnTo>
+                  <a:pt x="0" y="489731"/>
+                </a:lnTo>
+                <a:lnTo>
+                  <a:pt x="0" y="0"/>
+                </a:lnTo>
+                <a:close/>
+              </a:path>
+            </a:pathLst>
+          </a:custGeom>
+          <a:blipFill>
+            <a:blip r:embed="rId5"/>
+            <a:stretch>
+              <a:fillRect l="0" t="0" r="0" b="0"/>
+            </a:stretch>
+          </a:blipFill>
+        </p:spPr>
+      </p:sp>
+      <p:sp>
+        <p:nvSpPr>
+          <p:cNvPr name="TextBox 7" id="7"/>
+          <p:cNvSpPr txBox="true"/>
+          <p:nvPr/>
+        </p:nvSpPr>
+        <p:spPr>
+          <a:xfrm rot="0">
+            <a:off x="1411420" y="765547"/>
+            <a:ext cx="2246573" cy="276225"/>
+          </a:xfrm>
+          <a:prstGeom prst="rect">
+            <a:avLst/>
+          </a:prstGeom>
+        </p:spPr>
+        <p:txBody>
+          <a:bodyPr anchor="t" rtlCol="false" tIns="0" lIns="0" bIns="0" rIns="0">
+            <a:spAutoFit/>
+          </a:bodyPr>
+          <a:lstStyle/>
+          <a:p>
+            <a:pPr algn="l">
+              <a:lnSpc>
+                <a:spcPts val="2100"/>
+              </a:lnSpc>
+              <a:spcBef>
+                <a:spcPct val="0"/>
+              </a:spcBef>
+            </a:pPr>
+            <a:r>
+              <a:rPr lang="en-US" sz="1500" spc="-75">
+                <a:solidFill>
+                  <a:srgbClr val="FFFFFF"/>
+                </a:solidFill>
+                <a:latin typeface="Telegraf"/>
+                <a:ea typeface="Telegraf"/>
+                <a:cs typeface="Telegraf"/>
+                <a:sym typeface="Telegraf"/>
+              </a:rPr>
+              <a:t>Pemrosesan Bahasa Lisan</a:t>
+            </a:r>
+          </a:p>
+        </p:txBody>
+      </p:sp>
+    </p:spTree>
+  </p:cSld>
+  <p:clrMapOvr>
+    <a:masterClrMapping/>
+  </p:clrMapOvr>
+</p:sld>
+</file>
+
+<file path=ppt/slides/slide16.xml><?xml version="1.0" encoding="utf-8"?>
+<p:sld xmlns:p="http://schemas.openxmlformats.org/presentationml/2006/main" xmlns:a="http://schemas.openxmlformats.org/drawingml/2006/main" xmlns:r="http://schemas.openxmlformats.org/officeDocument/2006/relationships">
+  <p:cSld>
+    <p:bg>
+      <p:bgPr>
+        <a:solidFill>
+          <a:srgbClr val="000000"/>
+        </a:solidFill>
+      </p:bgPr>
+    </p:bg>
+    <p:spTree>
+      <p:nvGrpSpPr>
+        <p:cNvPr id="1" name=""/>
+        <p:cNvGrpSpPr/>
+        <p:nvPr/>
+      </p:nvGrpSpPr>
+      <p:grpSpPr>
+        <a:xfrm>
+          <a:off x="0" y="0"/>
+          <a:ext cx="0" cy="0"/>
+          <a:chOff x="0" y="0"/>
+          <a:chExt cx="0" cy="0"/>
+        </a:xfrm>
+      </p:grpSpPr>
+      <p:grpSp>
+        <p:nvGrpSpPr>
+          <p:cNvPr name="Group 2" id="2"/>
+          <p:cNvGrpSpPr/>
+          <p:nvPr/>
+        </p:nvGrpSpPr>
+        <p:grpSpPr>
+          <a:xfrm rot="0">
+            <a:off x="3782048" y="3728001"/>
+            <a:ext cx="10723904" cy="3161678"/>
+            <a:chOff x="0" y="0"/>
+            <a:chExt cx="2824403" cy="832705"/>
+          </a:xfrm>
+        </p:grpSpPr>
+        <p:sp>
+          <p:nvSpPr>
+            <p:cNvPr name="Freeform 3" id="3"/>
+            <p:cNvSpPr/>
+            <p:nvPr/>
+          </p:nvSpPr>
+          <p:spPr>
+            <a:xfrm flipH="false" flipV="false" rot="0">
+              <a:off x="0" y="0"/>
+              <a:ext cx="2824403" cy="832705"/>
+            </a:xfrm>
+            <a:custGeom>
+              <a:avLst/>
+              <a:gdLst/>
+              <a:ahLst/>
+              <a:cxnLst/>
+              <a:rect r="r" b="b" t="t" l="l"/>
+              <a:pathLst>
+                <a:path h="832705" w="2824403">
+                  <a:moveTo>
+                    <a:pt x="28155" y="0"/>
+                  </a:moveTo>
+                  <a:lnTo>
+                    <a:pt x="2796248" y="0"/>
+                  </a:lnTo>
+                  <a:cubicBezTo>
+                    <a:pt x="2803715" y="0"/>
+                    <a:pt x="2810876" y="2966"/>
+                    <a:pt x="2816156" y="8247"/>
+                  </a:cubicBezTo>
+                  <a:cubicBezTo>
+                    <a:pt x="2821437" y="13527"/>
+                    <a:pt x="2824403" y="20688"/>
+                    <a:pt x="2824403" y="28155"/>
+                  </a:cubicBezTo>
+                  <a:lnTo>
+                    <a:pt x="2824403" y="804550"/>
+                  </a:lnTo>
+                  <a:cubicBezTo>
+                    <a:pt x="2824403" y="812017"/>
+                    <a:pt x="2821437" y="819179"/>
+                    <a:pt x="2816156" y="824459"/>
+                  </a:cubicBezTo>
+                  <a:cubicBezTo>
+                    <a:pt x="2810876" y="829739"/>
+                    <a:pt x="2803715" y="832705"/>
+                    <a:pt x="2796248" y="832705"/>
+                  </a:cubicBezTo>
+                  <a:lnTo>
+                    <a:pt x="28155" y="832705"/>
+                  </a:lnTo>
+                  <a:cubicBezTo>
+                    <a:pt x="20688" y="832705"/>
+                    <a:pt x="13527" y="829739"/>
+                    <a:pt x="8247" y="824459"/>
+                  </a:cubicBezTo>
+                  <a:cubicBezTo>
+                    <a:pt x="2966" y="819179"/>
+                    <a:pt x="0" y="812017"/>
+                    <a:pt x="0" y="804550"/>
+                  </a:cubicBezTo>
+                  <a:lnTo>
+                    <a:pt x="0" y="28155"/>
+                  </a:lnTo>
+                  <a:cubicBezTo>
+                    <a:pt x="0" y="20688"/>
+                    <a:pt x="2966" y="13527"/>
+                    <a:pt x="8247" y="8247"/>
+                  </a:cubicBezTo>
+                  <a:cubicBezTo>
+                    <a:pt x="13527" y="2966"/>
+                    <a:pt x="20688" y="0"/>
+                    <a:pt x="28155" y="0"/>
+                  </a:cubicBezTo>
+                  <a:close/>
+                </a:path>
+              </a:pathLst>
+            </a:custGeom>
+            <a:solidFill>
+              <a:srgbClr val="202F60">
+                <a:alpha val="49804"/>
+              </a:srgbClr>
+            </a:solidFill>
+          </p:spPr>
+        </p:sp>
+        <p:sp>
+          <p:nvSpPr>
+            <p:cNvPr name="TextBox 4" id="4"/>
+            <p:cNvSpPr txBox="true"/>
+            <p:nvPr/>
+          </p:nvSpPr>
+          <p:spPr>
+            <a:xfrm>
+              <a:off x="0" y="-57150"/>
+              <a:ext cx="2824403" cy="889855"/>
+            </a:xfrm>
+            <a:prstGeom prst="rect">
+              <a:avLst/>
+            </a:prstGeom>
+          </p:spPr>
+          <p:txBody>
+            <a:bodyPr anchor="ctr" rtlCol="false" tIns="50800" lIns="50800" bIns="50800" rIns="50800"/>
+            <a:lstStyle/>
+            <a:p>
+              <a:pPr algn="ctr">
+                <a:lnSpc>
+                  <a:spcPts val="1960"/>
+                </a:lnSpc>
+              </a:pPr>
+            </a:p>
+          </p:txBody>
+        </p:sp>
+      </p:grpSp>
+      <p:sp>
+        <p:nvSpPr>
+          <p:cNvPr name="TextBox 5" id="5"/>
+          <p:cNvSpPr txBox="true"/>
+          <p:nvPr/>
+        </p:nvSpPr>
+        <p:spPr>
+          <a:xfrm rot="0">
+            <a:off x="5793571" y="106865"/>
+            <a:ext cx="6700858" cy="1206500"/>
+          </a:xfrm>
+          <a:prstGeom prst="rect">
+            <a:avLst/>
+          </a:prstGeom>
+        </p:spPr>
+        <p:txBody>
+          <a:bodyPr anchor="t" rtlCol="false" tIns="0" lIns="0" bIns="0" rIns="0">
+            <a:spAutoFit/>
+          </a:bodyPr>
+          <a:lstStyle/>
+          <a:p>
+            <a:pPr algn="ctr" marL="0" indent="0" lvl="0">
+              <a:lnSpc>
+                <a:spcPts val="7000"/>
+              </a:lnSpc>
+              <a:spcBef>
+                <a:spcPct val="0"/>
+              </a:spcBef>
+            </a:pPr>
+            <a:r>
+              <a:rPr lang="en-US" b="true" sz="5000">
+                <a:gradFill>
+                  <a:gsLst>
+                    <a:gs pos="0">
+                      <a:srgbClr val="10162A">
+                        <a:alpha val="100000"/>
+                      </a:srgbClr>
+                    </a:gs>
+                    <a:gs pos="100000">
+                      <a:srgbClr val="3361AC">
+                        <a:alpha val="68500"/>
+                      </a:srgbClr>
+                    </a:gs>
+                  </a:gsLst>
+                  <a:lin ang="0"/>
+                </a:gradFill>
+                <a:latin typeface="Pattanakarn Expanded Bold"/>
+                <a:ea typeface="Pattanakarn Expanded Bold"/>
+                <a:cs typeface="Pattanakarn Expanded Bold"/>
+                <a:sym typeface="Pattanakarn Expanded Bold"/>
+              </a:rPr>
+              <a:t>Experiment 1</a:t>
+            </a:r>
+          </a:p>
+        </p:txBody>
+      </p:sp>
+      <p:sp>
+        <p:nvSpPr>
+          <p:cNvPr name="TextBox 6" id="6"/>
+          <p:cNvSpPr txBox="true"/>
+          <p:nvPr/>
+        </p:nvSpPr>
+        <p:spPr>
+          <a:xfrm rot="0">
+            <a:off x="4262603" y="4232515"/>
+            <a:ext cx="9762794" cy="2105025"/>
+          </a:xfrm>
+          <a:prstGeom prst="rect">
+            <a:avLst/>
+          </a:prstGeom>
+        </p:spPr>
+        <p:txBody>
+          <a:bodyPr anchor="t" rtlCol="false" tIns="0" lIns="0" bIns="0" rIns="0">
+            <a:spAutoFit/>
+          </a:bodyPr>
+          <a:lstStyle/>
+          <a:p>
+            <a:pPr algn="just">
+              <a:lnSpc>
+                <a:spcPts val="4062"/>
+              </a:lnSpc>
+            </a:pPr>
+            <a:r>
+              <a:rPr lang="en-US" sz="3385" spc="-169">
+                <a:solidFill>
+                  <a:srgbClr val="FFFFFF"/>
+                </a:solidFill>
+                <a:latin typeface="Telegraf"/>
+                <a:ea typeface="Telegraf"/>
+                <a:cs typeface="Telegraf"/>
+                <a:sym typeface="Telegraf"/>
+              </a:rPr>
+              <a:t>Experiment 1 menggunakan model yang dilatih secara from scratch. Dataset yang digunakan yaitu STFT dari audio dengan format gambar. Dalam eksperimen ini, epoch yang digunakan sebesar 15</a:t>
+            </a:r>
+          </a:p>
+        </p:txBody>
+      </p:sp>
+      <p:sp>
+        <p:nvSpPr>
+          <p:cNvPr name="Freeform 7" id="7"/>
+          <p:cNvSpPr/>
+          <p:nvPr/>
+        </p:nvSpPr>
+        <p:spPr>
+          <a:xfrm flipH="false" flipV="false" rot="0">
+            <a:off x="15866188" y="605930"/>
+            <a:ext cx="1196828" cy="442826"/>
+          </a:xfrm>
+          <a:custGeom>
+            <a:avLst/>
+            <a:gdLst/>
+            <a:ahLst/>
+            <a:cxnLst/>
+            <a:rect r="r" b="b" t="t" l="l"/>
+            <a:pathLst>
+              <a:path h="442826" w="1196828">
+                <a:moveTo>
+                  <a:pt x="0" y="0"/>
+                </a:moveTo>
+                <a:lnTo>
+                  <a:pt x="1196828" y="0"/>
+                </a:lnTo>
+                <a:lnTo>
+                  <a:pt x="1196828" y="442827"/>
+                </a:lnTo>
+                <a:lnTo>
+                  <a:pt x="0" y="442827"/>
+                </a:lnTo>
+                <a:lnTo>
+                  <a:pt x="0" y="0"/>
+                </a:lnTo>
+                <a:close/>
+              </a:path>
+            </a:pathLst>
+          </a:custGeom>
+          <a:blipFill>
+            <a:blip r:embed="rId2"/>
+            <a:stretch>
+              <a:fillRect l="0" t="0" r="0" b="0"/>
+            </a:stretch>
+          </a:blipFill>
+        </p:spPr>
+      </p:sp>
+      <p:sp>
+        <p:nvSpPr>
+          <p:cNvPr name="Freeform 8" id="8"/>
+          <p:cNvSpPr/>
+          <p:nvPr/>
+        </p:nvSpPr>
+        <p:spPr>
+          <a:xfrm flipH="false" flipV="false" rot="0">
+            <a:off x="14972261" y="594540"/>
+            <a:ext cx="777356" cy="437263"/>
+          </a:xfrm>
+          <a:custGeom>
+            <a:avLst/>
+            <a:gdLst/>
+            <a:ahLst/>
+            <a:cxnLst/>
+            <a:rect r="r" b="b" t="t" l="l"/>
+            <a:pathLst>
+              <a:path h="437263" w="777356">
+                <a:moveTo>
+                  <a:pt x="0" y="0"/>
+                </a:moveTo>
+                <a:lnTo>
+                  <a:pt x="777356" y="0"/>
+                </a:lnTo>
+                <a:lnTo>
+                  <a:pt x="777356" y="437263"/>
+                </a:lnTo>
+                <a:lnTo>
+                  <a:pt x="0" y="437263"/>
+                </a:lnTo>
+                <a:lnTo>
+                  <a:pt x="0" y="0"/>
+                </a:lnTo>
+                <a:close/>
+              </a:path>
+            </a:pathLst>
+          </a:custGeom>
+          <a:blipFill>
+            <a:blip r:embed="rId3"/>
+            <a:stretch>
+              <a:fillRect l="0" t="0" r="0" b="0"/>
+            </a:stretch>
+          </a:blipFill>
+        </p:spPr>
+      </p:sp>
+      <p:sp>
+        <p:nvSpPr>
+          <p:cNvPr name="Freeform 9" id="9"/>
+          <p:cNvSpPr/>
+          <p:nvPr/>
+        </p:nvSpPr>
+        <p:spPr>
+          <a:xfrm flipH="false" flipV="false" rot="0">
+            <a:off x="757785" y="682606"/>
+            <a:ext cx="541830" cy="489731"/>
+          </a:xfrm>
+          <a:custGeom>
+            <a:avLst/>
+            <a:gdLst/>
+            <a:ahLst/>
+            <a:cxnLst/>
+            <a:rect r="r" b="b" t="t" l="l"/>
+            <a:pathLst>
+              <a:path h="489731" w="541830">
+                <a:moveTo>
+                  <a:pt x="0" y="0"/>
+                </a:moveTo>
+                <a:lnTo>
+                  <a:pt x="541830" y="0"/>
+                </a:lnTo>
+                <a:lnTo>
+                  <a:pt x="541830" y="489731"/>
+                </a:lnTo>
+                <a:lnTo>
+                  <a:pt x="0" y="489731"/>
+                </a:lnTo>
+                <a:lnTo>
+                  <a:pt x="0" y="0"/>
+                </a:lnTo>
+                <a:close/>
+              </a:path>
+            </a:pathLst>
+          </a:custGeom>
+          <a:blipFill>
+            <a:blip r:embed="rId4"/>
+            <a:stretch>
+              <a:fillRect l="0" t="0" r="0" b="0"/>
+            </a:stretch>
+          </a:blipFill>
+        </p:spPr>
+      </p:sp>
+      <p:sp>
+        <p:nvSpPr>
+          <p:cNvPr name="TextBox 10" id="10"/>
+          <p:cNvSpPr txBox="true"/>
+          <p:nvPr/>
+        </p:nvSpPr>
+        <p:spPr>
+          <a:xfrm rot="0">
+            <a:off x="1411420" y="765547"/>
+            <a:ext cx="2246573" cy="276225"/>
+          </a:xfrm>
+          <a:prstGeom prst="rect">
+            <a:avLst/>
+          </a:prstGeom>
+        </p:spPr>
+        <p:txBody>
+          <a:bodyPr anchor="t" rtlCol="false" tIns="0" lIns="0" bIns="0" rIns="0">
+            <a:spAutoFit/>
+          </a:bodyPr>
+          <a:lstStyle/>
+          <a:p>
+            <a:pPr algn="l">
+              <a:lnSpc>
+                <a:spcPts val="2100"/>
+              </a:lnSpc>
+              <a:spcBef>
+                <a:spcPct val="0"/>
+              </a:spcBef>
+            </a:pPr>
+            <a:r>
+              <a:rPr lang="en-US" sz="1500" spc="-75">
+                <a:solidFill>
+                  <a:srgbClr val="FFFFFF"/>
+                </a:solidFill>
+                <a:latin typeface="Telegraf"/>
+                <a:ea typeface="Telegraf"/>
+                <a:cs typeface="Telegraf"/>
+                <a:sym typeface="Telegraf"/>
+              </a:rPr>
+              <a:t>Pemrosesan Bahasa Lisan</a:t>
+            </a:r>
+          </a:p>
+        </p:txBody>
+      </p:sp>
+    </p:spTree>
+  </p:cSld>
+  <p:clrMapOvr>
+    <a:masterClrMapping/>
+  </p:clrMapOvr>
+</p:sld>
+</file>
+
+<file path=ppt/slides/slide17.xml><?xml version="1.0" encoding="utf-8"?>
+<p:sld xmlns:p="http://schemas.openxmlformats.org/presentationml/2006/main" xmlns:a="http://schemas.openxmlformats.org/drawingml/2006/main" xmlns:r="http://schemas.openxmlformats.org/officeDocument/2006/relationships">
+  <p:cSld>
+    <p:bg>
+      <p:bgPr>
+        <a:solidFill>
+          <a:srgbClr val="000000"/>
+        </a:solidFill>
+      </p:bgPr>
+    </p:bg>
+    <p:spTree>
+      <p:nvGrpSpPr>
+        <p:cNvPr id="1" name=""/>
+        <p:cNvGrpSpPr/>
+        <p:nvPr/>
+      </p:nvGrpSpPr>
+      <p:grpSpPr>
+        <a:xfrm>
+          <a:off x="0" y="0"/>
+          <a:ext cx="0" cy="0"/>
+          <a:chOff x="0" y="0"/>
+          <a:chExt cx="0" cy="0"/>
+        </a:xfrm>
+      </p:grpSpPr>
+      <p:grpSp>
+        <p:nvGrpSpPr>
+          <p:cNvPr name="Group 2" id="2"/>
+          <p:cNvGrpSpPr/>
+          <p:nvPr/>
+        </p:nvGrpSpPr>
+        <p:grpSpPr>
+          <a:xfrm rot="0">
+            <a:off x="3804574" y="3707349"/>
+            <a:ext cx="10678851" cy="3477049"/>
+            <a:chOff x="0" y="0"/>
+            <a:chExt cx="2812537" cy="915766"/>
+          </a:xfrm>
+        </p:grpSpPr>
+        <p:sp>
+          <p:nvSpPr>
+            <p:cNvPr name="Freeform 3" id="3"/>
+            <p:cNvSpPr/>
+            <p:nvPr/>
+          </p:nvSpPr>
+          <p:spPr>
+            <a:xfrm flipH="false" flipV="false" rot="0">
+              <a:off x="0" y="0"/>
+              <a:ext cx="2812537" cy="915766"/>
+            </a:xfrm>
+            <a:custGeom>
+              <a:avLst/>
+              <a:gdLst/>
+              <a:ahLst/>
+              <a:cxnLst/>
+              <a:rect r="r" b="b" t="t" l="l"/>
+              <a:pathLst>
+                <a:path h="915766" w="2812537">
+                  <a:moveTo>
+                    <a:pt x="28274" y="0"/>
+                  </a:moveTo>
+                  <a:lnTo>
+                    <a:pt x="2784263" y="0"/>
+                  </a:lnTo>
+                  <a:cubicBezTo>
+                    <a:pt x="2791762" y="0"/>
+                    <a:pt x="2798953" y="2979"/>
+                    <a:pt x="2804256" y="8281"/>
+                  </a:cubicBezTo>
+                  <a:cubicBezTo>
+                    <a:pt x="2809558" y="13584"/>
+                    <a:pt x="2812537" y="20775"/>
+                    <a:pt x="2812537" y="28274"/>
+                  </a:cubicBezTo>
+                  <a:lnTo>
+                    <a:pt x="2812537" y="887492"/>
+                  </a:lnTo>
+                  <a:cubicBezTo>
+                    <a:pt x="2812537" y="903107"/>
+                    <a:pt x="2799878" y="915766"/>
+                    <a:pt x="2784263" y="915766"/>
+                  </a:cubicBezTo>
+                  <a:lnTo>
+                    <a:pt x="28274" y="915766"/>
+                  </a:lnTo>
+                  <a:cubicBezTo>
+                    <a:pt x="20775" y="915766"/>
+                    <a:pt x="13584" y="912787"/>
+                    <a:pt x="8281" y="907485"/>
+                  </a:cubicBezTo>
+                  <a:cubicBezTo>
+                    <a:pt x="2979" y="902182"/>
+                    <a:pt x="0" y="894991"/>
+                    <a:pt x="0" y="887492"/>
+                  </a:cubicBezTo>
+                  <a:lnTo>
+                    <a:pt x="0" y="28274"/>
+                  </a:lnTo>
+                  <a:cubicBezTo>
+                    <a:pt x="0" y="20775"/>
+                    <a:pt x="2979" y="13584"/>
+                    <a:pt x="8281" y="8281"/>
+                  </a:cubicBezTo>
+                  <a:cubicBezTo>
+                    <a:pt x="13584" y="2979"/>
+                    <a:pt x="20775" y="0"/>
+                    <a:pt x="28274" y="0"/>
+                  </a:cubicBezTo>
+                  <a:close/>
+                </a:path>
+              </a:pathLst>
+            </a:custGeom>
+            <a:solidFill>
+              <a:srgbClr val="202F60">
+                <a:alpha val="49804"/>
+              </a:srgbClr>
+            </a:solidFill>
+          </p:spPr>
+        </p:sp>
+        <p:sp>
+          <p:nvSpPr>
+            <p:cNvPr name="TextBox 4" id="4"/>
+            <p:cNvSpPr txBox="true"/>
+            <p:nvPr/>
+          </p:nvSpPr>
+          <p:spPr>
+            <a:xfrm>
+              <a:off x="0" y="-57150"/>
+              <a:ext cx="2812537" cy="972916"/>
+            </a:xfrm>
+            <a:prstGeom prst="rect">
+              <a:avLst/>
+            </a:prstGeom>
+          </p:spPr>
+          <p:txBody>
+            <a:bodyPr anchor="ctr" rtlCol="false" tIns="50800" lIns="50800" bIns="50800" rIns="50800"/>
+            <a:lstStyle/>
+            <a:p>
+              <a:pPr algn="ctr">
+                <a:lnSpc>
+                  <a:spcPts val="1960"/>
+                </a:lnSpc>
+              </a:pPr>
+            </a:p>
+          </p:txBody>
+        </p:sp>
+      </p:grpSp>
+      <p:sp>
+        <p:nvSpPr>
+          <p:cNvPr name="TextBox 5" id="5"/>
+          <p:cNvSpPr txBox="true"/>
+          <p:nvPr/>
+        </p:nvSpPr>
+        <p:spPr>
+          <a:xfrm rot="0">
+            <a:off x="5793571" y="106865"/>
+            <a:ext cx="6700858" cy="1206500"/>
+          </a:xfrm>
+          <a:prstGeom prst="rect">
+            <a:avLst/>
+          </a:prstGeom>
+        </p:spPr>
+        <p:txBody>
+          <a:bodyPr anchor="t" rtlCol="false" tIns="0" lIns="0" bIns="0" rIns="0">
+            <a:spAutoFit/>
+          </a:bodyPr>
+          <a:lstStyle/>
+          <a:p>
+            <a:pPr algn="ctr" marL="0" indent="0" lvl="0">
+              <a:lnSpc>
+                <a:spcPts val="7000"/>
+              </a:lnSpc>
+              <a:spcBef>
+                <a:spcPct val="0"/>
+              </a:spcBef>
+            </a:pPr>
+            <a:r>
+              <a:rPr lang="en-US" b="true" sz="5000">
+                <a:gradFill>
+                  <a:gsLst>
+                    <a:gs pos="0">
+                      <a:srgbClr val="10162A">
+                        <a:alpha val="100000"/>
+                      </a:srgbClr>
+                    </a:gs>
+                    <a:gs pos="100000">
+                      <a:srgbClr val="3361AC">
+                        <a:alpha val="68500"/>
+                      </a:srgbClr>
+                    </a:gs>
+                  </a:gsLst>
+                  <a:lin ang="0"/>
+                </a:gradFill>
+                <a:latin typeface="Pattanakarn Expanded Bold"/>
+                <a:ea typeface="Pattanakarn Expanded Bold"/>
+                <a:cs typeface="Pattanakarn Expanded Bold"/>
+                <a:sym typeface="Pattanakarn Expanded Bold"/>
+              </a:rPr>
+              <a:t>Experiment 2</a:t>
+            </a:r>
+          </a:p>
+        </p:txBody>
+      </p:sp>
+      <p:sp>
+        <p:nvSpPr>
+          <p:cNvPr name="TextBox 6" id="6"/>
+          <p:cNvSpPr txBox="true"/>
+          <p:nvPr/>
+        </p:nvSpPr>
+        <p:spPr>
+          <a:xfrm rot="0">
+            <a:off x="4262603" y="4112373"/>
+            <a:ext cx="9762794" cy="2619375"/>
+          </a:xfrm>
+          <a:prstGeom prst="rect">
+            <a:avLst/>
+          </a:prstGeom>
+        </p:spPr>
+        <p:txBody>
+          <a:bodyPr anchor="t" rtlCol="false" tIns="0" lIns="0" bIns="0" rIns="0">
+            <a:spAutoFit/>
+          </a:bodyPr>
+          <a:lstStyle/>
+          <a:p>
+            <a:pPr algn="just">
+              <a:lnSpc>
+                <a:spcPts val="4062"/>
+              </a:lnSpc>
+            </a:pPr>
+            <a:r>
+              <a:rPr lang="en-US" sz="3385" spc="-169">
+                <a:solidFill>
+                  <a:srgbClr val="FFFFFF"/>
+                </a:solidFill>
+                <a:latin typeface="Telegraf"/>
+                <a:ea typeface="Telegraf"/>
+                <a:cs typeface="Telegraf"/>
+                <a:sym typeface="Telegraf"/>
+              </a:rPr>
+              <a:t>Experiment 2 menggunakan model yang dihasilkan dari eksperimen 1 (pre-trained model) dan melatihnya lagi. Dataset yang digunakan yaitu STFT dari mixed audio, yaitu audio gunshot yang dimix dengan crowd sound sebagai backsoundnya</a:t>
+            </a:r>
+          </a:p>
+        </p:txBody>
+      </p:sp>
+      <p:sp>
+        <p:nvSpPr>
+          <p:cNvPr name="Freeform 7" id="7"/>
+          <p:cNvSpPr/>
+          <p:nvPr/>
+        </p:nvSpPr>
+        <p:spPr>
+          <a:xfrm flipH="false" flipV="false" rot="0">
+            <a:off x="15866188" y="605930"/>
+            <a:ext cx="1196828" cy="442826"/>
+          </a:xfrm>
+          <a:custGeom>
+            <a:avLst/>
+            <a:gdLst/>
+            <a:ahLst/>
+            <a:cxnLst/>
+            <a:rect r="r" b="b" t="t" l="l"/>
+            <a:pathLst>
+              <a:path h="442826" w="1196828">
+                <a:moveTo>
+                  <a:pt x="0" y="0"/>
+                </a:moveTo>
+                <a:lnTo>
+                  <a:pt x="1196828" y="0"/>
+                </a:lnTo>
+                <a:lnTo>
+                  <a:pt x="1196828" y="442827"/>
+                </a:lnTo>
+                <a:lnTo>
+                  <a:pt x="0" y="442827"/>
+                </a:lnTo>
+                <a:lnTo>
+                  <a:pt x="0" y="0"/>
+                </a:lnTo>
+                <a:close/>
+              </a:path>
+            </a:pathLst>
+          </a:custGeom>
+          <a:blipFill>
+            <a:blip r:embed="rId2"/>
+            <a:stretch>
+              <a:fillRect l="0" t="0" r="0" b="0"/>
+            </a:stretch>
+          </a:blipFill>
+        </p:spPr>
+      </p:sp>
+      <p:sp>
+        <p:nvSpPr>
+          <p:cNvPr name="Freeform 8" id="8"/>
+          <p:cNvSpPr/>
+          <p:nvPr/>
+        </p:nvSpPr>
+        <p:spPr>
+          <a:xfrm flipH="false" flipV="false" rot="0">
+            <a:off x="14972261" y="594540"/>
+            <a:ext cx="777356" cy="437263"/>
+          </a:xfrm>
+          <a:custGeom>
+            <a:avLst/>
+            <a:gdLst/>
+            <a:ahLst/>
+            <a:cxnLst/>
+            <a:rect r="r" b="b" t="t" l="l"/>
+            <a:pathLst>
+              <a:path h="437263" w="777356">
+                <a:moveTo>
+                  <a:pt x="0" y="0"/>
+                </a:moveTo>
+                <a:lnTo>
+                  <a:pt x="777356" y="0"/>
+                </a:lnTo>
+                <a:lnTo>
+                  <a:pt x="777356" y="437263"/>
+                </a:lnTo>
+                <a:lnTo>
+                  <a:pt x="0" y="437263"/>
+                </a:lnTo>
+                <a:lnTo>
+                  <a:pt x="0" y="0"/>
+                </a:lnTo>
+                <a:close/>
+              </a:path>
+            </a:pathLst>
+          </a:custGeom>
+          <a:blipFill>
+            <a:blip r:embed="rId3"/>
+            <a:stretch>
+              <a:fillRect l="0" t="0" r="0" b="0"/>
+            </a:stretch>
+          </a:blipFill>
+        </p:spPr>
+      </p:sp>
+      <p:sp>
+        <p:nvSpPr>
+          <p:cNvPr name="Freeform 9" id="9"/>
+          <p:cNvSpPr/>
+          <p:nvPr/>
+        </p:nvSpPr>
+        <p:spPr>
+          <a:xfrm flipH="false" flipV="false" rot="0">
+            <a:off x="757785" y="682606"/>
+            <a:ext cx="541830" cy="489731"/>
+          </a:xfrm>
+          <a:custGeom>
+            <a:avLst/>
+            <a:gdLst/>
+            <a:ahLst/>
+            <a:cxnLst/>
+            <a:rect r="r" b="b" t="t" l="l"/>
+            <a:pathLst>
+              <a:path h="489731" w="541830">
+                <a:moveTo>
+                  <a:pt x="0" y="0"/>
+                </a:moveTo>
+                <a:lnTo>
+                  <a:pt x="541830" y="0"/>
+                </a:lnTo>
+                <a:lnTo>
+                  <a:pt x="541830" y="489731"/>
+                </a:lnTo>
+                <a:lnTo>
+                  <a:pt x="0" y="489731"/>
+                </a:lnTo>
+                <a:lnTo>
+                  <a:pt x="0" y="0"/>
+                </a:lnTo>
+                <a:close/>
+              </a:path>
+            </a:pathLst>
+          </a:custGeom>
+          <a:blipFill>
+            <a:blip r:embed="rId4"/>
+            <a:stretch>
+              <a:fillRect l="0" t="0" r="0" b="0"/>
+            </a:stretch>
+          </a:blipFill>
+        </p:spPr>
+      </p:sp>
+      <p:sp>
+        <p:nvSpPr>
+          <p:cNvPr name="TextBox 10" id="10"/>
+          <p:cNvSpPr txBox="true"/>
+          <p:nvPr/>
+        </p:nvSpPr>
+        <p:spPr>
+          <a:xfrm rot="0">
+            <a:off x="1411420" y="765547"/>
+            <a:ext cx="2246573" cy="276225"/>
+          </a:xfrm>
+          <a:prstGeom prst="rect">
+            <a:avLst/>
+          </a:prstGeom>
+        </p:spPr>
+        <p:txBody>
+          <a:bodyPr anchor="t" rtlCol="false" tIns="0" lIns="0" bIns="0" rIns="0">
+            <a:spAutoFit/>
+          </a:bodyPr>
+          <a:lstStyle/>
+          <a:p>
+            <a:pPr algn="l">
+              <a:lnSpc>
+                <a:spcPts val="2100"/>
+              </a:lnSpc>
+              <a:spcBef>
+                <a:spcPct val="0"/>
+              </a:spcBef>
+            </a:pPr>
+            <a:r>
+              <a:rPr lang="en-US" sz="1500" spc="-75">
+                <a:solidFill>
+                  <a:srgbClr val="FFFFFF"/>
+                </a:solidFill>
+                <a:latin typeface="Telegraf"/>
+                <a:ea typeface="Telegraf"/>
+                <a:cs typeface="Telegraf"/>
+                <a:sym typeface="Telegraf"/>
+              </a:rPr>
+              <a:t>Pemrosesan Bahasa Lisan</a:t>
+            </a:r>
+          </a:p>
+        </p:txBody>
+      </p:sp>
+    </p:spTree>
+  </p:cSld>
+  <p:clrMapOvr>
+    <a:masterClrMapping/>
+  </p:clrMapOvr>
+</p:sld>
+</file>
+
+<file path=ppt/slides/slide18.xml><?xml version="1.0" encoding="utf-8"?>
+<p:sld xmlns:p="http://schemas.openxmlformats.org/presentationml/2006/main" xmlns:a="http://schemas.openxmlformats.org/drawingml/2006/main" xmlns:r="http://schemas.openxmlformats.org/officeDocument/2006/relationships">
+  <p:cSld>
+    <p:bg>
+      <p:bgPr>
+        <a:solidFill>
+          <a:srgbClr val="000000"/>
+        </a:solidFill>
+      </p:bgPr>
+    </p:bg>
+    <p:spTree>
+      <p:nvGrpSpPr>
+        <p:cNvPr id="1" name=""/>
+        <p:cNvGrpSpPr/>
+        <p:nvPr/>
+      </p:nvGrpSpPr>
+      <p:grpSpPr>
+        <a:xfrm>
+          <a:off x="0" y="0"/>
+          <a:ext cx="0" cy="0"/>
+          <a:chOff x="0" y="0"/>
+          <a:chExt cx="0" cy="0"/>
+        </a:xfrm>
+      </p:grpSpPr>
+      <p:grpSp>
+        <p:nvGrpSpPr>
+          <p:cNvPr name="Group 2" id="2"/>
+          <p:cNvGrpSpPr/>
+          <p:nvPr/>
+        </p:nvGrpSpPr>
+        <p:grpSpPr>
+          <a:xfrm rot="0">
+            <a:off x="3699451" y="2926285"/>
+            <a:ext cx="10889099" cy="4753550"/>
+            <a:chOff x="0" y="0"/>
+            <a:chExt cx="2867911" cy="1251964"/>
+          </a:xfrm>
+        </p:grpSpPr>
+        <p:sp>
+          <p:nvSpPr>
+            <p:cNvPr name="Freeform 3" id="3"/>
+            <p:cNvSpPr/>
+            <p:nvPr/>
+          </p:nvSpPr>
+          <p:spPr>
+            <a:xfrm flipH="false" flipV="false" rot="0">
+              <a:off x="0" y="0"/>
+              <a:ext cx="2867911" cy="1251964"/>
+            </a:xfrm>
+            <a:custGeom>
+              <a:avLst/>
+              <a:gdLst/>
+              <a:ahLst/>
+              <a:cxnLst/>
+              <a:rect r="r" b="b" t="t" l="l"/>
+              <a:pathLst>
+                <a:path h="1251964" w="2867911">
+                  <a:moveTo>
+                    <a:pt x="27728" y="0"/>
+                  </a:moveTo>
+                  <a:lnTo>
+                    <a:pt x="2840183" y="0"/>
+                  </a:lnTo>
+                  <a:cubicBezTo>
+                    <a:pt x="2855496" y="0"/>
+                    <a:pt x="2867911" y="12414"/>
+                    <a:pt x="2867911" y="27728"/>
+                  </a:cubicBezTo>
+                  <a:lnTo>
+                    <a:pt x="2867911" y="1224236"/>
+                  </a:lnTo>
+                  <a:cubicBezTo>
+                    <a:pt x="2867911" y="1239550"/>
+                    <a:pt x="2855496" y="1251964"/>
+                    <a:pt x="2840183" y="1251964"/>
+                  </a:cubicBezTo>
+                  <a:lnTo>
+                    <a:pt x="27728" y="1251964"/>
+                  </a:lnTo>
+                  <a:cubicBezTo>
+                    <a:pt x="12414" y="1251964"/>
+                    <a:pt x="0" y="1239550"/>
+                    <a:pt x="0" y="1224236"/>
+                  </a:cubicBezTo>
+                  <a:lnTo>
+                    <a:pt x="0" y="27728"/>
+                  </a:lnTo>
+                  <a:cubicBezTo>
+                    <a:pt x="0" y="12414"/>
+                    <a:pt x="12414" y="0"/>
+                    <a:pt x="27728" y="0"/>
+                  </a:cubicBezTo>
+                  <a:close/>
+                </a:path>
+              </a:pathLst>
+            </a:custGeom>
+            <a:solidFill>
+              <a:srgbClr val="202F60">
+                <a:alpha val="49804"/>
+              </a:srgbClr>
+            </a:solidFill>
+          </p:spPr>
+        </p:sp>
+        <p:sp>
+          <p:nvSpPr>
+            <p:cNvPr name="TextBox 4" id="4"/>
+            <p:cNvSpPr txBox="true"/>
+            <p:nvPr/>
+          </p:nvSpPr>
+          <p:spPr>
+            <a:xfrm>
+              <a:off x="0" y="-57150"/>
+              <a:ext cx="2867911" cy="1309114"/>
+            </a:xfrm>
+            <a:prstGeom prst="rect">
+              <a:avLst/>
+            </a:prstGeom>
+          </p:spPr>
+          <p:txBody>
+            <a:bodyPr anchor="ctr" rtlCol="false" tIns="50800" lIns="50800" bIns="50800" rIns="50800"/>
+            <a:lstStyle/>
+            <a:p>
+              <a:pPr algn="ctr">
+                <a:lnSpc>
+                  <a:spcPts val="1960"/>
+                </a:lnSpc>
+              </a:pPr>
+            </a:p>
+          </p:txBody>
+        </p:sp>
+      </p:grpSp>
+      <p:sp>
+        <p:nvSpPr>
+          <p:cNvPr name="TextBox 5" id="5"/>
+          <p:cNvSpPr txBox="true"/>
+          <p:nvPr/>
+        </p:nvSpPr>
+        <p:spPr>
+          <a:xfrm rot="0">
+            <a:off x="5793571" y="106865"/>
+            <a:ext cx="6700858" cy="1206500"/>
+          </a:xfrm>
+          <a:prstGeom prst="rect">
+            <a:avLst/>
+          </a:prstGeom>
+        </p:spPr>
+        <p:txBody>
+          <a:bodyPr anchor="t" rtlCol="false" tIns="0" lIns="0" bIns="0" rIns="0">
+            <a:spAutoFit/>
+          </a:bodyPr>
+          <a:lstStyle/>
+          <a:p>
+            <a:pPr algn="ctr" marL="0" indent="0" lvl="0">
+              <a:lnSpc>
+                <a:spcPts val="7000"/>
+              </a:lnSpc>
+              <a:spcBef>
+                <a:spcPct val="0"/>
+              </a:spcBef>
+            </a:pPr>
+            <a:r>
+              <a:rPr lang="en-US" b="true" sz="5000">
+                <a:gradFill>
+                  <a:gsLst>
+                    <a:gs pos="0">
+                      <a:srgbClr val="10162A">
+                        <a:alpha val="100000"/>
+                      </a:srgbClr>
+                    </a:gs>
+                    <a:gs pos="100000">
+                      <a:srgbClr val="3361AC">
+                        <a:alpha val="68500"/>
+                      </a:srgbClr>
+                    </a:gs>
+                  </a:gsLst>
+                  <a:lin ang="0"/>
+                </a:gradFill>
+                <a:latin typeface="Pattanakarn Expanded Bold"/>
+                <a:ea typeface="Pattanakarn Expanded Bold"/>
+                <a:cs typeface="Pattanakarn Expanded Bold"/>
+                <a:sym typeface="Pattanakarn Expanded Bold"/>
+              </a:rPr>
+              <a:t>Experiment 3</a:t>
+            </a:r>
+          </a:p>
+        </p:txBody>
+      </p:sp>
+      <p:sp>
+        <p:nvSpPr>
+          <p:cNvPr name="TextBox 6" id="6"/>
+          <p:cNvSpPr txBox="true"/>
+          <p:nvPr/>
+        </p:nvSpPr>
+        <p:spPr>
+          <a:xfrm rot="0">
+            <a:off x="4225059" y="3455210"/>
+            <a:ext cx="9762794" cy="3648075"/>
+          </a:xfrm>
+          <a:prstGeom prst="rect">
+            <a:avLst/>
+          </a:prstGeom>
+        </p:spPr>
+        <p:txBody>
+          <a:bodyPr anchor="t" rtlCol="false" tIns="0" lIns="0" bIns="0" rIns="0">
+            <a:spAutoFit/>
+          </a:bodyPr>
+          <a:lstStyle/>
+          <a:p>
+            <a:pPr algn="just">
+              <a:lnSpc>
+                <a:spcPts val="4062"/>
+              </a:lnSpc>
+            </a:pPr>
+            <a:r>
+              <a:rPr lang="en-US" sz="3385" spc="-169">
+                <a:solidFill>
+                  <a:srgbClr val="FFFFFF"/>
+                </a:solidFill>
+                <a:latin typeface="Telegraf"/>
+                <a:ea typeface="Telegraf"/>
+                <a:cs typeface="Telegraf"/>
+                <a:sym typeface="Telegraf"/>
+              </a:rPr>
+              <a:t>Experiment 3 menggunakan model yang dihasilkan dari eksperimen 1 (pre-trained model) dan melatihnya kembali. Dataset yang digunakan yaitu STFT dari eksperimen 2 dengan menambahkan/mengurangi energi dari gunshot dan backsound secara random dengan harapan model dapat mendeteksi audio gunshot tanpa terpengaruh dari besar/kecilnya energi.</a:t>
+            </a:r>
+          </a:p>
+        </p:txBody>
+      </p:sp>
+      <p:sp>
+        <p:nvSpPr>
+          <p:cNvPr name="Freeform 7" id="7"/>
+          <p:cNvSpPr/>
+          <p:nvPr/>
+        </p:nvSpPr>
+        <p:spPr>
+          <a:xfrm flipH="false" flipV="false" rot="0">
+            <a:off x="15866188" y="605930"/>
+            <a:ext cx="1196828" cy="442826"/>
+          </a:xfrm>
+          <a:custGeom>
+            <a:avLst/>
+            <a:gdLst/>
+            <a:ahLst/>
+            <a:cxnLst/>
+            <a:rect r="r" b="b" t="t" l="l"/>
+            <a:pathLst>
+              <a:path h="442826" w="1196828">
+                <a:moveTo>
+                  <a:pt x="0" y="0"/>
+                </a:moveTo>
+                <a:lnTo>
+                  <a:pt x="1196828" y="0"/>
+                </a:lnTo>
+                <a:lnTo>
+                  <a:pt x="1196828" y="442827"/>
+                </a:lnTo>
+                <a:lnTo>
+                  <a:pt x="0" y="442827"/>
+                </a:lnTo>
+                <a:lnTo>
+                  <a:pt x="0" y="0"/>
+                </a:lnTo>
+                <a:close/>
+              </a:path>
+            </a:pathLst>
+          </a:custGeom>
+          <a:blipFill>
+            <a:blip r:embed="rId2"/>
+            <a:stretch>
+              <a:fillRect l="0" t="0" r="0" b="0"/>
+            </a:stretch>
+          </a:blipFill>
+        </p:spPr>
+      </p:sp>
+      <p:sp>
+        <p:nvSpPr>
+          <p:cNvPr name="Freeform 8" id="8"/>
+          <p:cNvSpPr/>
+          <p:nvPr/>
+        </p:nvSpPr>
+        <p:spPr>
+          <a:xfrm flipH="false" flipV="false" rot="0">
+            <a:off x="14972261" y="594540"/>
+            <a:ext cx="777356" cy="437263"/>
+          </a:xfrm>
+          <a:custGeom>
+            <a:avLst/>
+            <a:gdLst/>
+            <a:ahLst/>
+            <a:cxnLst/>
+            <a:rect r="r" b="b" t="t" l="l"/>
+            <a:pathLst>
+              <a:path h="437263" w="777356">
+                <a:moveTo>
+                  <a:pt x="0" y="0"/>
+                </a:moveTo>
+                <a:lnTo>
+                  <a:pt x="777356" y="0"/>
+                </a:lnTo>
+                <a:lnTo>
+                  <a:pt x="777356" y="437263"/>
+                </a:lnTo>
+                <a:lnTo>
+                  <a:pt x="0" y="437263"/>
+                </a:lnTo>
+                <a:lnTo>
+                  <a:pt x="0" y="0"/>
+                </a:lnTo>
+                <a:close/>
+              </a:path>
+            </a:pathLst>
+          </a:custGeom>
+          <a:blipFill>
+            <a:blip r:embed="rId3"/>
+            <a:stretch>
+              <a:fillRect l="0" t="0" r="0" b="0"/>
+            </a:stretch>
+          </a:blipFill>
+        </p:spPr>
+      </p:sp>
+      <p:sp>
+        <p:nvSpPr>
+          <p:cNvPr name="Freeform 9" id="9"/>
+          <p:cNvSpPr/>
+          <p:nvPr/>
+        </p:nvSpPr>
+        <p:spPr>
+          <a:xfrm flipH="false" flipV="false" rot="0">
+            <a:off x="757785" y="682606"/>
+            <a:ext cx="541830" cy="489731"/>
+          </a:xfrm>
+          <a:custGeom>
+            <a:avLst/>
+            <a:gdLst/>
+            <a:ahLst/>
+            <a:cxnLst/>
+            <a:rect r="r" b="b" t="t" l="l"/>
+            <a:pathLst>
+              <a:path h="489731" w="541830">
+                <a:moveTo>
+                  <a:pt x="0" y="0"/>
+                </a:moveTo>
+                <a:lnTo>
+                  <a:pt x="541830" y="0"/>
+                </a:lnTo>
+                <a:lnTo>
+                  <a:pt x="541830" y="489731"/>
+                </a:lnTo>
+                <a:lnTo>
+                  <a:pt x="0" y="489731"/>
+                </a:lnTo>
+                <a:lnTo>
+                  <a:pt x="0" y="0"/>
+                </a:lnTo>
+                <a:close/>
+              </a:path>
+            </a:pathLst>
+          </a:custGeom>
+          <a:blipFill>
+            <a:blip r:embed="rId4"/>
+            <a:stretch>
+              <a:fillRect l="0" t="0" r="0" b="0"/>
+            </a:stretch>
+          </a:blipFill>
+        </p:spPr>
+      </p:sp>
+      <p:sp>
+        <p:nvSpPr>
+          <p:cNvPr name="TextBox 10" id="10"/>
+          <p:cNvSpPr txBox="true"/>
+          <p:nvPr/>
+        </p:nvSpPr>
+        <p:spPr>
+          <a:xfrm rot="0">
+            <a:off x="1411420" y="765547"/>
+            <a:ext cx="2246573" cy="276225"/>
+          </a:xfrm>
+          <a:prstGeom prst="rect">
+            <a:avLst/>
+          </a:prstGeom>
+        </p:spPr>
+        <p:txBody>
+          <a:bodyPr anchor="t" rtlCol="false" tIns="0" lIns="0" bIns="0" rIns="0">
+            <a:spAutoFit/>
+          </a:bodyPr>
+          <a:lstStyle/>
+          <a:p>
+            <a:pPr algn="l">
+              <a:lnSpc>
+                <a:spcPts val="2100"/>
+              </a:lnSpc>
+              <a:spcBef>
+                <a:spcPct val="0"/>
+              </a:spcBef>
+            </a:pPr>
+            <a:r>
+              <a:rPr lang="en-US" sz="1500" spc="-75">
+                <a:solidFill>
+                  <a:srgbClr val="FFFFFF"/>
+                </a:solidFill>
+                <a:latin typeface="Telegraf"/>
+                <a:ea typeface="Telegraf"/>
+                <a:cs typeface="Telegraf"/>
+                <a:sym typeface="Telegraf"/>
+              </a:rPr>
+              <a:t>Pemrosesan Bahasa Lisan</a:t>
+            </a:r>
+          </a:p>
+        </p:txBody>
+      </p:sp>
+    </p:spTree>
+  </p:cSld>
+  <p:clrMapOvr>
+    <a:masterClrMapping/>
+  </p:clrMapOvr>
+</p:sld>
+</file>
+
+<file path=ppt/slides/slide19.xml><?xml version="1.0" encoding="utf-8"?>
+<p:sld xmlns:p="http://schemas.openxmlformats.org/presentationml/2006/main" xmlns:a="http://schemas.openxmlformats.org/drawingml/2006/main" xmlns:r="http://schemas.openxmlformats.org/officeDocument/2006/relationships">
+  <p:cSld>
+    <p:bg>
+      <p:bgPr>
+        <a:solidFill>
+          <a:srgbClr val="000000"/>
+        </a:solidFill>
+      </p:bgPr>
+    </p:bg>
+    <p:spTree>
+      <p:nvGrpSpPr>
+        <p:cNvPr id="1" name=""/>
+        <p:cNvGrpSpPr/>
+        <p:nvPr/>
+      </p:nvGrpSpPr>
+      <p:grpSpPr>
+        <a:xfrm>
+          <a:off x="0" y="0"/>
+          <a:ext cx="0" cy="0"/>
+          <a:chOff x="0" y="0"/>
+          <a:chExt cx="0" cy="0"/>
+        </a:xfrm>
+      </p:grpSpPr>
+      <p:sp>
+        <p:nvSpPr>
+          <p:cNvPr name="TextBox 2" id="2"/>
+          <p:cNvSpPr txBox="true"/>
+          <p:nvPr/>
+        </p:nvSpPr>
+        <p:spPr>
+          <a:xfrm rot="0">
+            <a:off x="1028700" y="2749211"/>
+            <a:ext cx="5773867" cy="1426150"/>
+          </a:xfrm>
+          <a:prstGeom prst="rect">
+            <a:avLst/>
+          </a:prstGeom>
+        </p:spPr>
+        <p:txBody>
+          <a:bodyPr anchor="t" rtlCol="false" tIns="0" lIns="0" bIns="0" rIns="0">
+            <a:spAutoFit/>
+          </a:bodyPr>
+          <a:lstStyle/>
+          <a:p>
+            <a:pPr algn="l" marL="0" indent="0" lvl="0">
+              <a:lnSpc>
+                <a:spcPts val="8543"/>
+              </a:lnSpc>
+              <a:spcBef>
+                <a:spcPct val="0"/>
+              </a:spcBef>
+            </a:pPr>
+            <a:r>
+              <a:rPr lang="en-US" sz="6102">
+                <a:gradFill>
+                  <a:gsLst>
+                    <a:gs pos="0">
+                      <a:srgbClr val="10162A">
+                        <a:alpha val="100000"/>
+                      </a:srgbClr>
+                    </a:gs>
+                    <a:gs pos="100000">
+                      <a:srgbClr val="3361AC">
+                        <a:alpha val="68500"/>
+                      </a:srgbClr>
+                    </a:gs>
+                  </a:gsLst>
+                  <a:lin ang="0"/>
+                </a:gradFill>
+                <a:latin typeface="Pattanakarn Expanded"/>
+                <a:ea typeface="Pattanakarn Expanded"/>
+                <a:cs typeface="Pattanakarn Expanded"/>
+                <a:sym typeface="Pattanakarn Expanded"/>
+              </a:rPr>
+              <a:t>Experiment : </a:t>
+            </a:r>
+          </a:p>
+        </p:txBody>
+      </p:sp>
+      <p:sp>
+        <p:nvSpPr>
+          <p:cNvPr name="TextBox 3" id="3"/>
+          <p:cNvSpPr txBox="true"/>
+          <p:nvPr/>
+        </p:nvSpPr>
+        <p:spPr>
+          <a:xfrm rot="0">
+            <a:off x="6783272" y="212883"/>
+            <a:ext cx="4721455" cy="1212534"/>
+          </a:xfrm>
+          <a:prstGeom prst="rect">
+            <a:avLst/>
+          </a:prstGeom>
+        </p:spPr>
+        <p:txBody>
+          <a:bodyPr anchor="t" rtlCol="false" tIns="0" lIns="0" bIns="0" rIns="0">
+            <a:spAutoFit/>
+          </a:bodyPr>
+          <a:lstStyle/>
+          <a:p>
+            <a:pPr algn="ctr" marL="0" indent="0" lvl="0">
+              <a:lnSpc>
+                <a:spcPts val="7000"/>
+              </a:lnSpc>
+              <a:spcBef>
+                <a:spcPct val="0"/>
+              </a:spcBef>
+            </a:pPr>
+            <a:r>
+              <a:rPr lang="en-US" b="true" sz="5000">
+                <a:gradFill>
+                  <a:gsLst>
+                    <a:gs pos="0">
+                      <a:srgbClr val="10162A">
+                        <a:alpha val="100000"/>
+                      </a:srgbClr>
+                    </a:gs>
+                    <a:gs pos="100000">
+                      <a:srgbClr val="3361AC">
+                        <a:alpha val="68500"/>
+                      </a:srgbClr>
+                    </a:gs>
+                  </a:gsLst>
+                  <a:lin ang="0"/>
+                </a:gradFill>
+                <a:latin typeface="Pattanakarn Expanded Bold"/>
+                <a:ea typeface="Pattanakarn Expanded Bold"/>
+                <a:cs typeface="Pattanakarn Expanded Bold"/>
+                <a:sym typeface="Pattanakarn Expanded Bold"/>
+              </a:rPr>
+              <a:t>Dokumentasi</a:t>
+            </a:r>
+          </a:p>
+        </p:txBody>
+      </p:sp>
+      <p:sp>
+        <p:nvSpPr>
+          <p:cNvPr name="TextBox 4" id="4"/>
+          <p:cNvSpPr txBox="true"/>
+          <p:nvPr/>
+        </p:nvSpPr>
+        <p:spPr>
+          <a:xfrm rot="0">
+            <a:off x="1028700" y="5246990"/>
+            <a:ext cx="5645173" cy="1426150"/>
+          </a:xfrm>
+          <a:prstGeom prst="rect">
+            <a:avLst/>
+          </a:prstGeom>
+        </p:spPr>
+        <p:txBody>
+          <a:bodyPr anchor="t" rtlCol="false" tIns="0" lIns="0" bIns="0" rIns="0">
+            <a:spAutoFit/>
+          </a:bodyPr>
+          <a:lstStyle/>
+          <a:p>
+            <a:pPr algn="l" marL="0" indent="0" lvl="0">
+              <a:lnSpc>
+                <a:spcPts val="8543"/>
+              </a:lnSpc>
+              <a:spcBef>
+                <a:spcPct val="0"/>
+              </a:spcBef>
+            </a:pPr>
+            <a:r>
+              <a:rPr lang="en-US" sz="6102">
+                <a:gradFill>
+                  <a:gsLst>
+                    <a:gs pos="0">
+                      <a:srgbClr val="10162A">
+                        <a:alpha val="100000"/>
+                      </a:srgbClr>
+                    </a:gs>
+                    <a:gs pos="100000">
+                      <a:srgbClr val="3361AC">
+                        <a:alpha val="68500"/>
+                      </a:srgbClr>
+                    </a:gs>
+                  </a:gsLst>
+                  <a:lin ang="0"/>
+                </a:gradFill>
+                <a:latin typeface="Pattanakarn Expanded"/>
+                <a:ea typeface="Pattanakarn Expanded"/>
+                <a:cs typeface="Pattanakarn Expanded"/>
+                <a:sym typeface="Pattanakarn Expanded"/>
+              </a:rPr>
+              <a:t>Dataset : </a:t>
+            </a:r>
+          </a:p>
+        </p:txBody>
+      </p:sp>
+      <p:sp>
+        <p:nvSpPr>
+          <p:cNvPr name="TextBox 5" id="5"/>
+          <p:cNvSpPr txBox="true"/>
+          <p:nvPr/>
+        </p:nvSpPr>
+        <p:spPr>
+          <a:xfrm rot="0">
+            <a:off x="6673873" y="5650502"/>
+            <a:ext cx="9762794" cy="1076325"/>
+          </a:xfrm>
+          <a:prstGeom prst="rect">
+            <a:avLst/>
+          </a:prstGeom>
+        </p:spPr>
+        <p:txBody>
+          <a:bodyPr anchor="t" rtlCol="false" tIns="0" lIns="0" bIns="0" rIns="0">
+            <a:spAutoFit/>
+          </a:bodyPr>
+          <a:lstStyle/>
+          <a:p>
+            <a:pPr algn="just">
+              <a:lnSpc>
+                <a:spcPts val="4062"/>
+              </a:lnSpc>
+            </a:pPr>
+            <a:r>
+              <a:rPr lang="en-US" sz="3385" spc="-169">
+                <a:solidFill>
+                  <a:srgbClr val="FFFFFF"/>
+                </a:solidFill>
+                <a:latin typeface="Telegraf"/>
+                <a:ea typeface="Telegraf"/>
+                <a:cs typeface="Telegraf"/>
+                <a:sym typeface="Telegraf"/>
+              </a:rPr>
+              <a:t>https://drive.google.com/drive/folders/1CvA4rtnAYcR4-s-jp0RpzCaM5SBR3rLi?usp=sharing</a:t>
+            </a:r>
+          </a:p>
+        </p:txBody>
+      </p:sp>
+      <p:sp>
+        <p:nvSpPr>
+          <p:cNvPr name="TextBox 6" id="6"/>
+          <p:cNvSpPr txBox="true"/>
+          <p:nvPr/>
+        </p:nvSpPr>
+        <p:spPr>
+          <a:xfrm rot="0">
+            <a:off x="6673873" y="3152724"/>
+            <a:ext cx="9762794" cy="1076325"/>
+          </a:xfrm>
+          <a:prstGeom prst="rect">
+            <a:avLst/>
+          </a:prstGeom>
+        </p:spPr>
+        <p:txBody>
+          <a:bodyPr anchor="t" rtlCol="false" tIns="0" lIns="0" bIns="0" rIns="0">
+            <a:spAutoFit/>
+          </a:bodyPr>
+          <a:lstStyle/>
+          <a:p>
+            <a:pPr algn="just">
+              <a:lnSpc>
+                <a:spcPts val="4062"/>
+              </a:lnSpc>
+            </a:pPr>
+            <a:r>
+              <a:rPr lang="en-US" sz="3385" spc="-169">
+                <a:solidFill>
+                  <a:srgbClr val="FFFFFF"/>
+                </a:solidFill>
+                <a:latin typeface="Telegraf"/>
+                <a:ea typeface="Telegraf"/>
+                <a:cs typeface="Telegraf"/>
+                <a:sym typeface="Telegraf"/>
+              </a:rPr>
+              <a:t>https://github.com/dhekmass12/mass-shooting-detector</a:t>
+            </a:r>
+          </a:p>
+        </p:txBody>
+      </p:sp>
+      <p:sp>
+        <p:nvSpPr>
+          <p:cNvPr name="Freeform 7" id="7"/>
+          <p:cNvSpPr/>
+          <p:nvPr/>
+        </p:nvSpPr>
+        <p:spPr>
+          <a:xfrm flipH="false" flipV="false" rot="0">
+            <a:off x="15866188" y="605930"/>
+            <a:ext cx="1196828" cy="442826"/>
+          </a:xfrm>
+          <a:custGeom>
+            <a:avLst/>
+            <a:gdLst/>
+            <a:ahLst/>
+            <a:cxnLst/>
+            <a:rect r="r" b="b" t="t" l="l"/>
+            <a:pathLst>
+              <a:path h="442826" w="1196828">
+                <a:moveTo>
+                  <a:pt x="0" y="0"/>
+                </a:moveTo>
+                <a:lnTo>
+                  <a:pt x="1196828" y="0"/>
+                </a:lnTo>
+                <a:lnTo>
+                  <a:pt x="1196828" y="442827"/>
+                </a:lnTo>
+                <a:lnTo>
+                  <a:pt x="0" y="442827"/>
+                </a:lnTo>
+                <a:lnTo>
+                  <a:pt x="0" y="0"/>
+                </a:lnTo>
+                <a:close/>
+              </a:path>
+            </a:pathLst>
+          </a:custGeom>
+          <a:blipFill>
+            <a:blip r:embed="rId2"/>
+            <a:stretch>
+              <a:fillRect l="0" t="0" r="0" b="0"/>
+            </a:stretch>
+          </a:blipFill>
+        </p:spPr>
+      </p:sp>
+      <p:sp>
+        <p:nvSpPr>
+          <p:cNvPr name="Freeform 8" id="8"/>
+          <p:cNvSpPr/>
+          <p:nvPr/>
+        </p:nvSpPr>
+        <p:spPr>
+          <a:xfrm flipH="false" flipV="false" rot="0">
+            <a:off x="14972261" y="594540"/>
+            <a:ext cx="777356" cy="437263"/>
+          </a:xfrm>
+          <a:custGeom>
+            <a:avLst/>
+            <a:gdLst/>
+            <a:ahLst/>
+            <a:cxnLst/>
+            <a:rect r="r" b="b" t="t" l="l"/>
+            <a:pathLst>
+              <a:path h="437263" w="777356">
+                <a:moveTo>
+                  <a:pt x="0" y="0"/>
+                </a:moveTo>
+                <a:lnTo>
+                  <a:pt x="777356" y="0"/>
+                </a:lnTo>
+                <a:lnTo>
+                  <a:pt x="777356" y="437263"/>
+                </a:lnTo>
+                <a:lnTo>
+                  <a:pt x="0" y="437263"/>
+                </a:lnTo>
+                <a:lnTo>
+                  <a:pt x="0" y="0"/>
+                </a:lnTo>
+                <a:close/>
+              </a:path>
+            </a:pathLst>
+          </a:custGeom>
+          <a:blipFill>
+            <a:blip r:embed="rId3"/>
+            <a:stretch>
+              <a:fillRect l="0" t="0" r="0" b="0"/>
+            </a:stretch>
+          </a:blipFill>
+        </p:spPr>
+      </p:sp>
+      <p:sp>
+        <p:nvSpPr>
+          <p:cNvPr name="Freeform 9" id="9"/>
+          <p:cNvSpPr/>
+          <p:nvPr/>
+        </p:nvSpPr>
+        <p:spPr>
+          <a:xfrm flipH="false" flipV="false" rot="0">
+            <a:off x="757785" y="682606"/>
+            <a:ext cx="541830" cy="489731"/>
+          </a:xfrm>
+          <a:custGeom>
+            <a:avLst/>
+            <a:gdLst/>
+            <a:ahLst/>
+            <a:cxnLst/>
+            <a:rect r="r" b="b" t="t" l="l"/>
+            <a:pathLst>
+              <a:path h="489731" w="541830">
+                <a:moveTo>
+                  <a:pt x="0" y="0"/>
+                </a:moveTo>
+                <a:lnTo>
+                  <a:pt x="541830" y="0"/>
+                </a:lnTo>
+                <a:lnTo>
+                  <a:pt x="541830" y="489731"/>
+                </a:lnTo>
+                <a:lnTo>
+                  <a:pt x="0" y="489731"/>
+                </a:lnTo>
+                <a:lnTo>
+                  <a:pt x="0" y="0"/>
+                </a:lnTo>
+                <a:close/>
+              </a:path>
+            </a:pathLst>
+          </a:custGeom>
+          <a:blipFill>
+            <a:blip r:embed="rId4"/>
+            <a:stretch>
+              <a:fillRect l="0" t="0" r="0" b="0"/>
+            </a:stretch>
+          </a:blipFill>
+        </p:spPr>
+      </p:sp>
+      <p:sp>
+        <p:nvSpPr>
+          <p:cNvPr name="TextBox 10" id="10"/>
+          <p:cNvSpPr txBox="true"/>
+          <p:nvPr/>
+        </p:nvSpPr>
+        <p:spPr>
+          <a:xfrm rot="0">
+            <a:off x="1411420" y="765547"/>
+            <a:ext cx="2246573" cy="276225"/>
+          </a:xfrm>
+          <a:prstGeom prst="rect">
+            <a:avLst/>
+          </a:prstGeom>
+        </p:spPr>
+        <p:txBody>
+          <a:bodyPr anchor="t" rtlCol="false" tIns="0" lIns="0" bIns="0" rIns="0">
+            <a:spAutoFit/>
+          </a:bodyPr>
+          <a:lstStyle/>
+          <a:p>
+            <a:pPr algn="l">
+              <a:lnSpc>
+                <a:spcPts val="2100"/>
+              </a:lnSpc>
+              <a:spcBef>
+                <a:spcPct val="0"/>
+              </a:spcBef>
+            </a:pPr>
+            <a:r>
+              <a:rPr lang="en-US" sz="1500" spc="-75">
+                <a:solidFill>
+                  <a:srgbClr val="FFFFFF"/>
+                </a:solidFill>
+                <a:latin typeface="Telegraf"/>
+                <a:ea typeface="Telegraf"/>
+                <a:cs typeface="Telegraf"/>
+                <a:sym typeface="Telegraf"/>
+              </a:rPr>
+              <a:t>Pemrosesan Bahasa Lisan</a:t>
             </a:r>
           </a:p>
         </p:txBody>
@@ -4079,7 +7810,1337 @@
                 <a:cs typeface="Telegraf Medium"/>
                 <a:sym typeface="Telegraf Medium"/>
               </a:rPr>
-              <a:t>Mass Shooting merupakan masalah serius di Amerika Serikat</a:t>
+              <a:t>Mass shooting merupakan masalah serius di Amerika Serikat</a:t>
+            </a:r>
+          </a:p>
+        </p:txBody>
+      </p:sp>
+    </p:spTree>
+  </p:cSld>
+  <p:clrMapOvr>
+    <a:masterClrMapping/>
+  </p:clrMapOvr>
+</p:sld>
+</file>
+
+<file path=ppt/slides/slide20.xml><?xml version="1.0" encoding="utf-8"?>
+<p:sld xmlns:p="http://schemas.openxmlformats.org/presentationml/2006/main" xmlns:a="http://schemas.openxmlformats.org/drawingml/2006/main" xmlns:r="http://schemas.openxmlformats.org/officeDocument/2006/relationships">
+  <p:cSld>
+    <p:bg>
+      <p:bgPr>
+        <a:solidFill>
+          <a:srgbClr val="000000"/>
+        </a:solidFill>
+      </p:bgPr>
+    </p:bg>
+    <p:spTree>
+      <p:nvGrpSpPr>
+        <p:cNvPr id="1" name=""/>
+        <p:cNvGrpSpPr/>
+        <p:nvPr/>
+      </p:nvGrpSpPr>
+      <p:grpSpPr>
+        <a:xfrm>
+          <a:off x="0" y="0"/>
+          <a:ext cx="0" cy="0"/>
+          <a:chOff x="0" y="0"/>
+          <a:chExt cx="0" cy="0"/>
+        </a:xfrm>
+      </p:grpSpPr>
+      <p:grpSp>
+        <p:nvGrpSpPr>
+          <p:cNvPr name="Group 2" id="2"/>
+          <p:cNvGrpSpPr/>
+          <p:nvPr/>
+        </p:nvGrpSpPr>
+        <p:grpSpPr>
+          <a:xfrm rot="0">
+            <a:off x="1028700" y="3025412"/>
+            <a:ext cx="7271305" cy="6232888"/>
+            <a:chOff x="0" y="0"/>
+            <a:chExt cx="1915076" cy="1641584"/>
+          </a:xfrm>
+        </p:grpSpPr>
+        <p:sp>
+          <p:nvSpPr>
+            <p:cNvPr name="Freeform 3" id="3"/>
+            <p:cNvSpPr/>
+            <p:nvPr/>
+          </p:nvSpPr>
+          <p:spPr>
+            <a:xfrm flipH="false" flipV="false" rot="0">
+              <a:off x="0" y="0"/>
+              <a:ext cx="1915076" cy="1641584"/>
+            </a:xfrm>
+            <a:custGeom>
+              <a:avLst/>
+              <a:gdLst/>
+              <a:ahLst/>
+              <a:cxnLst/>
+              <a:rect r="r" b="b" t="t" l="l"/>
+              <a:pathLst>
+                <a:path h="1641584" w="1915076">
+                  <a:moveTo>
+                    <a:pt x="41524" y="0"/>
+                  </a:moveTo>
+                  <a:lnTo>
+                    <a:pt x="1873552" y="0"/>
+                  </a:lnTo>
+                  <a:cubicBezTo>
+                    <a:pt x="1884565" y="0"/>
+                    <a:pt x="1895127" y="4375"/>
+                    <a:pt x="1902914" y="12162"/>
+                  </a:cubicBezTo>
+                  <a:cubicBezTo>
+                    <a:pt x="1910701" y="19949"/>
+                    <a:pt x="1915076" y="30511"/>
+                    <a:pt x="1915076" y="41524"/>
+                  </a:cubicBezTo>
+                  <a:lnTo>
+                    <a:pt x="1915076" y="1600060"/>
+                  </a:lnTo>
+                  <a:cubicBezTo>
+                    <a:pt x="1915076" y="1622993"/>
+                    <a:pt x="1896485" y="1641584"/>
+                    <a:pt x="1873552" y="1641584"/>
+                  </a:cubicBezTo>
+                  <a:lnTo>
+                    <a:pt x="41524" y="1641584"/>
+                  </a:lnTo>
+                  <a:cubicBezTo>
+                    <a:pt x="18591" y="1641584"/>
+                    <a:pt x="0" y="1622993"/>
+                    <a:pt x="0" y="1600060"/>
+                  </a:cubicBezTo>
+                  <a:lnTo>
+                    <a:pt x="0" y="41524"/>
+                  </a:lnTo>
+                  <a:cubicBezTo>
+                    <a:pt x="0" y="18591"/>
+                    <a:pt x="18591" y="0"/>
+                    <a:pt x="41524" y="0"/>
+                  </a:cubicBezTo>
+                  <a:close/>
+                </a:path>
+              </a:pathLst>
+            </a:custGeom>
+            <a:solidFill>
+              <a:srgbClr val="202F60">
+                <a:alpha val="49804"/>
+              </a:srgbClr>
+            </a:solidFill>
+          </p:spPr>
+        </p:sp>
+        <p:sp>
+          <p:nvSpPr>
+            <p:cNvPr name="TextBox 4" id="4"/>
+            <p:cNvSpPr txBox="true"/>
+            <p:nvPr/>
+          </p:nvSpPr>
+          <p:spPr>
+            <a:xfrm>
+              <a:off x="0" y="-57150"/>
+              <a:ext cx="1915076" cy="1698734"/>
+            </a:xfrm>
+            <a:prstGeom prst="rect">
+              <a:avLst/>
+            </a:prstGeom>
+          </p:spPr>
+          <p:txBody>
+            <a:bodyPr anchor="ctr" rtlCol="false" tIns="50800" lIns="50800" bIns="50800" rIns="50800"/>
+            <a:lstStyle/>
+            <a:p>
+              <a:pPr algn="ctr">
+                <a:lnSpc>
+                  <a:spcPts val="1960"/>
+                </a:lnSpc>
+              </a:pPr>
+            </a:p>
+          </p:txBody>
+        </p:sp>
+      </p:grpSp>
+      <p:grpSp>
+        <p:nvGrpSpPr>
+          <p:cNvPr name="Group 5" id="5"/>
+          <p:cNvGrpSpPr/>
+          <p:nvPr/>
+        </p:nvGrpSpPr>
+        <p:grpSpPr>
+          <a:xfrm rot="0">
+            <a:off x="9676147" y="3103385"/>
+            <a:ext cx="7583988" cy="6154915"/>
+            <a:chOff x="0" y="0"/>
+            <a:chExt cx="1997429" cy="1621047"/>
+          </a:xfrm>
+        </p:grpSpPr>
+        <p:sp>
+          <p:nvSpPr>
+            <p:cNvPr name="Freeform 6" id="6"/>
+            <p:cNvSpPr/>
+            <p:nvPr/>
+          </p:nvSpPr>
+          <p:spPr>
+            <a:xfrm flipH="false" flipV="false" rot="0">
+              <a:off x="0" y="0"/>
+              <a:ext cx="1997429" cy="1621047"/>
+            </a:xfrm>
+            <a:custGeom>
+              <a:avLst/>
+              <a:gdLst/>
+              <a:ahLst/>
+              <a:cxnLst/>
+              <a:rect r="r" b="b" t="t" l="l"/>
+              <a:pathLst>
+                <a:path h="1621047" w="1997429">
+                  <a:moveTo>
+                    <a:pt x="39812" y="0"/>
+                  </a:moveTo>
+                  <a:lnTo>
+                    <a:pt x="1957617" y="0"/>
+                  </a:lnTo>
+                  <a:cubicBezTo>
+                    <a:pt x="1968176" y="0"/>
+                    <a:pt x="1978302" y="4194"/>
+                    <a:pt x="1985768" y="11661"/>
+                  </a:cubicBezTo>
+                  <a:cubicBezTo>
+                    <a:pt x="1993234" y="19127"/>
+                    <a:pt x="1997429" y="29253"/>
+                    <a:pt x="1997429" y="39812"/>
+                  </a:cubicBezTo>
+                  <a:lnTo>
+                    <a:pt x="1997429" y="1581235"/>
+                  </a:lnTo>
+                  <a:cubicBezTo>
+                    <a:pt x="1997429" y="1603223"/>
+                    <a:pt x="1979604" y="1621047"/>
+                    <a:pt x="1957617" y="1621047"/>
+                  </a:cubicBezTo>
+                  <a:lnTo>
+                    <a:pt x="39812" y="1621047"/>
+                  </a:lnTo>
+                  <a:cubicBezTo>
+                    <a:pt x="17825" y="1621047"/>
+                    <a:pt x="0" y="1603223"/>
+                    <a:pt x="0" y="1581235"/>
+                  </a:cubicBezTo>
+                  <a:lnTo>
+                    <a:pt x="0" y="39812"/>
+                  </a:lnTo>
+                  <a:cubicBezTo>
+                    <a:pt x="0" y="17825"/>
+                    <a:pt x="17825" y="0"/>
+                    <a:pt x="39812" y="0"/>
+                  </a:cubicBezTo>
+                  <a:close/>
+                </a:path>
+              </a:pathLst>
+            </a:custGeom>
+            <a:solidFill>
+              <a:srgbClr val="202F60">
+                <a:alpha val="49804"/>
+              </a:srgbClr>
+            </a:solidFill>
+          </p:spPr>
+        </p:sp>
+        <p:sp>
+          <p:nvSpPr>
+            <p:cNvPr name="TextBox 7" id="7"/>
+            <p:cNvSpPr txBox="true"/>
+            <p:nvPr/>
+          </p:nvSpPr>
+          <p:spPr>
+            <a:xfrm>
+              <a:off x="0" y="-57150"/>
+              <a:ext cx="1997429" cy="1678197"/>
+            </a:xfrm>
+            <a:prstGeom prst="rect">
+              <a:avLst/>
+            </a:prstGeom>
+          </p:spPr>
+          <p:txBody>
+            <a:bodyPr anchor="ctr" rtlCol="false" tIns="50800" lIns="50800" bIns="50800" rIns="50800"/>
+            <a:lstStyle/>
+            <a:p>
+              <a:pPr algn="ctr">
+                <a:lnSpc>
+                  <a:spcPts val="1960"/>
+                </a:lnSpc>
+              </a:pPr>
+            </a:p>
+          </p:txBody>
+        </p:sp>
+      </p:grpSp>
+      <p:sp>
+        <p:nvSpPr>
+          <p:cNvPr name="AutoShape 8" id="8"/>
+          <p:cNvSpPr/>
+          <p:nvPr/>
+        </p:nvSpPr>
+        <p:spPr>
+          <a:xfrm flipH="true">
+            <a:off x="8990347" y="3040586"/>
+            <a:ext cx="0" cy="6217714"/>
+          </a:xfrm>
+          <a:prstGeom prst="line">
+            <a:avLst/>
+          </a:prstGeom>
+          <a:ln cap="flat" w="38100">
+            <a:solidFill>
+              <a:srgbClr val="FFFFFF"/>
+            </a:solidFill>
+            <a:prstDash val="sysDash"/>
+            <a:headEnd type="none" len="sm" w="sm"/>
+            <a:tailEnd type="none" len="sm" w="sm"/>
+          </a:ln>
+        </p:spPr>
+      </p:sp>
+      <p:sp>
+        <p:nvSpPr>
+          <p:cNvPr name="Freeform 9" id="9"/>
+          <p:cNvSpPr/>
+          <p:nvPr/>
+        </p:nvSpPr>
+        <p:spPr>
+          <a:xfrm flipH="false" flipV="false" rot="0">
+            <a:off x="1235571" y="4213167"/>
+            <a:ext cx="6857562" cy="3857379"/>
+          </a:xfrm>
+          <a:custGeom>
+            <a:avLst/>
+            <a:gdLst/>
+            <a:ahLst/>
+            <a:cxnLst/>
+            <a:rect r="r" b="b" t="t" l="l"/>
+            <a:pathLst>
+              <a:path h="3857379" w="6857562">
+                <a:moveTo>
+                  <a:pt x="0" y="0"/>
+                </a:moveTo>
+                <a:lnTo>
+                  <a:pt x="6857562" y="0"/>
+                </a:lnTo>
+                <a:lnTo>
+                  <a:pt x="6857562" y="3857378"/>
+                </a:lnTo>
+                <a:lnTo>
+                  <a:pt x="0" y="3857378"/>
+                </a:lnTo>
+                <a:lnTo>
+                  <a:pt x="0" y="0"/>
+                </a:lnTo>
+                <a:close/>
+              </a:path>
+            </a:pathLst>
+          </a:custGeom>
+          <a:blipFill>
+            <a:blip r:embed="rId2"/>
+            <a:stretch>
+              <a:fillRect l="0" t="0" r="0" b="0"/>
+            </a:stretch>
+          </a:blipFill>
+        </p:spPr>
+      </p:sp>
+      <p:sp>
+        <p:nvSpPr>
+          <p:cNvPr name="Freeform 10" id="10"/>
+          <p:cNvSpPr/>
+          <p:nvPr/>
+        </p:nvSpPr>
+        <p:spPr>
+          <a:xfrm flipH="false" flipV="false" rot="0">
+            <a:off x="10122780" y="4301175"/>
+            <a:ext cx="6690722" cy="3759335"/>
+          </a:xfrm>
+          <a:custGeom>
+            <a:avLst/>
+            <a:gdLst/>
+            <a:ahLst/>
+            <a:cxnLst/>
+            <a:rect r="r" b="b" t="t" l="l"/>
+            <a:pathLst>
+              <a:path h="3759335" w="6690722">
+                <a:moveTo>
+                  <a:pt x="0" y="0"/>
+                </a:moveTo>
+                <a:lnTo>
+                  <a:pt x="6690722" y="0"/>
+                </a:lnTo>
+                <a:lnTo>
+                  <a:pt x="6690722" y="3759335"/>
+                </a:lnTo>
+                <a:lnTo>
+                  <a:pt x="0" y="3759335"/>
+                </a:lnTo>
+                <a:lnTo>
+                  <a:pt x="0" y="0"/>
+                </a:lnTo>
+                <a:close/>
+              </a:path>
+            </a:pathLst>
+          </a:custGeom>
+          <a:blipFill>
+            <a:blip r:embed="rId3"/>
+            <a:stretch>
+              <a:fillRect l="0" t="0" r="0" b="0"/>
+            </a:stretch>
+          </a:blipFill>
+        </p:spPr>
+      </p:sp>
+      <p:sp>
+        <p:nvSpPr>
+          <p:cNvPr name="TextBox 11" id="11"/>
+          <p:cNvSpPr txBox="true"/>
+          <p:nvPr/>
+        </p:nvSpPr>
+        <p:spPr>
+          <a:xfrm rot="0">
+            <a:off x="5793571" y="106865"/>
+            <a:ext cx="6700858" cy="1206500"/>
+          </a:xfrm>
+          <a:prstGeom prst="rect">
+            <a:avLst/>
+          </a:prstGeom>
+        </p:spPr>
+        <p:txBody>
+          <a:bodyPr anchor="t" rtlCol="false" tIns="0" lIns="0" bIns="0" rIns="0">
+            <a:spAutoFit/>
+          </a:bodyPr>
+          <a:lstStyle/>
+          <a:p>
+            <a:pPr algn="ctr" marL="0" indent="0" lvl="0">
+              <a:lnSpc>
+                <a:spcPts val="7000"/>
+              </a:lnSpc>
+              <a:spcBef>
+                <a:spcPct val="0"/>
+              </a:spcBef>
+            </a:pPr>
+            <a:r>
+              <a:rPr lang="en-US" b="true" sz="5000">
+                <a:gradFill>
+                  <a:gsLst>
+                    <a:gs pos="0">
+                      <a:srgbClr val="10162A">
+                        <a:alpha val="100000"/>
+                      </a:srgbClr>
+                    </a:gs>
+                    <a:gs pos="100000">
+                      <a:srgbClr val="3361AC">
+                        <a:alpha val="68500"/>
+                      </a:srgbClr>
+                    </a:gs>
+                  </a:gsLst>
+                  <a:lin ang="0"/>
+                </a:gradFill>
+                <a:latin typeface="Pattanakarn Expanded Bold"/>
+                <a:ea typeface="Pattanakarn Expanded Bold"/>
+                <a:cs typeface="Pattanakarn Expanded Bold"/>
+                <a:sym typeface="Pattanakarn Expanded Bold"/>
+              </a:rPr>
+              <a:t>Evaluation Metrics</a:t>
+            </a:r>
+          </a:p>
+        </p:txBody>
+      </p:sp>
+      <p:sp>
+        <p:nvSpPr>
+          <p:cNvPr name="Freeform 12" id="12"/>
+          <p:cNvSpPr/>
+          <p:nvPr/>
+        </p:nvSpPr>
+        <p:spPr>
+          <a:xfrm flipH="false" flipV="false" rot="0">
+            <a:off x="15866188" y="605930"/>
+            <a:ext cx="1196828" cy="442826"/>
+          </a:xfrm>
+          <a:custGeom>
+            <a:avLst/>
+            <a:gdLst/>
+            <a:ahLst/>
+            <a:cxnLst/>
+            <a:rect r="r" b="b" t="t" l="l"/>
+            <a:pathLst>
+              <a:path h="442826" w="1196828">
+                <a:moveTo>
+                  <a:pt x="0" y="0"/>
+                </a:moveTo>
+                <a:lnTo>
+                  <a:pt x="1196828" y="0"/>
+                </a:lnTo>
+                <a:lnTo>
+                  <a:pt x="1196828" y="442827"/>
+                </a:lnTo>
+                <a:lnTo>
+                  <a:pt x="0" y="442827"/>
+                </a:lnTo>
+                <a:lnTo>
+                  <a:pt x="0" y="0"/>
+                </a:lnTo>
+                <a:close/>
+              </a:path>
+            </a:pathLst>
+          </a:custGeom>
+          <a:blipFill>
+            <a:blip r:embed="rId4"/>
+            <a:stretch>
+              <a:fillRect l="0" t="0" r="0" b="0"/>
+            </a:stretch>
+          </a:blipFill>
+        </p:spPr>
+      </p:sp>
+      <p:sp>
+        <p:nvSpPr>
+          <p:cNvPr name="Freeform 13" id="13"/>
+          <p:cNvSpPr/>
+          <p:nvPr/>
+        </p:nvSpPr>
+        <p:spPr>
+          <a:xfrm flipH="false" flipV="false" rot="0">
+            <a:off x="14972261" y="594540"/>
+            <a:ext cx="777356" cy="437263"/>
+          </a:xfrm>
+          <a:custGeom>
+            <a:avLst/>
+            <a:gdLst/>
+            <a:ahLst/>
+            <a:cxnLst/>
+            <a:rect r="r" b="b" t="t" l="l"/>
+            <a:pathLst>
+              <a:path h="437263" w="777356">
+                <a:moveTo>
+                  <a:pt x="0" y="0"/>
+                </a:moveTo>
+                <a:lnTo>
+                  <a:pt x="777356" y="0"/>
+                </a:lnTo>
+                <a:lnTo>
+                  <a:pt x="777356" y="437263"/>
+                </a:lnTo>
+                <a:lnTo>
+                  <a:pt x="0" y="437263"/>
+                </a:lnTo>
+                <a:lnTo>
+                  <a:pt x="0" y="0"/>
+                </a:lnTo>
+                <a:close/>
+              </a:path>
+            </a:pathLst>
+          </a:custGeom>
+          <a:blipFill>
+            <a:blip r:embed="rId5"/>
+            <a:stretch>
+              <a:fillRect l="0" t="0" r="0" b="0"/>
+            </a:stretch>
+          </a:blipFill>
+        </p:spPr>
+      </p:sp>
+      <p:sp>
+        <p:nvSpPr>
+          <p:cNvPr name="Freeform 14" id="14"/>
+          <p:cNvSpPr/>
+          <p:nvPr/>
+        </p:nvSpPr>
+        <p:spPr>
+          <a:xfrm flipH="false" flipV="false" rot="0">
+            <a:off x="757785" y="682606"/>
+            <a:ext cx="541830" cy="489731"/>
+          </a:xfrm>
+          <a:custGeom>
+            <a:avLst/>
+            <a:gdLst/>
+            <a:ahLst/>
+            <a:cxnLst/>
+            <a:rect r="r" b="b" t="t" l="l"/>
+            <a:pathLst>
+              <a:path h="489731" w="541830">
+                <a:moveTo>
+                  <a:pt x="0" y="0"/>
+                </a:moveTo>
+                <a:lnTo>
+                  <a:pt x="541830" y="0"/>
+                </a:lnTo>
+                <a:lnTo>
+                  <a:pt x="541830" y="489731"/>
+                </a:lnTo>
+                <a:lnTo>
+                  <a:pt x="0" y="489731"/>
+                </a:lnTo>
+                <a:lnTo>
+                  <a:pt x="0" y="0"/>
+                </a:lnTo>
+                <a:close/>
+              </a:path>
+            </a:pathLst>
+          </a:custGeom>
+          <a:blipFill>
+            <a:blip r:embed="rId6"/>
+            <a:stretch>
+              <a:fillRect l="0" t="0" r="0" b="0"/>
+            </a:stretch>
+          </a:blipFill>
+        </p:spPr>
+      </p:sp>
+      <p:sp>
+        <p:nvSpPr>
+          <p:cNvPr name="TextBox 15" id="15"/>
+          <p:cNvSpPr txBox="true"/>
+          <p:nvPr/>
+        </p:nvSpPr>
+        <p:spPr>
+          <a:xfrm rot="0">
+            <a:off x="1411420" y="765547"/>
+            <a:ext cx="2246573" cy="276225"/>
+          </a:xfrm>
+          <a:prstGeom prst="rect">
+            <a:avLst/>
+          </a:prstGeom>
+        </p:spPr>
+        <p:txBody>
+          <a:bodyPr anchor="t" rtlCol="false" tIns="0" lIns="0" bIns="0" rIns="0">
+            <a:spAutoFit/>
+          </a:bodyPr>
+          <a:lstStyle/>
+          <a:p>
+            <a:pPr algn="l">
+              <a:lnSpc>
+                <a:spcPts val="2100"/>
+              </a:lnSpc>
+              <a:spcBef>
+                <a:spcPct val="0"/>
+              </a:spcBef>
+            </a:pPr>
+            <a:r>
+              <a:rPr lang="en-US" sz="1500" spc="-75">
+                <a:solidFill>
+                  <a:srgbClr val="FFFFFF"/>
+                </a:solidFill>
+                <a:latin typeface="Telegraf"/>
+                <a:ea typeface="Telegraf"/>
+                <a:cs typeface="Telegraf"/>
+                <a:sym typeface="Telegraf"/>
+              </a:rPr>
+              <a:t>Pemrosesan Bahasa Lisan</a:t>
+            </a:r>
+          </a:p>
+        </p:txBody>
+      </p:sp>
+    </p:spTree>
+  </p:cSld>
+  <p:clrMapOvr>
+    <a:masterClrMapping/>
+  </p:clrMapOvr>
+</p:sld>
+</file>
+
+<file path=ppt/slides/slide21.xml><?xml version="1.0" encoding="utf-8"?>
+<p:sld xmlns:p="http://schemas.openxmlformats.org/presentationml/2006/main" xmlns:a="http://schemas.openxmlformats.org/drawingml/2006/main" xmlns:r="http://schemas.openxmlformats.org/officeDocument/2006/relationships">
+  <p:cSld>
+    <p:bg>
+      <p:bgPr>
+        <a:solidFill>
+          <a:srgbClr val="000000"/>
+        </a:solidFill>
+      </p:bgPr>
+    </p:bg>
+    <p:spTree>
+      <p:nvGrpSpPr>
+        <p:cNvPr id="1" name=""/>
+        <p:cNvGrpSpPr/>
+        <p:nvPr/>
+      </p:nvGrpSpPr>
+      <p:grpSpPr>
+        <a:xfrm>
+          <a:off x="0" y="0"/>
+          <a:ext cx="0" cy="0"/>
+          <a:chOff x="0" y="0"/>
+          <a:chExt cx="0" cy="0"/>
+        </a:xfrm>
+      </p:grpSpPr>
+      <p:sp>
+        <p:nvSpPr>
+          <p:cNvPr name="Freeform 2" id="2"/>
+          <p:cNvSpPr/>
+          <p:nvPr/>
+        </p:nvSpPr>
+        <p:spPr>
+          <a:xfrm flipH="false" flipV="false" rot="0">
+            <a:off x="3884026" y="3057806"/>
+            <a:ext cx="10519947" cy="4171388"/>
+          </a:xfrm>
+          <a:custGeom>
+            <a:avLst/>
+            <a:gdLst/>
+            <a:ahLst/>
+            <a:cxnLst/>
+            <a:rect r="r" b="b" t="t" l="l"/>
+            <a:pathLst>
+              <a:path h="4171388" w="10519947">
+                <a:moveTo>
+                  <a:pt x="0" y="0"/>
+                </a:moveTo>
+                <a:lnTo>
+                  <a:pt x="10519948" y="0"/>
+                </a:lnTo>
+                <a:lnTo>
+                  <a:pt x="10519948" y="4171388"/>
+                </a:lnTo>
+                <a:lnTo>
+                  <a:pt x="0" y="4171388"/>
+                </a:lnTo>
+                <a:lnTo>
+                  <a:pt x="0" y="0"/>
+                </a:lnTo>
+                <a:close/>
+              </a:path>
+            </a:pathLst>
+          </a:custGeom>
+          <a:blipFill>
+            <a:blip r:embed="rId2"/>
+            <a:stretch>
+              <a:fillRect l="0" t="0" r="0" b="0"/>
+            </a:stretch>
+          </a:blipFill>
+        </p:spPr>
+      </p:sp>
+      <p:sp>
+        <p:nvSpPr>
+          <p:cNvPr name="TextBox 3" id="3"/>
+          <p:cNvSpPr txBox="true"/>
+          <p:nvPr/>
+        </p:nvSpPr>
+        <p:spPr>
+          <a:xfrm rot="0">
+            <a:off x="5118657" y="215900"/>
+            <a:ext cx="8050687" cy="1206500"/>
+          </a:xfrm>
+          <a:prstGeom prst="rect">
+            <a:avLst/>
+          </a:prstGeom>
+        </p:spPr>
+        <p:txBody>
+          <a:bodyPr anchor="t" rtlCol="false" tIns="0" lIns="0" bIns="0" rIns="0">
+            <a:spAutoFit/>
+          </a:bodyPr>
+          <a:lstStyle/>
+          <a:p>
+            <a:pPr algn="ctr" marL="0" indent="0" lvl="0">
+              <a:lnSpc>
+                <a:spcPts val="7000"/>
+              </a:lnSpc>
+              <a:spcBef>
+                <a:spcPct val="0"/>
+              </a:spcBef>
+            </a:pPr>
+            <a:r>
+              <a:rPr lang="en-US" b="true" sz="5000">
+                <a:gradFill>
+                  <a:gsLst>
+                    <a:gs pos="0">
+                      <a:srgbClr val="10162A">
+                        <a:alpha val="100000"/>
+                      </a:srgbClr>
+                    </a:gs>
+                    <a:gs pos="100000">
+                      <a:srgbClr val="3361AC">
+                        <a:alpha val="68500"/>
+                      </a:srgbClr>
+                    </a:gs>
+                  </a:gsLst>
+                  <a:lin ang="0"/>
+                </a:gradFill>
+                <a:latin typeface="Pattanakarn Expanded Bold"/>
+                <a:ea typeface="Pattanakarn Expanded Bold"/>
+                <a:cs typeface="Pattanakarn Expanded Bold"/>
+                <a:sym typeface="Pattanakarn Expanded Bold"/>
+              </a:rPr>
+              <a:t>Experiment Results</a:t>
+            </a:r>
+          </a:p>
+        </p:txBody>
+      </p:sp>
+      <p:sp>
+        <p:nvSpPr>
+          <p:cNvPr name="Freeform 4" id="4"/>
+          <p:cNvSpPr/>
+          <p:nvPr/>
+        </p:nvSpPr>
+        <p:spPr>
+          <a:xfrm flipH="false" flipV="false" rot="0">
+            <a:off x="15866188" y="605930"/>
+            <a:ext cx="1196828" cy="442826"/>
+          </a:xfrm>
+          <a:custGeom>
+            <a:avLst/>
+            <a:gdLst/>
+            <a:ahLst/>
+            <a:cxnLst/>
+            <a:rect r="r" b="b" t="t" l="l"/>
+            <a:pathLst>
+              <a:path h="442826" w="1196828">
+                <a:moveTo>
+                  <a:pt x="0" y="0"/>
+                </a:moveTo>
+                <a:lnTo>
+                  <a:pt x="1196828" y="0"/>
+                </a:lnTo>
+                <a:lnTo>
+                  <a:pt x="1196828" y="442827"/>
+                </a:lnTo>
+                <a:lnTo>
+                  <a:pt x="0" y="442827"/>
+                </a:lnTo>
+                <a:lnTo>
+                  <a:pt x="0" y="0"/>
+                </a:lnTo>
+                <a:close/>
+              </a:path>
+            </a:pathLst>
+          </a:custGeom>
+          <a:blipFill>
+            <a:blip r:embed="rId3"/>
+            <a:stretch>
+              <a:fillRect l="0" t="0" r="0" b="0"/>
+            </a:stretch>
+          </a:blipFill>
+        </p:spPr>
+      </p:sp>
+      <p:sp>
+        <p:nvSpPr>
+          <p:cNvPr name="Freeform 5" id="5"/>
+          <p:cNvSpPr/>
+          <p:nvPr/>
+        </p:nvSpPr>
+        <p:spPr>
+          <a:xfrm flipH="false" flipV="false" rot="0">
+            <a:off x="14972261" y="594540"/>
+            <a:ext cx="777356" cy="437263"/>
+          </a:xfrm>
+          <a:custGeom>
+            <a:avLst/>
+            <a:gdLst/>
+            <a:ahLst/>
+            <a:cxnLst/>
+            <a:rect r="r" b="b" t="t" l="l"/>
+            <a:pathLst>
+              <a:path h="437263" w="777356">
+                <a:moveTo>
+                  <a:pt x="0" y="0"/>
+                </a:moveTo>
+                <a:lnTo>
+                  <a:pt x="777356" y="0"/>
+                </a:lnTo>
+                <a:lnTo>
+                  <a:pt x="777356" y="437263"/>
+                </a:lnTo>
+                <a:lnTo>
+                  <a:pt x="0" y="437263"/>
+                </a:lnTo>
+                <a:lnTo>
+                  <a:pt x="0" y="0"/>
+                </a:lnTo>
+                <a:close/>
+              </a:path>
+            </a:pathLst>
+          </a:custGeom>
+          <a:blipFill>
+            <a:blip r:embed="rId4"/>
+            <a:stretch>
+              <a:fillRect l="0" t="0" r="0" b="0"/>
+            </a:stretch>
+          </a:blipFill>
+        </p:spPr>
+      </p:sp>
+      <p:sp>
+        <p:nvSpPr>
+          <p:cNvPr name="Freeform 6" id="6"/>
+          <p:cNvSpPr/>
+          <p:nvPr/>
+        </p:nvSpPr>
+        <p:spPr>
+          <a:xfrm flipH="false" flipV="false" rot="0">
+            <a:off x="757785" y="682606"/>
+            <a:ext cx="541830" cy="489731"/>
+          </a:xfrm>
+          <a:custGeom>
+            <a:avLst/>
+            <a:gdLst/>
+            <a:ahLst/>
+            <a:cxnLst/>
+            <a:rect r="r" b="b" t="t" l="l"/>
+            <a:pathLst>
+              <a:path h="489731" w="541830">
+                <a:moveTo>
+                  <a:pt x="0" y="0"/>
+                </a:moveTo>
+                <a:lnTo>
+                  <a:pt x="541830" y="0"/>
+                </a:lnTo>
+                <a:lnTo>
+                  <a:pt x="541830" y="489731"/>
+                </a:lnTo>
+                <a:lnTo>
+                  <a:pt x="0" y="489731"/>
+                </a:lnTo>
+                <a:lnTo>
+                  <a:pt x="0" y="0"/>
+                </a:lnTo>
+                <a:close/>
+              </a:path>
+            </a:pathLst>
+          </a:custGeom>
+          <a:blipFill>
+            <a:blip r:embed="rId5"/>
+            <a:stretch>
+              <a:fillRect l="0" t="0" r="0" b="0"/>
+            </a:stretch>
+          </a:blipFill>
+        </p:spPr>
+      </p:sp>
+      <p:sp>
+        <p:nvSpPr>
+          <p:cNvPr name="TextBox 7" id="7"/>
+          <p:cNvSpPr txBox="true"/>
+          <p:nvPr/>
+        </p:nvSpPr>
+        <p:spPr>
+          <a:xfrm rot="0">
+            <a:off x="1411420" y="765547"/>
+            <a:ext cx="2246573" cy="276225"/>
+          </a:xfrm>
+          <a:prstGeom prst="rect">
+            <a:avLst/>
+          </a:prstGeom>
+        </p:spPr>
+        <p:txBody>
+          <a:bodyPr anchor="t" rtlCol="false" tIns="0" lIns="0" bIns="0" rIns="0">
+            <a:spAutoFit/>
+          </a:bodyPr>
+          <a:lstStyle/>
+          <a:p>
+            <a:pPr algn="l">
+              <a:lnSpc>
+                <a:spcPts val="2100"/>
+              </a:lnSpc>
+              <a:spcBef>
+                <a:spcPct val="0"/>
+              </a:spcBef>
+            </a:pPr>
+            <a:r>
+              <a:rPr lang="en-US" sz="1500" spc="-75">
+                <a:solidFill>
+                  <a:srgbClr val="FFFFFF"/>
+                </a:solidFill>
+                <a:latin typeface="Telegraf"/>
+                <a:ea typeface="Telegraf"/>
+                <a:cs typeface="Telegraf"/>
+                <a:sym typeface="Telegraf"/>
+              </a:rPr>
+              <a:t>Pemrosesan Bahasa Lisan</a:t>
+            </a:r>
+          </a:p>
+        </p:txBody>
+      </p:sp>
+    </p:spTree>
+  </p:cSld>
+  <p:clrMapOvr>
+    <a:masterClrMapping/>
+  </p:clrMapOvr>
+</p:sld>
+</file>
+
+<file path=ppt/slides/slide22.xml><?xml version="1.0" encoding="utf-8"?>
+<p:sld xmlns:p="http://schemas.openxmlformats.org/presentationml/2006/main" xmlns:a="http://schemas.openxmlformats.org/drawingml/2006/main" xmlns:r="http://schemas.openxmlformats.org/officeDocument/2006/relationships">
+  <p:cSld>
+    <p:bg>
+      <p:bgPr>
+        <a:solidFill>
+          <a:srgbClr val="000000"/>
+        </a:solidFill>
+      </p:bgPr>
+    </p:bg>
+    <p:spTree>
+      <p:nvGrpSpPr>
+        <p:cNvPr id="1" name=""/>
+        <p:cNvGrpSpPr/>
+        <p:nvPr/>
+      </p:nvGrpSpPr>
+      <p:grpSpPr>
+        <a:xfrm>
+          <a:off x="0" y="0"/>
+          <a:ext cx="0" cy="0"/>
+          <a:chOff x="0" y="0"/>
+          <a:chExt cx="0" cy="0"/>
+        </a:xfrm>
+      </p:grpSpPr>
+      <p:sp>
+        <p:nvSpPr>
+          <p:cNvPr name="Freeform 2" id="2"/>
+          <p:cNvSpPr/>
+          <p:nvPr/>
+        </p:nvSpPr>
+        <p:spPr>
+          <a:xfrm flipH="false" flipV="false" rot="0">
+            <a:off x="2389026" y="3446007"/>
+            <a:ext cx="13509947" cy="3394987"/>
+          </a:xfrm>
+          <a:custGeom>
+            <a:avLst/>
+            <a:gdLst/>
+            <a:ahLst/>
+            <a:cxnLst/>
+            <a:rect r="r" b="b" t="t" l="l"/>
+            <a:pathLst>
+              <a:path h="3394987" w="13509947">
+                <a:moveTo>
+                  <a:pt x="0" y="0"/>
+                </a:moveTo>
+                <a:lnTo>
+                  <a:pt x="13509948" y="0"/>
+                </a:lnTo>
+                <a:lnTo>
+                  <a:pt x="13509948" y="3394986"/>
+                </a:lnTo>
+                <a:lnTo>
+                  <a:pt x="0" y="3394986"/>
+                </a:lnTo>
+                <a:lnTo>
+                  <a:pt x="0" y="0"/>
+                </a:lnTo>
+                <a:close/>
+              </a:path>
+            </a:pathLst>
+          </a:custGeom>
+          <a:blipFill>
+            <a:blip r:embed="rId2"/>
+            <a:stretch>
+              <a:fillRect l="0" t="0" r="0" b="0"/>
+            </a:stretch>
+          </a:blipFill>
+        </p:spPr>
+      </p:sp>
+      <p:sp>
+        <p:nvSpPr>
+          <p:cNvPr name="TextBox 3" id="3"/>
+          <p:cNvSpPr txBox="true"/>
+          <p:nvPr/>
+        </p:nvSpPr>
+        <p:spPr>
+          <a:xfrm rot="0">
+            <a:off x="5118657" y="215900"/>
+            <a:ext cx="8050687" cy="1206500"/>
+          </a:xfrm>
+          <a:prstGeom prst="rect">
+            <a:avLst/>
+          </a:prstGeom>
+        </p:spPr>
+        <p:txBody>
+          <a:bodyPr anchor="t" rtlCol="false" tIns="0" lIns="0" bIns="0" rIns="0">
+            <a:spAutoFit/>
+          </a:bodyPr>
+          <a:lstStyle/>
+          <a:p>
+            <a:pPr algn="ctr" marL="0" indent="0" lvl="0">
+              <a:lnSpc>
+                <a:spcPts val="7000"/>
+              </a:lnSpc>
+              <a:spcBef>
+                <a:spcPct val="0"/>
+              </a:spcBef>
+            </a:pPr>
+            <a:r>
+              <a:rPr lang="en-US" b="true" sz="5000">
+                <a:gradFill>
+                  <a:gsLst>
+                    <a:gs pos="0">
+                      <a:srgbClr val="10162A">
+                        <a:alpha val="100000"/>
+                      </a:srgbClr>
+                    </a:gs>
+                    <a:gs pos="100000">
+                      <a:srgbClr val="3361AC">
+                        <a:alpha val="68500"/>
+                      </a:srgbClr>
+                    </a:gs>
+                  </a:gsLst>
+                  <a:lin ang="0"/>
+                </a:gradFill>
+                <a:latin typeface="Pattanakarn Expanded Bold"/>
+                <a:ea typeface="Pattanakarn Expanded Bold"/>
+                <a:cs typeface="Pattanakarn Expanded Bold"/>
+                <a:sym typeface="Pattanakarn Expanded Bold"/>
+              </a:rPr>
+              <a:t>Inference</a:t>
+            </a:r>
+          </a:p>
+        </p:txBody>
+      </p:sp>
+      <p:sp>
+        <p:nvSpPr>
+          <p:cNvPr name="Freeform 4" id="4"/>
+          <p:cNvSpPr/>
+          <p:nvPr/>
+        </p:nvSpPr>
+        <p:spPr>
+          <a:xfrm flipH="false" flipV="false" rot="0">
+            <a:off x="15866188" y="605930"/>
+            <a:ext cx="1196828" cy="442826"/>
+          </a:xfrm>
+          <a:custGeom>
+            <a:avLst/>
+            <a:gdLst/>
+            <a:ahLst/>
+            <a:cxnLst/>
+            <a:rect r="r" b="b" t="t" l="l"/>
+            <a:pathLst>
+              <a:path h="442826" w="1196828">
+                <a:moveTo>
+                  <a:pt x="0" y="0"/>
+                </a:moveTo>
+                <a:lnTo>
+                  <a:pt x="1196828" y="0"/>
+                </a:lnTo>
+                <a:lnTo>
+                  <a:pt x="1196828" y="442827"/>
+                </a:lnTo>
+                <a:lnTo>
+                  <a:pt x="0" y="442827"/>
+                </a:lnTo>
+                <a:lnTo>
+                  <a:pt x="0" y="0"/>
+                </a:lnTo>
+                <a:close/>
+              </a:path>
+            </a:pathLst>
+          </a:custGeom>
+          <a:blipFill>
+            <a:blip r:embed="rId3"/>
+            <a:stretch>
+              <a:fillRect l="0" t="0" r="0" b="0"/>
+            </a:stretch>
+          </a:blipFill>
+        </p:spPr>
+      </p:sp>
+      <p:sp>
+        <p:nvSpPr>
+          <p:cNvPr name="Freeform 5" id="5"/>
+          <p:cNvSpPr/>
+          <p:nvPr/>
+        </p:nvSpPr>
+        <p:spPr>
+          <a:xfrm flipH="false" flipV="false" rot="0">
+            <a:off x="14972261" y="594540"/>
+            <a:ext cx="777356" cy="437263"/>
+          </a:xfrm>
+          <a:custGeom>
+            <a:avLst/>
+            <a:gdLst/>
+            <a:ahLst/>
+            <a:cxnLst/>
+            <a:rect r="r" b="b" t="t" l="l"/>
+            <a:pathLst>
+              <a:path h="437263" w="777356">
+                <a:moveTo>
+                  <a:pt x="0" y="0"/>
+                </a:moveTo>
+                <a:lnTo>
+                  <a:pt x="777356" y="0"/>
+                </a:lnTo>
+                <a:lnTo>
+                  <a:pt x="777356" y="437263"/>
+                </a:lnTo>
+                <a:lnTo>
+                  <a:pt x="0" y="437263"/>
+                </a:lnTo>
+                <a:lnTo>
+                  <a:pt x="0" y="0"/>
+                </a:lnTo>
+                <a:close/>
+              </a:path>
+            </a:pathLst>
+          </a:custGeom>
+          <a:blipFill>
+            <a:blip r:embed="rId4"/>
+            <a:stretch>
+              <a:fillRect l="0" t="0" r="0" b="0"/>
+            </a:stretch>
+          </a:blipFill>
+        </p:spPr>
+      </p:sp>
+      <p:sp>
+        <p:nvSpPr>
+          <p:cNvPr name="Freeform 6" id="6"/>
+          <p:cNvSpPr/>
+          <p:nvPr/>
+        </p:nvSpPr>
+        <p:spPr>
+          <a:xfrm flipH="false" flipV="false" rot="0">
+            <a:off x="757785" y="682606"/>
+            <a:ext cx="541830" cy="489731"/>
+          </a:xfrm>
+          <a:custGeom>
+            <a:avLst/>
+            <a:gdLst/>
+            <a:ahLst/>
+            <a:cxnLst/>
+            <a:rect r="r" b="b" t="t" l="l"/>
+            <a:pathLst>
+              <a:path h="489731" w="541830">
+                <a:moveTo>
+                  <a:pt x="0" y="0"/>
+                </a:moveTo>
+                <a:lnTo>
+                  <a:pt x="541830" y="0"/>
+                </a:lnTo>
+                <a:lnTo>
+                  <a:pt x="541830" y="489731"/>
+                </a:lnTo>
+                <a:lnTo>
+                  <a:pt x="0" y="489731"/>
+                </a:lnTo>
+                <a:lnTo>
+                  <a:pt x="0" y="0"/>
+                </a:lnTo>
+                <a:close/>
+              </a:path>
+            </a:pathLst>
+          </a:custGeom>
+          <a:blipFill>
+            <a:blip r:embed="rId5"/>
+            <a:stretch>
+              <a:fillRect l="0" t="0" r="0" b="0"/>
+            </a:stretch>
+          </a:blipFill>
+        </p:spPr>
+      </p:sp>
+      <p:sp>
+        <p:nvSpPr>
+          <p:cNvPr name="TextBox 7" id="7"/>
+          <p:cNvSpPr txBox="true"/>
+          <p:nvPr/>
+        </p:nvSpPr>
+        <p:spPr>
+          <a:xfrm rot="0">
+            <a:off x="1411420" y="765547"/>
+            <a:ext cx="2246573" cy="276225"/>
+          </a:xfrm>
+          <a:prstGeom prst="rect">
+            <a:avLst/>
+          </a:prstGeom>
+        </p:spPr>
+        <p:txBody>
+          <a:bodyPr anchor="t" rtlCol="false" tIns="0" lIns="0" bIns="0" rIns="0">
+            <a:spAutoFit/>
+          </a:bodyPr>
+          <a:lstStyle/>
+          <a:p>
+            <a:pPr algn="l">
+              <a:lnSpc>
+                <a:spcPts val="2100"/>
+              </a:lnSpc>
+              <a:spcBef>
+                <a:spcPct val="0"/>
+              </a:spcBef>
+            </a:pPr>
+            <a:r>
+              <a:rPr lang="en-US" sz="1500" spc="-75">
+                <a:solidFill>
+                  <a:srgbClr val="FFFFFF"/>
+                </a:solidFill>
+                <a:latin typeface="Telegraf"/>
+                <a:ea typeface="Telegraf"/>
+                <a:cs typeface="Telegraf"/>
+                <a:sym typeface="Telegraf"/>
+              </a:rPr>
+              <a:t>Pemrosesan Bahasa Lisan</a:t>
+            </a:r>
+          </a:p>
+        </p:txBody>
+      </p:sp>
+    </p:spTree>
+  </p:cSld>
+  <p:clrMapOvr>
+    <a:masterClrMapping/>
+  </p:clrMapOvr>
+</p:sld>
+</file>
+
+<file path=ppt/slides/slide23.xml><?xml version="1.0" encoding="utf-8"?>
+<p:sld xmlns:p="http://schemas.openxmlformats.org/presentationml/2006/main" xmlns:a="http://schemas.openxmlformats.org/drawingml/2006/main">
+  <p:cSld>
+    <p:bg>
+      <p:bgPr>
+        <a:solidFill>
+          <a:srgbClr val="000000"/>
+        </a:solidFill>
+      </p:bgPr>
+    </p:bg>
+    <p:spTree>
+      <p:nvGrpSpPr>
+        <p:cNvPr id="1" name=""/>
+        <p:cNvGrpSpPr/>
+        <p:nvPr/>
+      </p:nvGrpSpPr>
+      <p:grpSpPr>
+        <a:xfrm>
+          <a:off x="0" y="0"/>
+          <a:ext cx="0" cy="0"/>
+          <a:chOff x="0" y="0"/>
+          <a:chExt cx="0" cy="0"/>
+        </a:xfrm>
+      </p:grpSpPr>
+      <p:sp>
+        <p:nvSpPr>
+          <p:cNvPr name="TextBox 2" id="2"/>
+          <p:cNvSpPr txBox="true"/>
+          <p:nvPr/>
+        </p:nvSpPr>
+        <p:spPr>
+          <a:xfrm rot="0">
+            <a:off x="1028700" y="3527814"/>
+            <a:ext cx="16230600" cy="2403491"/>
+          </a:xfrm>
+          <a:prstGeom prst="rect">
+            <a:avLst/>
+          </a:prstGeom>
+        </p:spPr>
+        <p:txBody>
+          <a:bodyPr anchor="t" rtlCol="false" tIns="0" lIns="0" bIns="0" rIns="0">
+            <a:spAutoFit/>
+          </a:bodyPr>
+          <a:lstStyle/>
+          <a:p>
+            <a:pPr algn="ctr" marL="0" indent="0" lvl="0">
+              <a:lnSpc>
+                <a:spcPts val="13999"/>
+              </a:lnSpc>
+              <a:spcBef>
+                <a:spcPct val="0"/>
+              </a:spcBef>
+            </a:pPr>
+            <a:r>
+              <a:rPr lang="en-US" b="true" sz="9999">
+                <a:gradFill>
+                  <a:gsLst>
+                    <a:gs pos="0">
+                      <a:srgbClr val="10162A">
+                        <a:alpha val="100000"/>
+                      </a:srgbClr>
+                    </a:gs>
+                    <a:gs pos="100000">
+                      <a:srgbClr val="3361AC">
+                        <a:alpha val="68500"/>
+                      </a:srgbClr>
+                    </a:gs>
+                  </a:gsLst>
+                  <a:lin ang="0"/>
+                </a:gradFill>
+                <a:latin typeface="Pattanakarn Expanded Bold"/>
+                <a:ea typeface="Pattanakarn Expanded Bold"/>
+                <a:cs typeface="Pattanakarn Expanded Bold"/>
+                <a:sym typeface="Pattanakarn Expanded Bold"/>
+              </a:rPr>
+              <a:t>THANK YOU</a:t>
             </a:r>
           </a:p>
         </p:txBody>
@@ -5329,7 +10390,7 @@
         </p:nvSpPr>
         <p:spPr>
           <a:xfrm rot="0">
-            <a:off x="1284447" y="2639468"/>
+            <a:off x="1284447" y="2863305"/>
             <a:ext cx="3587234" cy="1381125"/>
           </a:xfrm>
           <a:prstGeom prst="rect">
@@ -5404,7 +10465,7 @@
                 <a:cs typeface="Telegraf Bold"/>
                 <a:sym typeface="Telegraf Bold"/>
               </a:rPr>
-              <a:t>Higher rate of antidepressantuse among those exposed to a school shooting </a:t>
+              <a:t>Higher rate of anti-depressant use among those exposed to a school shooting </a:t>
             </a:r>
           </a:p>
         </p:txBody>
@@ -5448,7 +10509,7 @@
                 <a:cs typeface="Telegraf Bold"/>
                 <a:sym typeface="Telegraf Bold"/>
               </a:rPr>
-              <a:t>Students exposed to shootings at their schools areless likely to graduate</a:t>
+              <a:t>Students exposed to shootings at their schools are less likely to graduate</a:t>
             </a:r>
           </a:p>
         </p:txBody>
@@ -5492,7 +10553,7 @@
                 <a:cs typeface="Telegraf Bold"/>
                 <a:sym typeface="Telegraf Bold"/>
               </a:rPr>
-              <a:t>Pendeteksian penembakan masal di sekolah sangatlambat dan tidak efisien.​</a:t>
+              <a:t>Pendeteksian penembakan masal di sekolah sangat lambat dan tidak efisien.​</a:t>
             </a:r>
           </a:p>
         </p:txBody>
@@ -5549,8 +10610,8 @@
         </p:nvSpPr>
         <p:spPr>
           <a:xfrm rot="0">
-            <a:off x="6592102" y="527208"/>
-            <a:ext cx="5103797" cy="898209"/>
+            <a:off x="6592102" y="212883"/>
+            <a:ext cx="5103797" cy="1212534"/>
           </a:xfrm>
           <a:prstGeom prst="rect">
             <a:avLst/>
@@ -5593,6 +10654,188 @@
                 <a:sym typeface="Pattanakarn Expanded Bold"/>
               </a:rPr>
               <a:t>Permasalahan</a:t>
+            </a:r>
+          </a:p>
+        </p:txBody>
+      </p:sp>
+      <p:sp>
+        <p:nvSpPr>
+          <p:cNvPr name="Freeform 36" id="36"/>
+          <p:cNvSpPr/>
+          <p:nvPr/>
+        </p:nvSpPr>
+        <p:spPr>
+          <a:xfrm flipH="false" flipV="false" rot="0">
+            <a:off x="15866188" y="605930"/>
+            <a:ext cx="1196828" cy="442826"/>
+          </a:xfrm>
+          <a:custGeom>
+            <a:avLst/>
+            <a:gdLst/>
+            <a:ahLst/>
+            <a:cxnLst/>
+            <a:rect r="r" b="b" t="t" l="l"/>
+            <a:pathLst>
+              <a:path h="442826" w="1196828">
+                <a:moveTo>
+                  <a:pt x="0" y="0"/>
+                </a:moveTo>
+                <a:lnTo>
+                  <a:pt x="1196828" y="0"/>
+                </a:lnTo>
+                <a:lnTo>
+                  <a:pt x="1196828" y="442827"/>
+                </a:lnTo>
+                <a:lnTo>
+                  <a:pt x="0" y="442827"/>
+                </a:lnTo>
+                <a:lnTo>
+                  <a:pt x="0" y="0"/>
+                </a:lnTo>
+                <a:close/>
+              </a:path>
+            </a:pathLst>
+          </a:custGeom>
+          <a:blipFill>
+            <a:blip r:embed="rId8"/>
+            <a:stretch>
+              <a:fillRect l="0" t="0" r="0" b="0"/>
+            </a:stretch>
+          </a:blipFill>
+        </p:spPr>
+      </p:sp>
+      <p:sp>
+        <p:nvSpPr>
+          <p:cNvPr name="Freeform 37" id="37"/>
+          <p:cNvSpPr/>
+          <p:nvPr/>
+        </p:nvSpPr>
+        <p:spPr>
+          <a:xfrm flipH="false" flipV="false" rot="0">
+            <a:off x="14972261" y="594540"/>
+            <a:ext cx="777356" cy="437263"/>
+          </a:xfrm>
+          <a:custGeom>
+            <a:avLst/>
+            <a:gdLst/>
+            <a:ahLst/>
+            <a:cxnLst/>
+            <a:rect r="r" b="b" t="t" l="l"/>
+            <a:pathLst>
+              <a:path h="437263" w="777356">
+                <a:moveTo>
+                  <a:pt x="0" y="0"/>
+                </a:moveTo>
+                <a:lnTo>
+                  <a:pt x="777356" y="0"/>
+                </a:lnTo>
+                <a:lnTo>
+                  <a:pt x="777356" y="437263"/>
+                </a:lnTo>
+                <a:lnTo>
+                  <a:pt x="0" y="437263"/>
+                </a:lnTo>
+                <a:lnTo>
+                  <a:pt x="0" y="0"/>
+                </a:lnTo>
+                <a:close/>
+              </a:path>
+            </a:pathLst>
+          </a:custGeom>
+          <a:blipFill>
+            <a:blip r:embed="rId9"/>
+            <a:stretch>
+              <a:fillRect l="0" t="0" r="0" b="0"/>
+            </a:stretch>
+          </a:blipFill>
+        </p:spPr>
+      </p:sp>
+      <p:sp>
+        <p:nvSpPr>
+          <p:cNvPr name="Freeform 38" id="38"/>
+          <p:cNvSpPr/>
+          <p:nvPr/>
+        </p:nvSpPr>
+        <p:spPr>
+          <a:xfrm flipH="false" flipV="false" rot="0">
+            <a:off x="757785" y="682606"/>
+            <a:ext cx="541830" cy="489731"/>
+          </a:xfrm>
+          <a:custGeom>
+            <a:avLst/>
+            <a:gdLst/>
+            <a:ahLst/>
+            <a:cxnLst/>
+            <a:rect r="r" b="b" t="t" l="l"/>
+            <a:pathLst>
+              <a:path h="489731" w="541830">
+                <a:moveTo>
+                  <a:pt x="0" y="0"/>
+                </a:moveTo>
+                <a:lnTo>
+                  <a:pt x="541830" y="0"/>
+                </a:lnTo>
+                <a:lnTo>
+                  <a:pt x="541830" y="489731"/>
+                </a:lnTo>
+                <a:lnTo>
+                  <a:pt x="0" y="489731"/>
+                </a:lnTo>
+                <a:lnTo>
+                  <a:pt x="0" y="0"/>
+                </a:lnTo>
+                <a:close/>
+              </a:path>
+            </a:pathLst>
+          </a:custGeom>
+          <a:blipFill>
+            <a:blip r:embed="rId10"/>
+            <a:stretch>
+              <a:fillRect l="0" t="0" r="0" b="0"/>
+            </a:stretch>
+          </a:blipFill>
+        </p:spPr>
+      </p:sp>
+      <p:sp>
+        <p:nvSpPr>
+          <p:cNvPr name="TextBox 39" id="39"/>
+          <p:cNvSpPr txBox="true"/>
+          <p:nvPr/>
+        </p:nvSpPr>
+        <p:spPr>
+          <a:xfrm rot="0">
+            <a:off x="1411420" y="765547"/>
+            <a:ext cx="2246573" cy="276225"/>
+          </a:xfrm>
+          <a:prstGeom prst="rect">
+            <a:avLst/>
+          </a:prstGeom>
+        </p:spPr>
+        <p:txBody>
+          <a:bodyPr anchor="t" rtlCol="false" tIns="0" lIns="0" bIns="0" rIns="0">
+            <a:spAutoFit/>
+          </a:bodyPr>
+          <a:lstStyle/>
+          <a:p>
+            <a:pPr algn="l">
+              <a:lnSpc>
+                <a:spcPts val="2100"/>
+              </a:lnSpc>
+              <a:spcBef>
+                <a:spcPct val="0"/>
+              </a:spcBef>
+            </a:pPr>
+            <a:r>
+              <a:rPr lang="en-US" sz="1500" spc="-75">
+                <a:solidFill>
+                  <a:srgbClr val="FFFFFF"/>
+                </a:solidFill>
+                <a:latin typeface="Telegraf"/>
+                <a:ea typeface="Telegraf"/>
+                <a:cs typeface="Telegraf"/>
+                <a:sym typeface="Telegraf"/>
+              </a:rPr>
+              <a:t>Pemrosesan Bahasa Lisan</a:t>
             </a:r>
           </a:p>
         </p:txBody>
@@ -5905,7 +11148,7 @@
                 <a:cs typeface="Telegraf Medium"/>
                 <a:sym typeface="Telegraf Medium"/>
               </a:rPr>
-              <a:t>Dibutuhkan sistem cerdas yang mampu mendeteksi penembakan masal lebih diri secara cepat dan tepat.</a:t>
+              <a:t>Dibutuhkan sistem cerdas yang mampu mendeteksi penembakan masal lebih dini secara cepat dan tepat.</a:t>
             </a:r>
           </a:p>
         </p:txBody>
@@ -5950,8 +11193,8 @@
         </p:nvSpPr>
         <p:spPr>
           <a:xfrm flipH="false" flipV="false" rot="0">
-            <a:off x="2261035" y="4656330"/>
-            <a:ext cx="13765929" cy="2064889"/>
+            <a:off x="1138099" y="2682846"/>
+            <a:ext cx="5039787" cy="5039787"/>
           </a:xfrm>
           <a:custGeom>
             <a:avLst/>
@@ -5960,18 +11203,18 @@
             <a:cxnLst/>
             <a:rect r="r" b="b" t="t" l="l"/>
             <a:pathLst>
-              <a:path h="2064889" w="13765929">
+              <a:path h="5039787" w="5039787">
                 <a:moveTo>
                   <a:pt x="0" y="0"/>
                 </a:moveTo>
                 <a:lnTo>
-                  <a:pt x="13765930" y="0"/>
-                </a:lnTo>
-                <a:lnTo>
-                  <a:pt x="13765930" y="2064889"/>
-                </a:lnTo>
-                <a:lnTo>
-                  <a:pt x="0" y="2064889"/>
+                  <a:pt x="5039787" y="0"/>
+                </a:lnTo>
+                <a:lnTo>
+                  <a:pt x="5039787" y="5039787"/>
+                </a:lnTo>
+                <a:lnTo>
+                  <a:pt x="0" y="5039787"/>
                 </a:lnTo>
                 <a:lnTo>
                   <a:pt x="0" y="0"/>
@@ -5990,14 +11233,152 @@
       </p:sp>
       <p:sp>
         <p:nvSpPr>
-          <p:cNvPr name="TextBox 3" id="3"/>
+          <p:cNvPr name="Freeform 3" id="3"/>
+          <p:cNvSpPr/>
+          <p:nvPr/>
+        </p:nvSpPr>
+        <p:spPr>
+          <a:xfrm flipH="false" flipV="false" rot="0">
+            <a:off x="15866188" y="605930"/>
+            <a:ext cx="1196828" cy="442826"/>
+          </a:xfrm>
+          <a:custGeom>
+            <a:avLst/>
+            <a:gdLst/>
+            <a:ahLst/>
+            <a:cxnLst/>
+            <a:rect r="r" b="b" t="t" l="l"/>
+            <a:pathLst>
+              <a:path h="442826" w="1196828">
+                <a:moveTo>
+                  <a:pt x="0" y="0"/>
+                </a:moveTo>
+                <a:lnTo>
+                  <a:pt x="1196828" y="0"/>
+                </a:lnTo>
+                <a:lnTo>
+                  <a:pt x="1196828" y="442827"/>
+                </a:lnTo>
+                <a:lnTo>
+                  <a:pt x="0" y="442827"/>
+                </a:lnTo>
+                <a:lnTo>
+                  <a:pt x="0" y="0"/>
+                </a:lnTo>
+                <a:close/>
+              </a:path>
+            </a:pathLst>
+          </a:custGeom>
+          <a:blipFill>
+            <a:blip r:embed="rId3"/>
+            <a:stretch>
+              <a:fillRect l="0" t="0" r="0" b="0"/>
+            </a:stretch>
+          </a:blipFill>
+        </p:spPr>
+      </p:sp>
+      <p:sp>
+        <p:nvSpPr>
+          <p:cNvPr name="Freeform 4" id="4"/>
+          <p:cNvSpPr/>
+          <p:nvPr/>
+        </p:nvSpPr>
+        <p:spPr>
+          <a:xfrm flipH="false" flipV="false" rot="0">
+            <a:off x="14972261" y="594540"/>
+            <a:ext cx="777356" cy="437263"/>
+          </a:xfrm>
+          <a:custGeom>
+            <a:avLst/>
+            <a:gdLst/>
+            <a:ahLst/>
+            <a:cxnLst/>
+            <a:rect r="r" b="b" t="t" l="l"/>
+            <a:pathLst>
+              <a:path h="437263" w="777356">
+                <a:moveTo>
+                  <a:pt x="0" y="0"/>
+                </a:moveTo>
+                <a:lnTo>
+                  <a:pt x="777356" y="0"/>
+                </a:lnTo>
+                <a:lnTo>
+                  <a:pt x="777356" y="437263"/>
+                </a:lnTo>
+                <a:lnTo>
+                  <a:pt x="0" y="437263"/>
+                </a:lnTo>
+                <a:lnTo>
+                  <a:pt x="0" y="0"/>
+                </a:lnTo>
+                <a:close/>
+              </a:path>
+            </a:pathLst>
+          </a:custGeom>
+          <a:blipFill>
+            <a:blip r:embed="rId4"/>
+            <a:stretch>
+              <a:fillRect l="0" t="0" r="0" b="0"/>
+            </a:stretch>
+          </a:blipFill>
+        </p:spPr>
+      </p:sp>
+      <p:sp>
+        <p:nvSpPr>
+          <p:cNvPr name="Freeform 5" id="5"/>
+          <p:cNvSpPr/>
+          <p:nvPr/>
+        </p:nvSpPr>
+        <p:spPr>
+          <a:xfrm flipH="false" flipV="false" rot="0">
+            <a:off x="757785" y="682606"/>
+            <a:ext cx="541830" cy="489731"/>
+          </a:xfrm>
+          <a:custGeom>
+            <a:avLst/>
+            <a:gdLst/>
+            <a:ahLst/>
+            <a:cxnLst/>
+            <a:rect r="r" b="b" t="t" l="l"/>
+            <a:pathLst>
+              <a:path h="489731" w="541830">
+                <a:moveTo>
+                  <a:pt x="0" y="0"/>
+                </a:moveTo>
+                <a:lnTo>
+                  <a:pt x="541830" y="0"/>
+                </a:lnTo>
+                <a:lnTo>
+                  <a:pt x="541830" y="489731"/>
+                </a:lnTo>
+                <a:lnTo>
+                  <a:pt x="0" y="489731"/>
+                </a:lnTo>
+                <a:lnTo>
+                  <a:pt x="0" y="0"/>
+                </a:lnTo>
+                <a:close/>
+              </a:path>
+            </a:pathLst>
+          </a:custGeom>
+          <a:blipFill>
+            <a:blip r:embed="rId5"/>
+            <a:stretch>
+              <a:fillRect l="0" t="0" r="0" b="0"/>
+            </a:stretch>
+          </a:blipFill>
+        </p:spPr>
+      </p:sp>
+      <p:sp>
+        <p:nvSpPr>
+          <p:cNvPr name="TextBox 6" id="6"/>
           <p:cNvSpPr txBox="true"/>
           <p:nvPr/>
         </p:nvSpPr>
         <p:spPr>
           <a:xfrm rot="0">
-            <a:off x="6986289" y="527208"/>
-            <a:ext cx="4315422" cy="892175"/>
+            <a:off x="1411420" y="765547"/>
+            <a:ext cx="2246573" cy="276225"/>
           </a:xfrm>
           <a:prstGeom prst="rect">
             <a:avLst/>
@@ -6009,16 +11390,104 @@
           </a:bodyPr>
           <a:lstStyle/>
           <a:p>
-            <a:pPr algn="ctr" marL="0" indent="0" lvl="0">
+            <a:pPr algn="l">
               <a:lnSpc>
-                <a:spcPts val="7000"/>
+                <a:spcPts val="2100"/>
               </a:lnSpc>
               <a:spcBef>
                 <a:spcPct val="0"/>
               </a:spcBef>
             </a:pPr>
             <a:r>
-              <a:rPr lang="en-US" b="true" sz="5000">
+              <a:rPr lang="en-US" sz="1500" spc="-75">
+                <a:solidFill>
+                  <a:srgbClr val="FFFFFF"/>
+                </a:solidFill>
+                <a:latin typeface="Telegraf"/>
+                <a:ea typeface="Telegraf"/>
+                <a:cs typeface="Telegraf"/>
+                <a:sym typeface="Telegraf"/>
+              </a:rPr>
+              <a:t>Pemrosesan Bahasa Lisan</a:t>
+            </a:r>
+          </a:p>
+        </p:txBody>
+      </p:sp>
+      <p:sp>
+        <p:nvSpPr>
+          <p:cNvPr name="TextBox 7" id="7"/>
+          <p:cNvSpPr txBox="true"/>
+          <p:nvPr/>
+        </p:nvSpPr>
+        <p:spPr>
+          <a:xfrm rot="0">
+            <a:off x="7058816" y="4538783"/>
+            <a:ext cx="10004200" cy="2807335"/>
+          </a:xfrm>
+          <a:prstGeom prst="rect">
+            <a:avLst/>
+          </a:prstGeom>
+        </p:spPr>
+        <p:txBody>
+          <a:bodyPr anchor="t" rtlCol="false" tIns="0" lIns="0" bIns="0" rIns="0">
+            <a:spAutoFit/>
+          </a:bodyPr>
+          <a:lstStyle/>
+          <a:p>
+            <a:pPr algn="l">
+              <a:lnSpc>
+                <a:spcPts val="6439"/>
+              </a:lnSpc>
+              <a:spcBef>
+                <a:spcPct val="0"/>
+              </a:spcBef>
+            </a:pPr>
+            <a:r>
+              <a:rPr lang="en-US" b="true" sz="4599">
+                <a:solidFill>
+                  <a:srgbClr val="FFFFFF"/>
+                </a:solidFill>
+                <a:latin typeface="Pattanakarn Expanded Bold"/>
+                <a:ea typeface="Pattanakarn Expanded Bold"/>
+                <a:cs typeface="Pattanakarn Expanded Bold"/>
+                <a:sym typeface="Pattanakarn Expanded Bold"/>
+              </a:rPr>
+              <a:t>SISTEM PENDETEKSI MASS SHOOTING BERBASIS SUARA</a:t>
+            </a:r>
+          </a:p>
+        </p:txBody>
+      </p:sp>
+      <p:sp>
+        <p:nvSpPr>
+          <p:cNvPr name="TextBox 8" id="8"/>
+          <p:cNvSpPr txBox="true"/>
+          <p:nvPr/>
+        </p:nvSpPr>
+        <p:spPr>
+          <a:xfrm rot="0">
+            <a:off x="7058816" y="2202111"/>
+            <a:ext cx="10423336" cy="2499998"/>
+          </a:xfrm>
+          <a:prstGeom prst="rect">
+            <a:avLst/>
+          </a:prstGeom>
+        </p:spPr>
+        <p:txBody>
+          <a:bodyPr anchor="t" rtlCol="false" tIns="0" lIns="0" bIns="0" rIns="0">
+            <a:spAutoFit/>
+          </a:bodyPr>
+          <a:lstStyle/>
+          <a:p>
+            <a:pPr algn="l">
+              <a:lnSpc>
+                <a:spcPts val="14454"/>
+              </a:lnSpc>
+              <a:spcBef>
+                <a:spcPct val="0"/>
+              </a:spcBef>
+            </a:pPr>
+            <a:r>
+              <a:rPr lang="en-US" b="true" sz="10324">
                 <a:gradFill>
                   <a:gsLst>
                     <a:gs pos="0">
@@ -6039,7 +11508,7 @@
                 <a:cs typeface="Pattanakarn Expanded Bold"/>
                 <a:sym typeface="Pattanakarn Expanded Bold"/>
               </a:rPr>
-              <a:t>Flowchart</a:t>
+              <a:t>MSD</a:t>
             </a:r>
           </a:p>
         </p:txBody>
@@ -6084,8 +11553,8 @@
         </p:nvSpPr>
         <p:spPr>
           <a:xfrm flipH="false" flipV="false" rot="0">
-            <a:off x="1847633" y="3631066"/>
-            <a:ext cx="14592734" cy="3867075"/>
+            <a:off x="-2519893" y="2682846"/>
+            <a:ext cx="5039787" cy="5039787"/>
           </a:xfrm>
           <a:custGeom>
             <a:avLst/>
@@ -6094,18 +11563,18 @@
             <a:cxnLst/>
             <a:rect r="r" b="b" t="t" l="l"/>
             <a:pathLst>
-              <a:path h="3867075" w="14592734">
+              <a:path h="5039787" w="5039787">
                 <a:moveTo>
                   <a:pt x="0" y="0"/>
                 </a:moveTo>
                 <a:lnTo>
-                  <a:pt x="14592734" y="0"/>
-                </a:lnTo>
-                <a:lnTo>
-                  <a:pt x="14592734" y="3867074"/>
-                </a:lnTo>
-                <a:lnTo>
-                  <a:pt x="0" y="3867074"/>
+                  <a:pt x="5039786" y="0"/>
+                </a:lnTo>
+                <a:lnTo>
+                  <a:pt x="5039786" y="5039787"/>
+                </a:lnTo>
+                <a:lnTo>
+                  <a:pt x="0" y="5039787"/>
                 </a:lnTo>
                 <a:lnTo>
                   <a:pt x="0" y="0"/>
@@ -6130,8 +11599,8 @@
         </p:nvSpPr>
         <p:spPr>
           <a:xfrm rot="0">
-            <a:off x="6295476" y="530225"/>
-            <a:ext cx="5697048" cy="892175"/>
+            <a:off x="5284961" y="106865"/>
+            <a:ext cx="6700858" cy="1206500"/>
           </a:xfrm>
           <a:prstGeom prst="rect">
             <a:avLst/>
@@ -6173,7 +11642,233 @@
                 <a:cs typeface="Pattanakarn Expanded Bold"/>
                 <a:sym typeface="Pattanakarn Expanded Bold"/>
               </a:rPr>
-              <a:t>Preprocessing</a:t>
+              <a:t>Tujuan</a:t>
+            </a:r>
+          </a:p>
+        </p:txBody>
+      </p:sp>
+      <p:sp>
+        <p:nvSpPr>
+          <p:cNvPr name="TextBox 4" id="4"/>
+          <p:cNvSpPr txBox="true"/>
+          <p:nvPr/>
+        </p:nvSpPr>
+        <p:spPr>
+          <a:xfrm rot="0">
+            <a:off x="3515534" y="3196006"/>
+            <a:ext cx="12727407" cy="3880116"/>
+          </a:xfrm>
+          <a:prstGeom prst="rect">
+            <a:avLst/>
+          </a:prstGeom>
+        </p:spPr>
+        <p:txBody>
+          <a:bodyPr anchor="t" rtlCol="false" tIns="0" lIns="0" bIns="0" rIns="0">
+            <a:spAutoFit/>
+          </a:bodyPr>
+          <a:lstStyle/>
+          <a:p>
+            <a:pPr algn="just">
+              <a:lnSpc>
+                <a:spcPts val="6110"/>
+              </a:lnSpc>
+              <a:spcBef>
+                <a:spcPct val="0"/>
+              </a:spcBef>
+            </a:pPr>
+            <a:r>
+              <a:rPr lang="en-US" b="true" sz="4364" spc="-218">
+                <a:solidFill>
+                  <a:srgbClr val="FFFFFF"/>
+                </a:solidFill>
+                <a:latin typeface="Telegraf Medium"/>
+                <a:ea typeface="Telegraf Medium"/>
+                <a:cs typeface="Telegraf Medium"/>
+                <a:sym typeface="Telegraf Medium"/>
+              </a:rPr>
+              <a:t>MSD (Mass Shooting Detector) adalah sistem pendeteksi penembakan masal berbasis suara. MSD hadir untuk mendeteksi adanya mass shooting lebih dini dan memberikan notifikasi secara langsung kepada pihak terkait</a:t>
+            </a:r>
+          </a:p>
+        </p:txBody>
+      </p:sp>
+      <p:sp>
+        <p:nvSpPr>
+          <p:cNvPr name="Freeform 5" id="5"/>
+          <p:cNvSpPr/>
+          <p:nvPr/>
+        </p:nvSpPr>
+        <p:spPr>
+          <a:xfrm flipH="false" flipV="false" rot="0">
+            <a:off x="15866188" y="605930"/>
+            <a:ext cx="1196828" cy="442826"/>
+          </a:xfrm>
+          <a:custGeom>
+            <a:avLst/>
+            <a:gdLst/>
+            <a:ahLst/>
+            <a:cxnLst/>
+            <a:rect r="r" b="b" t="t" l="l"/>
+            <a:pathLst>
+              <a:path h="442826" w="1196828">
+                <a:moveTo>
+                  <a:pt x="0" y="0"/>
+                </a:moveTo>
+                <a:lnTo>
+                  <a:pt x="1196828" y="0"/>
+                </a:lnTo>
+                <a:lnTo>
+                  <a:pt x="1196828" y="442827"/>
+                </a:lnTo>
+                <a:lnTo>
+                  <a:pt x="0" y="442827"/>
+                </a:lnTo>
+                <a:lnTo>
+                  <a:pt x="0" y="0"/>
+                </a:lnTo>
+                <a:close/>
+              </a:path>
+            </a:pathLst>
+          </a:custGeom>
+          <a:blipFill>
+            <a:blip r:embed="rId3"/>
+            <a:stretch>
+              <a:fillRect l="0" t="0" r="0" b="0"/>
+            </a:stretch>
+          </a:blipFill>
+        </p:spPr>
+      </p:sp>
+      <p:sp>
+        <p:nvSpPr>
+          <p:cNvPr name="Freeform 6" id="6"/>
+          <p:cNvSpPr/>
+          <p:nvPr/>
+        </p:nvSpPr>
+        <p:spPr>
+          <a:xfrm flipH="false" flipV="false" rot="0">
+            <a:off x="14972261" y="594540"/>
+            <a:ext cx="777356" cy="437263"/>
+          </a:xfrm>
+          <a:custGeom>
+            <a:avLst/>
+            <a:gdLst/>
+            <a:ahLst/>
+            <a:cxnLst/>
+            <a:rect r="r" b="b" t="t" l="l"/>
+            <a:pathLst>
+              <a:path h="437263" w="777356">
+                <a:moveTo>
+                  <a:pt x="0" y="0"/>
+                </a:moveTo>
+                <a:lnTo>
+                  <a:pt x="777356" y="0"/>
+                </a:lnTo>
+                <a:lnTo>
+                  <a:pt x="777356" y="437263"/>
+                </a:lnTo>
+                <a:lnTo>
+                  <a:pt x="0" y="437263"/>
+                </a:lnTo>
+                <a:lnTo>
+                  <a:pt x="0" y="0"/>
+                </a:lnTo>
+                <a:close/>
+              </a:path>
+            </a:pathLst>
+          </a:custGeom>
+          <a:blipFill>
+            <a:blip r:embed="rId4"/>
+            <a:stretch>
+              <a:fillRect l="0" t="0" r="0" b="0"/>
+            </a:stretch>
+          </a:blipFill>
+        </p:spPr>
+      </p:sp>
+      <p:sp>
+        <p:nvSpPr>
+          <p:cNvPr name="Freeform 7" id="7"/>
+          <p:cNvSpPr/>
+          <p:nvPr/>
+        </p:nvSpPr>
+        <p:spPr>
+          <a:xfrm flipH="false" flipV="false" rot="0">
+            <a:off x="757785" y="682606"/>
+            <a:ext cx="541830" cy="489731"/>
+          </a:xfrm>
+          <a:custGeom>
+            <a:avLst/>
+            <a:gdLst/>
+            <a:ahLst/>
+            <a:cxnLst/>
+            <a:rect r="r" b="b" t="t" l="l"/>
+            <a:pathLst>
+              <a:path h="489731" w="541830">
+                <a:moveTo>
+                  <a:pt x="0" y="0"/>
+                </a:moveTo>
+                <a:lnTo>
+                  <a:pt x="541830" y="0"/>
+                </a:lnTo>
+                <a:lnTo>
+                  <a:pt x="541830" y="489731"/>
+                </a:lnTo>
+                <a:lnTo>
+                  <a:pt x="0" y="489731"/>
+                </a:lnTo>
+                <a:lnTo>
+                  <a:pt x="0" y="0"/>
+                </a:lnTo>
+                <a:close/>
+              </a:path>
+            </a:pathLst>
+          </a:custGeom>
+          <a:blipFill>
+            <a:blip r:embed="rId5"/>
+            <a:stretch>
+              <a:fillRect l="0" t="0" r="0" b="0"/>
+            </a:stretch>
+          </a:blipFill>
+        </p:spPr>
+      </p:sp>
+      <p:sp>
+        <p:nvSpPr>
+          <p:cNvPr name="TextBox 8" id="8"/>
+          <p:cNvSpPr txBox="true"/>
+          <p:nvPr/>
+        </p:nvSpPr>
+        <p:spPr>
+          <a:xfrm rot="0">
+            <a:off x="1411420" y="765547"/>
+            <a:ext cx="2246573" cy="276225"/>
+          </a:xfrm>
+          <a:prstGeom prst="rect">
+            <a:avLst/>
+          </a:prstGeom>
+        </p:spPr>
+        <p:txBody>
+          <a:bodyPr anchor="t" rtlCol="false" tIns="0" lIns="0" bIns="0" rIns="0">
+            <a:spAutoFit/>
+          </a:bodyPr>
+          <a:lstStyle/>
+          <a:p>
+            <a:pPr algn="l">
+              <a:lnSpc>
+                <a:spcPts val="2100"/>
+              </a:lnSpc>
+              <a:spcBef>
+                <a:spcPct val="0"/>
+              </a:spcBef>
+            </a:pPr>
+            <a:r>
+              <a:rPr lang="en-US" sz="1500" spc="-75">
+                <a:solidFill>
+                  <a:srgbClr val="FFFFFF"/>
+                </a:solidFill>
+                <a:latin typeface="Telegraf"/>
+                <a:ea typeface="Telegraf"/>
+                <a:cs typeface="Telegraf"/>
+                <a:sym typeface="Telegraf"/>
+              </a:rPr>
+              <a:t>Pemrosesan Bahasa Lisan</a:t>
             </a:r>
           </a:p>
         </p:txBody>
@@ -6218,8 +11913,8 @@
         </p:nvSpPr>
         <p:spPr>
           <a:xfrm flipH="false" flipV="false" rot="0">
-            <a:off x="2871699" y="2424200"/>
-            <a:ext cx="12544602" cy="6303662"/>
+            <a:off x="2816564" y="2549246"/>
+            <a:ext cx="2355490" cy="2355490"/>
           </a:xfrm>
           <a:custGeom>
             <a:avLst/>
@@ -6228,18 +11923,18 @@
             <a:cxnLst/>
             <a:rect r="r" b="b" t="t" l="l"/>
             <a:pathLst>
-              <a:path h="6303662" w="12544602">
+              <a:path h="2355490" w="2355490">
                 <a:moveTo>
                   <a:pt x="0" y="0"/>
                 </a:moveTo>
                 <a:lnTo>
-                  <a:pt x="12544602" y="0"/>
-                </a:lnTo>
-                <a:lnTo>
-                  <a:pt x="12544602" y="6303662"/>
-                </a:lnTo>
-                <a:lnTo>
-                  <a:pt x="0" y="6303662"/>
+                  <a:pt x="2355491" y="0"/>
+                </a:lnTo>
+                <a:lnTo>
+                  <a:pt x="2355491" y="2355490"/>
+                </a:lnTo>
+                <a:lnTo>
+                  <a:pt x="0" y="2355490"/>
                 </a:lnTo>
                 <a:lnTo>
                   <a:pt x="0" y="0"/>
@@ -6258,14 +11953,198 @@
       </p:sp>
       <p:sp>
         <p:nvSpPr>
-          <p:cNvPr name="TextBox 3" id="3"/>
+          <p:cNvPr name="Freeform 3" id="3"/>
+          <p:cNvSpPr/>
+          <p:nvPr/>
+        </p:nvSpPr>
+        <p:spPr>
+          <a:xfrm flipH="false" flipV="false" rot="0">
+            <a:off x="13010045" y="2667869"/>
+            <a:ext cx="2461391" cy="2461391"/>
+          </a:xfrm>
+          <a:custGeom>
+            <a:avLst/>
+            <a:gdLst/>
+            <a:ahLst/>
+            <a:cxnLst/>
+            <a:rect r="r" b="b" t="t" l="l"/>
+            <a:pathLst>
+              <a:path h="2461391" w="2461391">
+                <a:moveTo>
+                  <a:pt x="0" y="0"/>
+                </a:moveTo>
+                <a:lnTo>
+                  <a:pt x="2461391" y="0"/>
+                </a:lnTo>
+                <a:lnTo>
+                  <a:pt x="2461391" y="2461391"/>
+                </a:lnTo>
+                <a:lnTo>
+                  <a:pt x="0" y="2461391"/>
+                </a:lnTo>
+                <a:lnTo>
+                  <a:pt x="0" y="0"/>
+                </a:lnTo>
+                <a:close/>
+              </a:path>
+            </a:pathLst>
+          </a:custGeom>
+          <a:blipFill>
+            <a:blip r:embed="rId3"/>
+            <a:stretch>
+              <a:fillRect l="-141133" t="-38701" r="-145725" b="-108888"/>
+            </a:stretch>
+          </a:blipFill>
+        </p:spPr>
+      </p:sp>
+      <p:sp>
+        <p:nvSpPr>
+          <p:cNvPr name="Freeform 4" id="4"/>
+          <p:cNvSpPr/>
+          <p:nvPr/>
+        </p:nvSpPr>
+        <p:spPr>
+          <a:xfrm flipH="false" flipV="false" rot="0">
+            <a:off x="10973744" y="5459808"/>
+            <a:ext cx="2277946" cy="2277946"/>
+          </a:xfrm>
+          <a:custGeom>
+            <a:avLst/>
+            <a:gdLst/>
+            <a:ahLst/>
+            <a:cxnLst/>
+            <a:rect r="r" b="b" t="t" l="l"/>
+            <a:pathLst>
+              <a:path h="2277946" w="2277946">
+                <a:moveTo>
+                  <a:pt x="0" y="0"/>
+                </a:moveTo>
+                <a:lnTo>
+                  <a:pt x="2277946" y="0"/>
+                </a:lnTo>
+                <a:lnTo>
+                  <a:pt x="2277946" y="2277946"/>
+                </a:lnTo>
+                <a:lnTo>
+                  <a:pt x="0" y="2277946"/>
+                </a:lnTo>
+                <a:lnTo>
+                  <a:pt x="0" y="0"/>
+                </a:lnTo>
+                <a:close/>
+              </a:path>
+            </a:pathLst>
+          </a:custGeom>
+          <a:blipFill>
+            <a:blip r:embed="rId4"/>
+            <a:stretch>
+              <a:fillRect l="0" t="0" r="-244827" b="0"/>
+            </a:stretch>
+          </a:blipFill>
+        </p:spPr>
+      </p:sp>
+      <p:sp>
+        <p:nvSpPr>
+          <p:cNvPr name="Freeform 5" id="5"/>
+          <p:cNvSpPr/>
+          <p:nvPr/>
+        </p:nvSpPr>
+        <p:spPr>
+          <a:xfrm flipH="false" flipV="false" rot="0">
+            <a:off x="6474434" y="2550928"/>
+            <a:ext cx="5230685" cy="2353808"/>
+          </a:xfrm>
+          <a:custGeom>
+            <a:avLst/>
+            <a:gdLst/>
+            <a:ahLst/>
+            <a:cxnLst/>
+            <a:rect r="r" b="b" t="t" l="l"/>
+            <a:pathLst>
+              <a:path h="2353808" w="5230685">
+                <a:moveTo>
+                  <a:pt x="0" y="0"/>
+                </a:moveTo>
+                <a:lnTo>
+                  <a:pt x="5230686" y="0"/>
+                </a:lnTo>
+                <a:lnTo>
+                  <a:pt x="5230686" y="2353808"/>
+                </a:lnTo>
+                <a:lnTo>
+                  <a:pt x="0" y="2353808"/>
+                </a:lnTo>
+                <a:lnTo>
+                  <a:pt x="0" y="0"/>
+                </a:lnTo>
+                <a:close/>
+              </a:path>
+            </a:pathLst>
+          </a:custGeom>
+          <a:blipFill>
+            <a:blip r:embed="rId5"/>
+            <a:stretch>
+              <a:fillRect l="0" t="0" r="0" b="0"/>
+            </a:stretch>
+          </a:blipFill>
+        </p:spPr>
+      </p:sp>
+      <p:sp>
+        <p:nvSpPr>
+          <p:cNvPr name="Freeform 6" id="6"/>
+          <p:cNvSpPr/>
+          <p:nvPr/>
+        </p:nvSpPr>
+        <p:spPr>
+          <a:xfrm flipH="false" flipV="false" rot="0">
+            <a:off x="3083309" y="5459808"/>
+            <a:ext cx="6782251" cy="2260750"/>
+          </a:xfrm>
+          <a:custGeom>
+            <a:avLst/>
+            <a:gdLst/>
+            <a:ahLst/>
+            <a:cxnLst/>
+            <a:rect r="r" b="b" t="t" l="l"/>
+            <a:pathLst>
+              <a:path h="2260750" w="6782251">
+                <a:moveTo>
+                  <a:pt x="0" y="0"/>
+                </a:moveTo>
+                <a:lnTo>
+                  <a:pt x="6782251" y="0"/>
+                </a:lnTo>
+                <a:lnTo>
+                  <a:pt x="6782251" y="2260750"/>
+                </a:lnTo>
+                <a:lnTo>
+                  <a:pt x="0" y="2260750"/>
+                </a:lnTo>
+                <a:lnTo>
+                  <a:pt x="0" y="0"/>
+                </a:lnTo>
+                <a:close/>
+              </a:path>
+            </a:pathLst>
+          </a:custGeom>
+          <a:blipFill>
+            <a:blip r:embed="rId6"/>
+            <a:stretch>
+              <a:fillRect l="0" t="0" r="0" b="0"/>
+            </a:stretch>
+          </a:blipFill>
+        </p:spPr>
+      </p:sp>
+      <p:sp>
+        <p:nvSpPr>
+          <p:cNvPr name="TextBox 7" id="7"/>
           <p:cNvSpPr txBox="true"/>
           <p:nvPr/>
         </p:nvSpPr>
         <p:spPr>
           <a:xfrm rot="0">
-            <a:off x="5446978" y="530225"/>
-            <a:ext cx="7394044" cy="892175"/>
+            <a:off x="7082343" y="212883"/>
+            <a:ext cx="4123314" cy="1212534"/>
           </a:xfrm>
           <a:prstGeom prst="rect">
             <a:avLst/>
@@ -6277,7 +12156,7 @@
           </a:bodyPr>
           <a:lstStyle/>
           <a:p>
-            <a:pPr algn="ctr" marL="0" indent="0" lvl="0">
+            <a:pPr algn="ctr">
               <a:lnSpc>
                 <a:spcPts val="7000"/>
               </a:lnSpc>
@@ -6307,7 +12186,189 @@
                 <a:cs typeface="Pattanakarn Expanded Bold"/>
                 <a:sym typeface="Pattanakarn Expanded Bold"/>
               </a:rPr>
-              <a:t>Model Architecture</a:t>
+              <a:t>Tech Stack</a:t>
+            </a:r>
+          </a:p>
+        </p:txBody>
+      </p:sp>
+      <p:sp>
+        <p:nvSpPr>
+          <p:cNvPr name="Freeform 8" id="8"/>
+          <p:cNvSpPr/>
+          <p:nvPr/>
+        </p:nvSpPr>
+        <p:spPr>
+          <a:xfrm flipH="false" flipV="false" rot="0">
+            <a:off x="15866188" y="605930"/>
+            <a:ext cx="1196828" cy="442826"/>
+          </a:xfrm>
+          <a:custGeom>
+            <a:avLst/>
+            <a:gdLst/>
+            <a:ahLst/>
+            <a:cxnLst/>
+            <a:rect r="r" b="b" t="t" l="l"/>
+            <a:pathLst>
+              <a:path h="442826" w="1196828">
+                <a:moveTo>
+                  <a:pt x="0" y="0"/>
+                </a:moveTo>
+                <a:lnTo>
+                  <a:pt x="1196828" y="0"/>
+                </a:lnTo>
+                <a:lnTo>
+                  <a:pt x="1196828" y="442827"/>
+                </a:lnTo>
+                <a:lnTo>
+                  <a:pt x="0" y="442827"/>
+                </a:lnTo>
+                <a:lnTo>
+                  <a:pt x="0" y="0"/>
+                </a:lnTo>
+                <a:close/>
+              </a:path>
+            </a:pathLst>
+          </a:custGeom>
+          <a:blipFill>
+            <a:blip r:embed="rId7"/>
+            <a:stretch>
+              <a:fillRect l="0" t="0" r="0" b="0"/>
+            </a:stretch>
+          </a:blipFill>
+        </p:spPr>
+      </p:sp>
+      <p:sp>
+        <p:nvSpPr>
+          <p:cNvPr name="Freeform 9" id="9"/>
+          <p:cNvSpPr/>
+          <p:nvPr/>
+        </p:nvSpPr>
+        <p:spPr>
+          <a:xfrm flipH="false" flipV="false" rot="0">
+            <a:off x="14972261" y="594540"/>
+            <a:ext cx="777356" cy="437263"/>
+          </a:xfrm>
+          <a:custGeom>
+            <a:avLst/>
+            <a:gdLst/>
+            <a:ahLst/>
+            <a:cxnLst/>
+            <a:rect r="r" b="b" t="t" l="l"/>
+            <a:pathLst>
+              <a:path h="437263" w="777356">
+                <a:moveTo>
+                  <a:pt x="0" y="0"/>
+                </a:moveTo>
+                <a:lnTo>
+                  <a:pt x="777356" y="0"/>
+                </a:lnTo>
+                <a:lnTo>
+                  <a:pt x="777356" y="437263"/>
+                </a:lnTo>
+                <a:lnTo>
+                  <a:pt x="0" y="437263"/>
+                </a:lnTo>
+                <a:lnTo>
+                  <a:pt x="0" y="0"/>
+                </a:lnTo>
+                <a:close/>
+              </a:path>
+            </a:pathLst>
+          </a:custGeom>
+          <a:blipFill>
+            <a:blip r:embed="rId8"/>
+            <a:stretch>
+              <a:fillRect l="0" t="0" r="0" b="0"/>
+            </a:stretch>
+          </a:blipFill>
+        </p:spPr>
+      </p:sp>
+      <p:sp>
+        <p:nvSpPr>
+          <p:cNvPr name="Freeform 10" id="10"/>
+          <p:cNvSpPr/>
+          <p:nvPr/>
+        </p:nvSpPr>
+        <p:spPr>
+          <a:xfrm flipH="false" flipV="false" rot="0">
+            <a:off x="757785" y="682606"/>
+            <a:ext cx="541830" cy="489731"/>
+          </a:xfrm>
+          <a:custGeom>
+            <a:avLst/>
+            <a:gdLst/>
+            <a:ahLst/>
+            <a:cxnLst/>
+            <a:rect r="r" b="b" t="t" l="l"/>
+            <a:pathLst>
+              <a:path h="489731" w="541830">
+                <a:moveTo>
+                  <a:pt x="0" y="0"/>
+                </a:moveTo>
+                <a:lnTo>
+                  <a:pt x="541830" y="0"/>
+                </a:lnTo>
+                <a:lnTo>
+                  <a:pt x="541830" y="489731"/>
+                </a:lnTo>
+                <a:lnTo>
+                  <a:pt x="0" y="489731"/>
+                </a:lnTo>
+                <a:lnTo>
+                  <a:pt x="0" y="0"/>
+                </a:lnTo>
+                <a:close/>
+              </a:path>
+            </a:pathLst>
+          </a:custGeom>
+          <a:blipFill>
+            <a:blip r:embed="rId9"/>
+            <a:stretch>
+              <a:fillRect l="0" t="0" r="0" b="0"/>
+            </a:stretch>
+          </a:blipFill>
+        </p:spPr>
+      </p:sp>
+      <p:sp>
+        <p:nvSpPr>
+          <p:cNvPr name="TextBox 11" id="11"/>
+          <p:cNvSpPr txBox="true"/>
+          <p:nvPr/>
+        </p:nvSpPr>
+        <p:spPr>
+          <a:xfrm rot="0">
+            <a:off x="1411420" y="765547"/>
+            <a:ext cx="2246573" cy="276225"/>
+          </a:xfrm>
+          <a:prstGeom prst="rect">
+            <a:avLst/>
+          </a:prstGeom>
+        </p:spPr>
+        <p:txBody>
+          <a:bodyPr anchor="t" rtlCol="false" tIns="0" lIns="0" bIns="0" rIns="0">
+            <a:spAutoFit/>
+          </a:bodyPr>
+          <a:lstStyle/>
+          <a:p>
+            <a:pPr algn="l">
+              <a:lnSpc>
+                <a:spcPts val="2100"/>
+              </a:lnSpc>
+              <a:spcBef>
+                <a:spcPct val="0"/>
+              </a:spcBef>
+            </a:pPr>
+            <a:r>
+              <a:rPr lang="en-US" sz="1500" spc="-75">
+                <a:solidFill>
+                  <a:srgbClr val="FFFFFF"/>
+                </a:solidFill>
+                <a:latin typeface="Telegraf"/>
+                <a:ea typeface="Telegraf"/>
+                <a:cs typeface="Telegraf"/>
+                <a:sym typeface="Telegraf"/>
+              </a:rPr>
+              <a:t>Pemrosesan Bahasa Lisan</a:t>
             </a:r>
           </a:p>
         </p:txBody>
@@ -6352,8 +12413,8 @@
         </p:nvSpPr>
         <p:spPr>
           <a:xfrm flipH="false" flipV="false" rot="0">
-            <a:off x="3578639" y="2520918"/>
-            <a:ext cx="11130723" cy="5811221"/>
+            <a:off x="3493371" y="2621907"/>
+            <a:ext cx="11301259" cy="5043187"/>
           </a:xfrm>
           <a:custGeom>
             <a:avLst/>
@@ -6362,18 +12423,18 @@
             <a:cxnLst/>
             <a:rect r="r" b="b" t="t" l="l"/>
             <a:pathLst>
-              <a:path h="5811221" w="11130723">
+              <a:path h="5043187" w="11301259">
                 <a:moveTo>
                   <a:pt x="0" y="0"/>
                 </a:moveTo>
                 <a:lnTo>
-                  <a:pt x="11130722" y="0"/>
-                </a:lnTo>
-                <a:lnTo>
-                  <a:pt x="11130722" y="5811221"/>
-                </a:lnTo>
-                <a:lnTo>
-                  <a:pt x="0" y="5811221"/>
+                  <a:pt x="11301258" y="0"/>
+                </a:lnTo>
+                <a:lnTo>
+                  <a:pt x="11301258" y="5043186"/>
+                </a:lnTo>
+                <a:lnTo>
+                  <a:pt x="0" y="5043186"/>
                 </a:lnTo>
                 <a:lnTo>
                   <a:pt x="0" y="0"/>
@@ -6398,8 +12459,8 @@
         </p:nvSpPr>
         <p:spPr>
           <a:xfrm rot="0">
-            <a:off x="5446978" y="530225"/>
-            <a:ext cx="7394044" cy="892175"/>
+            <a:off x="5184169" y="215900"/>
+            <a:ext cx="7919663" cy="1206500"/>
           </a:xfrm>
           <a:prstGeom prst="rect">
             <a:avLst/>
@@ -6441,7 +12502,189 @@
                 <a:cs typeface="Pattanakarn Expanded Bold"/>
                 <a:sym typeface="Pattanakarn Expanded Bold"/>
               </a:rPr>
-              <a:t>Experiments</a:t>
+              <a:t>System Development</a:t>
+            </a:r>
+          </a:p>
+        </p:txBody>
+      </p:sp>
+      <p:sp>
+        <p:nvSpPr>
+          <p:cNvPr name="Freeform 4" id="4"/>
+          <p:cNvSpPr/>
+          <p:nvPr/>
+        </p:nvSpPr>
+        <p:spPr>
+          <a:xfrm flipH="false" flipV="false" rot="0">
+            <a:off x="15866188" y="605930"/>
+            <a:ext cx="1196828" cy="442826"/>
+          </a:xfrm>
+          <a:custGeom>
+            <a:avLst/>
+            <a:gdLst/>
+            <a:ahLst/>
+            <a:cxnLst/>
+            <a:rect r="r" b="b" t="t" l="l"/>
+            <a:pathLst>
+              <a:path h="442826" w="1196828">
+                <a:moveTo>
+                  <a:pt x="0" y="0"/>
+                </a:moveTo>
+                <a:lnTo>
+                  <a:pt x="1196828" y="0"/>
+                </a:lnTo>
+                <a:lnTo>
+                  <a:pt x="1196828" y="442827"/>
+                </a:lnTo>
+                <a:lnTo>
+                  <a:pt x="0" y="442827"/>
+                </a:lnTo>
+                <a:lnTo>
+                  <a:pt x="0" y="0"/>
+                </a:lnTo>
+                <a:close/>
+              </a:path>
+            </a:pathLst>
+          </a:custGeom>
+          <a:blipFill>
+            <a:blip r:embed="rId3"/>
+            <a:stretch>
+              <a:fillRect l="0" t="0" r="0" b="0"/>
+            </a:stretch>
+          </a:blipFill>
+        </p:spPr>
+      </p:sp>
+      <p:sp>
+        <p:nvSpPr>
+          <p:cNvPr name="Freeform 5" id="5"/>
+          <p:cNvSpPr/>
+          <p:nvPr/>
+        </p:nvSpPr>
+        <p:spPr>
+          <a:xfrm flipH="false" flipV="false" rot="0">
+            <a:off x="14972261" y="594540"/>
+            <a:ext cx="777356" cy="437263"/>
+          </a:xfrm>
+          <a:custGeom>
+            <a:avLst/>
+            <a:gdLst/>
+            <a:ahLst/>
+            <a:cxnLst/>
+            <a:rect r="r" b="b" t="t" l="l"/>
+            <a:pathLst>
+              <a:path h="437263" w="777356">
+                <a:moveTo>
+                  <a:pt x="0" y="0"/>
+                </a:moveTo>
+                <a:lnTo>
+                  <a:pt x="777356" y="0"/>
+                </a:lnTo>
+                <a:lnTo>
+                  <a:pt x="777356" y="437263"/>
+                </a:lnTo>
+                <a:lnTo>
+                  <a:pt x="0" y="437263"/>
+                </a:lnTo>
+                <a:lnTo>
+                  <a:pt x="0" y="0"/>
+                </a:lnTo>
+                <a:close/>
+              </a:path>
+            </a:pathLst>
+          </a:custGeom>
+          <a:blipFill>
+            <a:blip r:embed="rId4"/>
+            <a:stretch>
+              <a:fillRect l="0" t="0" r="0" b="0"/>
+            </a:stretch>
+          </a:blipFill>
+        </p:spPr>
+      </p:sp>
+      <p:sp>
+        <p:nvSpPr>
+          <p:cNvPr name="Freeform 6" id="6"/>
+          <p:cNvSpPr/>
+          <p:nvPr/>
+        </p:nvSpPr>
+        <p:spPr>
+          <a:xfrm flipH="false" flipV="false" rot="0">
+            <a:off x="757785" y="682606"/>
+            <a:ext cx="541830" cy="489731"/>
+          </a:xfrm>
+          <a:custGeom>
+            <a:avLst/>
+            <a:gdLst/>
+            <a:ahLst/>
+            <a:cxnLst/>
+            <a:rect r="r" b="b" t="t" l="l"/>
+            <a:pathLst>
+              <a:path h="489731" w="541830">
+                <a:moveTo>
+                  <a:pt x="0" y="0"/>
+                </a:moveTo>
+                <a:lnTo>
+                  <a:pt x="541830" y="0"/>
+                </a:lnTo>
+                <a:lnTo>
+                  <a:pt x="541830" y="489731"/>
+                </a:lnTo>
+                <a:lnTo>
+                  <a:pt x="0" y="489731"/>
+                </a:lnTo>
+                <a:lnTo>
+                  <a:pt x="0" y="0"/>
+                </a:lnTo>
+                <a:close/>
+              </a:path>
+            </a:pathLst>
+          </a:custGeom>
+          <a:blipFill>
+            <a:blip r:embed="rId5"/>
+            <a:stretch>
+              <a:fillRect l="0" t="0" r="0" b="0"/>
+            </a:stretch>
+          </a:blipFill>
+        </p:spPr>
+      </p:sp>
+      <p:sp>
+        <p:nvSpPr>
+          <p:cNvPr name="TextBox 7" id="7"/>
+          <p:cNvSpPr txBox="true"/>
+          <p:nvPr/>
+        </p:nvSpPr>
+        <p:spPr>
+          <a:xfrm rot="0">
+            <a:off x="1411420" y="765547"/>
+            <a:ext cx="2246573" cy="276225"/>
+          </a:xfrm>
+          <a:prstGeom prst="rect">
+            <a:avLst/>
+          </a:prstGeom>
+        </p:spPr>
+        <p:txBody>
+          <a:bodyPr anchor="t" rtlCol="false" tIns="0" lIns="0" bIns="0" rIns="0">
+            <a:spAutoFit/>
+          </a:bodyPr>
+          <a:lstStyle/>
+          <a:p>
+            <a:pPr algn="l">
+              <a:lnSpc>
+                <a:spcPts val="2100"/>
+              </a:lnSpc>
+              <a:spcBef>
+                <a:spcPct val="0"/>
+              </a:spcBef>
+            </a:pPr>
+            <a:r>
+              <a:rPr lang="en-US" sz="1500" spc="-75">
+                <a:solidFill>
+                  <a:srgbClr val="FFFFFF"/>
+                </a:solidFill>
+                <a:latin typeface="Telegraf"/>
+                <a:ea typeface="Telegraf"/>
+                <a:cs typeface="Telegraf"/>
+                <a:sym typeface="Telegraf"/>
+              </a:rPr>
+              <a:t>Pemrosesan Bahasa Lisan</a:t>
             </a:r>
           </a:p>
         </p:txBody>
@@ -6478,264 +12721,16 @@
           <a:chExt cx="0" cy="0"/>
         </a:xfrm>
       </p:grpSpPr>
-      <p:grpSp>
-        <p:nvGrpSpPr>
-          <p:cNvPr name="Group 2" id="2"/>
-          <p:cNvGrpSpPr/>
-          <p:nvPr/>
-        </p:nvGrpSpPr>
-        <p:grpSpPr>
-          <a:xfrm rot="0">
-            <a:off x="1028700" y="3025412"/>
-            <a:ext cx="7271305" cy="6232888"/>
-            <a:chOff x="0" y="0"/>
-            <a:chExt cx="1915076" cy="1641584"/>
-          </a:xfrm>
-        </p:grpSpPr>
-        <p:sp>
-          <p:nvSpPr>
-            <p:cNvPr name="Freeform 3" id="3"/>
-            <p:cNvSpPr/>
-            <p:nvPr/>
-          </p:nvSpPr>
-          <p:spPr>
-            <a:xfrm flipH="false" flipV="false" rot="0">
-              <a:off x="0" y="0"/>
-              <a:ext cx="1915076" cy="1641584"/>
-            </a:xfrm>
-            <a:custGeom>
-              <a:avLst/>
-              <a:gdLst/>
-              <a:ahLst/>
-              <a:cxnLst/>
-              <a:rect r="r" b="b" t="t" l="l"/>
-              <a:pathLst>
-                <a:path h="1641584" w="1915076">
-                  <a:moveTo>
-                    <a:pt x="41524" y="0"/>
-                  </a:moveTo>
-                  <a:lnTo>
-                    <a:pt x="1873552" y="0"/>
-                  </a:lnTo>
-                  <a:cubicBezTo>
-                    <a:pt x="1884565" y="0"/>
-                    <a:pt x="1895127" y="4375"/>
-                    <a:pt x="1902914" y="12162"/>
-                  </a:cubicBezTo>
-                  <a:cubicBezTo>
-                    <a:pt x="1910701" y="19949"/>
-                    <a:pt x="1915076" y="30511"/>
-                    <a:pt x="1915076" y="41524"/>
-                  </a:cubicBezTo>
-                  <a:lnTo>
-                    <a:pt x="1915076" y="1600060"/>
-                  </a:lnTo>
-                  <a:cubicBezTo>
-                    <a:pt x="1915076" y="1622993"/>
-                    <a:pt x="1896485" y="1641584"/>
-                    <a:pt x="1873552" y="1641584"/>
-                  </a:cubicBezTo>
-                  <a:lnTo>
-                    <a:pt x="41524" y="1641584"/>
-                  </a:lnTo>
-                  <a:cubicBezTo>
-                    <a:pt x="18591" y="1641584"/>
-                    <a:pt x="0" y="1622993"/>
-                    <a:pt x="0" y="1600060"/>
-                  </a:cubicBezTo>
-                  <a:lnTo>
-                    <a:pt x="0" y="41524"/>
-                  </a:lnTo>
-                  <a:cubicBezTo>
-                    <a:pt x="0" y="18591"/>
-                    <a:pt x="18591" y="0"/>
-                    <a:pt x="41524" y="0"/>
-                  </a:cubicBezTo>
-                  <a:close/>
-                </a:path>
-              </a:pathLst>
-            </a:custGeom>
-            <a:solidFill>
-              <a:srgbClr val="202F60">
-                <a:alpha val="49804"/>
-              </a:srgbClr>
-            </a:solidFill>
-          </p:spPr>
-        </p:sp>
-        <p:sp>
-          <p:nvSpPr>
-            <p:cNvPr name="TextBox 4" id="4"/>
-            <p:cNvSpPr txBox="true"/>
-            <p:nvPr/>
-          </p:nvSpPr>
-          <p:spPr>
-            <a:xfrm>
-              <a:off x="0" y="-57150"/>
-              <a:ext cx="1915076" cy="1698734"/>
-            </a:xfrm>
-            <a:prstGeom prst="rect">
-              <a:avLst/>
-            </a:prstGeom>
-          </p:spPr>
-          <p:txBody>
-            <a:bodyPr anchor="ctr" rtlCol="false" tIns="50800" lIns="50800" bIns="50800" rIns="50800"/>
-            <a:lstStyle/>
-            <a:p>
-              <a:pPr algn="ctr">
-                <a:lnSpc>
-                  <a:spcPts val="1960"/>
-                </a:lnSpc>
-              </a:pPr>
-            </a:p>
-          </p:txBody>
-        </p:sp>
-      </p:grpSp>
-      <p:grpSp>
-        <p:nvGrpSpPr>
-          <p:cNvPr name="Group 5" id="5"/>
-          <p:cNvGrpSpPr/>
-          <p:nvPr/>
-        </p:nvGrpSpPr>
-        <p:grpSpPr>
-          <a:xfrm rot="0">
-            <a:off x="9676147" y="3103385"/>
-            <a:ext cx="7583988" cy="6154915"/>
-            <a:chOff x="0" y="0"/>
-            <a:chExt cx="1997429" cy="1621047"/>
-          </a:xfrm>
-        </p:grpSpPr>
-        <p:sp>
-          <p:nvSpPr>
-            <p:cNvPr name="Freeform 6" id="6"/>
-            <p:cNvSpPr/>
-            <p:nvPr/>
-          </p:nvSpPr>
-          <p:spPr>
-            <a:xfrm flipH="false" flipV="false" rot="0">
-              <a:off x="0" y="0"/>
-              <a:ext cx="1997429" cy="1621047"/>
-            </a:xfrm>
-            <a:custGeom>
-              <a:avLst/>
-              <a:gdLst/>
-              <a:ahLst/>
-              <a:cxnLst/>
-              <a:rect r="r" b="b" t="t" l="l"/>
-              <a:pathLst>
-                <a:path h="1621047" w="1997429">
-                  <a:moveTo>
-                    <a:pt x="39812" y="0"/>
-                  </a:moveTo>
-                  <a:lnTo>
-                    <a:pt x="1957617" y="0"/>
-                  </a:lnTo>
-                  <a:cubicBezTo>
-                    <a:pt x="1968176" y="0"/>
-                    <a:pt x="1978302" y="4194"/>
-                    <a:pt x="1985768" y="11661"/>
-                  </a:cubicBezTo>
-                  <a:cubicBezTo>
-                    <a:pt x="1993234" y="19127"/>
-                    <a:pt x="1997429" y="29253"/>
-                    <a:pt x="1997429" y="39812"/>
-                  </a:cubicBezTo>
-                  <a:lnTo>
-                    <a:pt x="1997429" y="1581235"/>
-                  </a:lnTo>
-                  <a:cubicBezTo>
-                    <a:pt x="1997429" y="1603223"/>
-                    <a:pt x="1979604" y="1621047"/>
-                    <a:pt x="1957617" y="1621047"/>
-                  </a:cubicBezTo>
-                  <a:lnTo>
-                    <a:pt x="39812" y="1621047"/>
-                  </a:lnTo>
-                  <a:cubicBezTo>
-                    <a:pt x="17825" y="1621047"/>
-                    <a:pt x="0" y="1603223"/>
-                    <a:pt x="0" y="1581235"/>
-                  </a:cubicBezTo>
-                  <a:lnTo>
-                    <a:pt x="0" y="39812"/>
-                  </a:lnTo>
-                  <a:cubicBezTo>
-                    <a:pt x="0" y="17825"/>
-                    <a:pt x="17825" y="0"/>
-                    <a:pt x="39812" y="0"/>
-                  </a:cubicBezTo>
-                  <a:close/>
-                </a:path>
-              </a:pathLst>
-            </a:custGeom>
-            <a:solidFill>
-              <a:srgbClr val="202F60">
-                <a:alpha val="49804"/>
-              </a:srgbClr>
-            </a:solidFill>
-          </p:spPr>
-        </p:sp>
-        <p:sp>
-          <p:nvSpPr>
-            <p:cNvPr name="TextBox 7" id="7"/>
-            <p:cNvSpPr txBox="true"/>
-            <p:nvPr/>
-          </p:nvSpPr>
-          <p:spPr>
-            <a:xfrm>
-              <a:off x="0" y="-57150"/>
-              <a:ext cx="1997429" cy="1678197"/>
-            </a:xfrm>
-            <a:prstGeom prst="rect">
-              <a:avLst/>
-            </a:prstGeom>
-          </p:spPr>
-          <p:txBody>
-            <a:bodyPr anchor="ctr" rtlCol="false" tIns="50800" lIns="50800" bIns="50800" rIns="50800"/>
-            <a:lstStyle/>
-            <a:p>
-              <a:pPr algn="ctr">
-                <a:lnSpc>
-                  <a:spcPts val="1960"/>
-                </a:lnSpc>
-              </a:pPr>
-            </a:p>
-          </p:txBody>
-        </p:sp>
-      </p:grpSp>
-      <p:sp>
-        <p:nvSpPr>
-          <p:cNvPr name="AutoShape 8" id="8"/>
+      <p:sp>
+        <p:nvSpPr>
+          <p:cNvPr name="Freeform 2" id="2"/>
           <p:cNvSpPr/>
           <p:nvPr/>
         </p:nvSpPr>
         <p:spPr>
-          <a:xfrm flipH="true">
-            <a:off x="8990347" y="3040586"/>
-            <a:ext cx="0" cy="6217714"/>
-          </a:xfrm>
-          <a:prstGeom prst="line">
-            <a:avLst/>
-          </a:prstGeom>
-          <a:ln cap="flat" w="38100">
-            <a:solidFill>
-              <a:srgbClr val="FFFFFF"/>
-            </a:solidFill>
-            <a:prstDash val="sysDash"/>
-            <a:headEnd type="none" len="sm" w="sm"/>
-            <a:tailEnd type="none" len="sm" w="sm"/>
-          </a:ln>
-        </p:spPr>
-      </p:sp>
-      <p:sp>
-        <p:nvSpPr>
-          <p:cNvPr name="Freeform 9" id="9"/>
-          <p:cNvSpPr/>
-          <p:nvPr/>
-        </p:nvSpPr>
-        <p:spPr>
           <a:xfrm flipH="false" flipV="false" rot="0">
-            <a:off x="1235571" y="4213167"/>
-            <a:ext cx="6857562" cy="3857379"/>
+            <a:off x="3535395" y="2255757"/>
+            <a:ext cx="11217209" cy="6618153"/>
           </a:xfrm>
           <a:custGeom>
             <a:avLst/>
@@ -6744,18 +12739,18 @@
             <a:cxnLst/>
             <a:rect r="r" b="b" t="t" l="l"/>
             <a:pathLst>
-              <a:path h="3857379" w="6857562">
+              <a:path h="6618153" w="11217209">
                 <a:moveTo>
                   <a:pt x="0" y="0"/>
                 </a:moveTo>
                 <a:lnTo>
-                  <a:pt x="6857562" y="0"/>
-                </a:lnTo>
-                <a:lnTo>
-                  <a:pt x="6857562" y="3857378"/>
-                </a:lnTo>
-                <a:lnTo>
-                  <a:pt x="0" y="3857378"/>
+                  <a:pt x="11217210" y="0"/>
+                </a:lnTo>
+                <a:lnTo>
+                  <a:pt x="11217210" y="6618153"/>
+                </a:lnTo>
+                <a:lnTo>
+                  <a:pt x="0" y="6618153"/>
                 </a:lnTo>
                 <a:lnTo>
                   <a:pt x="0" y="0"/>
@@ -6774,60 +12769,14 @@
       </p:sp>
       <p:sp>
         <p:nvSpPr>
-          <p:cNvPr name="Freeform 10" id="10"/>
-          <p:cNvSpPr/>
-          <p:nvPr/>
-        </p:nvSpPr>
-        <p:spPr>
-          <a:xfrm flipH="false" flipV="false" rot="0">
-            <a:off x="10122780" y="4301175"/>
-            <a:ext cx="6690722" cy="3759335"/>
-          </a:xfrm>
-          <a:custGeom>
-            <a:avLst/>
-            <a:gdLst/>
-            <a:ahLst/>
-            <a:cxnLst/>
-            <a:rect r="r" b="b" t="t" l="l"/>
-            <a:pathLst>
-              <a:path h="3759335" w="6690722">
-                <a:moveTo>
-                  <a:pt x="0" y="0"/>
-                </a:moveTo>
-                <a:lnTo>
-                  <a:pt x="6690722" y="0"/>
-                </a:lnTo>
-                <a:lnTo>
-                  <a:pt x="6690722" y="3759335"/>
-                </a:lnTo>
-                <a:lnTo>
-                  <a:pt x="0" y="3759335"/>
-                </a:lnTo>
-                <a:lnTo>
-                  <a:pt x="0" y="0"/>
-                </a:lnTo>
-                <a:close/>
-              </a:path>
-            </a:pathLst>
-          </a:custGeom>
-          <a:blipFill>
-            <a:blip r:embed="rId3"/>
-            <a:stretch>
-              <a:fillRect l="0" t="0" r="0" b="0"/>
-            </a:stretch>
-          </a:blipFill>
-        </p:spPr>
-      </p:sp>
-      <p:sp>
-        <p:nvSpPr>
-          <p:cNvPr name="TextBox 11" id="11"/>
+          <p:cNvPr name="TextBox 3" id="3"/>
           <p:cNvSpPr txBox="true"/>
           <p:nvPr/>
         </p:nvSpPr>
         <p:spPr>
           <a:xfrm rot="0">
-            <a:off x="5793571" y="421190"/>
-            <a:ext cx="6700858" cy="892175"/>
+            <a:off x="5469504" y="215900"/>
+            <a:ext cx="7348991" cy="1206500"/>
           </a:xfrm>
           <a:prstGeom prst="rect">
             <a:avLst/>
@@ -6869,7 +12818,189 @@
                 <a:cs typeface="Pattanakarn Expanded Bold"/>
                 <a:sym typeface="Pattanakarn Expanded Bold"/>
               </a:rPr>
-              <a:t>Evaluation Metrics</a:t>
+              <a:t>Data Preprocessing</a:t>
+            </a:r>
+          </a:p>
+        </p:txBody>
+      </p:sp>
+      <p:sp>
+        <p:nvSpPr>
+          <p:cNvPr name="Freeform 4" id="4"/>
+          <p:cNvSpPr/>
+          <p:nvPr/>
+        </p:nvSpPr>
+        <p:spPr>
+          <a:xfrm flipH="false" flipV="false" rot="0">
+            <a:off x="15866188" y="605930"/>
+            <a:ext cx="1196828" cy="442826"/>
+          </a:xfrm>
+          <a:custGeom>
+            <a:avLst/>
+            <a:gdLst/>
+            <a:ahLst/>
+            <a:cxnLst/>
+            <a:rect r="r" b="b" t="t" l="l"/>
+            <a:pathLst>
+              <a:path h="442826" w="1196828">
+                <a:moveTo>
+                  <a:pt x="0" y="0"/>
+                </a:moveTo>
+                <a:lnTo>
+                  <a:pt x="1196828" y="0"/>
+                </a:lnTo>
+                <a:lnTo>
+                  <a:pt x="1196828" y="442827"/>
+                </a:lnTo>
+                <a:lnTo>
+                  <a:pt x="0" y="442827"/>
+                </a:lnTo>
+                <a:lnTo>
+                  <a:pt x="0" y="0"/>
+                </a:lnTo>
+                <a:close/>
+              </a:path>
+            </a:pathLst>
+          </a:custGeom>
+          <a:blipFill>
+            <a:blip r:embed="rId3"/>
+            <a:stretch>
+              <a:fillRect l="0" t="0" r="0" b="0"/>
+            </a:stretch>
+          </a:blipFill>
+        </p:spPr>
+      </p:sp>
+      <p:sp>
+        <p:nvSpPr>
+          <p:cNvPr name="Freeform 5" id="5"/>
+          <p:cNvSpPr/>
+          <p:nvPr/>
+        </p:nvSpPr>
+        <p:spPr>
+          <a:xfrm flipH="false" flipV="false" rot="0">
+            <a:off x="14972261" y="594540"/>
+            <a:ext cx="777356" cy="437263"/>
+          </a:xfrm>
+          <a:custGeom>
+            <a:avLst/>
+            <a:gdLst/>
+            <a:ahLst/>
+            <a:cxnLst/>
+            <a:rect r="r" b="b" t="t" l="l"/>
+            <a:pathLst>
+              <a:path h="437263" w="777356">
+                <a:moveTo>
+                  <a:pt x="0" y="0"/>
+                </a:moveTo>
+                <a:lnTo>
+                  <a:pt x="777356" y="0"/>
+                </a:lnTo>
+                <a:lnTo>
+                  <a:pt x="777356" y="437263"/>
+                </a:lnTo>
+                <a:lnTo>
+                  <a:pt x="0" y="437263"/>
+                </a:lnTo>
+                <a:lnTo>
+                  <a:pt x="0" y="0"/>
+                </a:lnTo>
+                <a:close/>
+              </a:path>
+            </a:pathLst>
+          </a:custGeom>
+          <a:blipFill>
+            <a:blip r:embed="rId4"/>
+            <a:stretch>
+              <a:fillRect l="0" t="0" r="0" b="0"/>
+            </a:stretch>
+          </a:blipFill>
+        </p:spPr>
+      </p:sp>
+      <p:sp>
+        <p:nvSpPr>
+          <p:cNvPr name="Freeform 6" id="6"/>
+          <p:cNvSpPr/>
+          <p:nvPr/>
+        </p:nvSpPr>
+        <p:spPr>
+          <a:xfrm flipH="false" flipV="false" rot="0">
+            <a:off x="757785" y="682606"/>
+            <a:ext cx="541830" cy="489731"/>
+          </a:xfrm>
+          <a:custGeom>
+            <a:avLst/>
+            <a:gdLst/>
+            <a:ahLst/>
+            <a:cxnLst/>
+            <a:rect r="r" b="b" t="t" l="l"/>
+            <a:pathLst>
+              <a:path h="489731" w="541830">
+                <a:moveTo>
+                  <a:pt x="0" y="0"/>
+                </a:moveTo>
+                <a:lnTo>
+                  <a:pt x="541830" y="0"/>
+                </a:lnTo>
+                <a:lnTo>
+                  <a:pt x="541830" y="489731"/>
+                </a:lnTo>
+                <a:lnTo>
+                  <a:pt x="0" y="489731"/>
+                </a:lnTo>
+                <a:lnTo>
+                  <a:pt x="0" y="0"/>
+                </a:lnTo>
+                <a:close/>
+              </a:path>
+            </a:pathLst>
+          </a:custGeom>
+          <a:blipFill>
+            <a:blip r:embed="rId5"/>
+            <a:stretch>
+              <a:fillRect l="0" t="0" r="0" b="0"/>
+            </a:stretch>
+          </a:blipFill>
+        </p:spPr>
+      </p:sp>
+      <p:sp>
+        <p:nvSpPr>
+          <p:cNvPr name="TextBox 7" id="7"/>
+          <p:cNvSpPr txBox="true"/>
+          <p:nvPr/>
+        </p:nvSpPr>
+        <p:spPr>
+          <a:xfrm rot="0">
+            <a:off x="1411420" y="765547"/>
+            <a:ext cx="2246573" cy="276225"/>
+          </a:xfrm>
+          <a:prstGeom prst="rect">
+            <a:avLst/>
+          </a:prstGeom>
+        </p:spPr>
+        <p:txBody>
+          <a:bodyPr anchor="t" rtlCol="false" tIns="0" lIns="0" bIns="0" rIns="0">
+            <a:spAutoFit/>
+          </a:bodyPr>
+          <a:lstStyle/>
+          <a:p>
+            <a:pPr algn="l">
+              <a:lnSpc>
+                <a:spcPts val="2100"/>
+              </a:lnSpc>
+              <a:spcBef>
+                <a:spcPct val="0"/>
+              </a:spcBef>
+            </a:pPr>
+            <a:r>
+              <a:rPr lang="en-US" sz="1500" spc="-75">
+                <a:solidFill>
+                  <a:srgbClr val="FFFFFF"/>
+                </a:solidFill>
+                <a:latin typeface="Telegraf"/>
+                <a:ea typeface="Telegraf"/>
+                <a:cs typeface="Telegraf"/>
+                <a:sym typeface="Telegraf"/>
+              </a:rPr>
+              <a:t>Pemrosesan Bahasa Lisan</a:t>
             </a:r>
           </a:p>
         </p:txBody>

--- a/Mass Shooting Detector.pptx
+++ b/Mass Shooting Detector.pptx
@@ -3849,7 +3849,7 @@
         <p:spPr>
           <a:xfrm rot="0">
             <a:off x="11224769" y="4482792"/>
-            <a:ext cx="5273445" cy="1595218"/>
+            <a:ext cx="5273445" cy="2111083"/>
           </a:xfrm>
           <a:prstGeom prst="rect">
             <a:avLst/>
@@ -3876,7 +3876,7 @@
                 <a:cs typeface="Telegraf"/>
                 <a:sym typeface="Telegraf"/>
               </a:rPr>
-              <a:t>Convolution layer bertugas untuk mengekstrak fitur spasial dari gambar</a:t>
+              <a:t>The convolution layer is responsible for extracting spatial features from the image</a:t>
             </a:r>
           </a:p>
         </p:txBody>
@@ -4361,7 +4361,7 @@
         <p:spPr>
           <a:xfrm rot="0">
             <a:off x="1138099" y="7401386"/>
-            <a:ext cx="16011801" cy="1595218"/>
+            <a:ext cx="16011801" cy="2111083"/>
           </a:xfrm>
           <a:prstGeom prst="rect">
             <a:avLst/>
@@ -4388,7 +4388,7 @@
                 <a:cs typeface="Telegraf"/>
                 <a:sym typeface="Telegraf"/>
               </a:rPr>
-              <a:t>Max Pooling layer berfungsi mengecilkan resolusi fitur dengan mengambil nilai maksimum di tiap jendela pooling, sehingga ukuran spatial berkurang, jumlah parameter lebih sedikit, dan model tetap menonjolkan aktivasi paling kuat sebelum klasifikasi.</a:t>
+              <a:t>The Max Pooling layer used to reduce the resolution of features by taking the maximum value within each pooling window, thereby decreasing the spatial size, reducing the number of parameters, and allowing the model to emphasize the strongest activations before classification</a:t>
             </a:r>
           </a:p>
         </p:txBody>
@@ -4873,7 +4873,7 @@
         <p:spPr>
           <a:xfrm rot="0">
             <a:off x="10919969" y="3823340"/>
-            <a:ext cx="6339331" cy="4690405"/>
+            <a:ext cx="6339331" cy="4174541"/>
           </a:xfrm>
           <a:prstGeom prst="rect">
             <a:avLst/>
@@ -4900,7 +4900,7 @@
                 <a:cs typeface="Telegraf"/>
                 <a:sym typeface="Telegraf"/>
               </a:rPr>
-              <a:t>Softmax activation function berfungsi untuk mengubah logits dari neuron terakhir menjadi distribusi probabilitas yang penjumlahannya 1. Nilai tertinggi menunjukkan kelas yang diprediksi, sehingga cocok untuk klasifikasi dua kelas pada dataset ini.</a:t>
+              <a:t>The Softmax activation function serves to convert the logits from the final neuron into a probability distribution that sums to 1. The highest value indicates the predicted class, making it suitable for binary classification in this dataset</a:t>
             </a:r>
           </a:p>
         </p:txBody>
@@ -6067,7 +6067,7 @@
                 <a:cs typeface="Telegraf"/>
                 <a:sym typeface="Telegraf"/>
               </a:rPr>
-              <a:t>Experiment 1 menggunakan model yang dilatih secara from scratch. Dataset yang digunakan yaitu STFT dari audio dengan format gambar. Dalam eksperimen ini, epoch yang digunakan sebesar 15</a:t>
+              <a:t>Experiment 1 utilizes a model trained from scratch. The dataset used consists of STFT (Short-Time Fourier Transform) of audio in image format. In this experiment, the number of epochs used is 15</a:t>
             </a:r>
           </a:p>
         </p:txBody>
@@ -6500,7 +6500,7 @@
                 <a:cs typeface="Telegraf"/>
                 <a:sym typeface="Telegraf"/>
               </a:rPr>
-              <a:t>Experiment 2 menggunakan model yang dihasilkan dari eksperimen 1 (pre-trained model) dan melatihnya lagi. Dataset yang digunakan yaitu STFT dari mixed audio, yaitu audio gunshot yang dimix dengan crowd sound sebagai backsoundnya</a:t>
+              <a:t>Experiment 2 uses the model obtained from Experiment 1 (pre-trained model) and further trains it. The dataset used consists of STFT from mixed audio, specifically gunshot audio mixed with crowd sound as the background noise</a:t>
             </a:r>
           </a:p>
         </p:txBody>
@@ -6918,7 +6918,7 @@
                 <a:cs typeface="Telegraf"/>
                 <a:sym typeface="Telegraf"/>
               </a:rPr>
-              <a:t>Experiment 3 menggunakan model yang dihasilkan dari eksperimen 1 (pre-trained model) dan melatihnya kembali. Dataset yang digunakan yaitu STFT dari eksperimen 2 dengan menambahkan/mengurangi energi dari gunshot dan backsound secara random dengan harapan model dapat mendeteksi audio gunshot tanpa terpengaruh dari besar/kecilnya energi.</a:t>
+              <a:t>Experiment 3 uses the model obtained from Experiment 1 (pre-trained model) and retrains it. The dataset used consists of STFT from Experiment 2, with random modifications to the energy levels of the gunshot and background sound. The aim is for the model to detect gunshot audio without being affected by variations in energy levels</a:t>
             </a:r>
           </a:p>
         </p:txBody>
@@ -7201,8 +7201,8 @@
         </p:nvSpPr>
         <p:spPr>
           <a:xfrm rot="0">
-            <a:off x="6783272" y="212883"/>
-            <a:ext cx="4721455" cy="1212534"/>
+            <a:off x="6021272" y="212883"/>
+            <a:ext cx="6245455" cy="1206500"/>
           </a:xfrm>
           <a:prstGeom prst="rect">
             <a:avLst/>
@@ -7244,7 +7244,7 @@
                 <a:cs typeface="Pattanakarn Expanded Bold"/>
                 <a:sym typeface="Pattanakarn Expanded Bold"/>
               </a:rPr>
-              <a:t>Dokumentasi</a:t>
+              <a:t>Documentations</a:t>
             </a:r>
           </a:p>
         </p:txBody>
@@ -7810,7 +7810,7 @@
                 <a:cs typeface="Telegraf Medium"/>
                 <a:sym typeface="Telegraf Medium"/>
               </a:rPr>
-              <a:t>Mass shooting merupakan masalah serius di Amerika Serikat</a:t>
+              <a:t>Mass shooting is a serious problem in the United States</a:t>
             </a:r>
           </a:p>
         </p:txBody>
@@ -10421,7 +10421,7 @@
                 <a:cs typeface="Telegraf Bold"/>
                 <a:sym typeface="Telegraf Bold"/>
               </a:rPr>
-              <a:t>Rata-rata 11 penembakan masal per minggu​</a:t>
+              <a:t>An average of 11 mass shootings occur per week</a:t>
             </a:r>
           </a:p>
         </p:txBody>
@@ -10553,7 +10553,7 @@
                 <a:cs typeface="Telegraf Bold"/>
                 <a:sym typeface="Telegraf Bold"/>
               </a:rPr>
-              <a:t>Pendeteksian penembakan masal di sekolah sangat lambat dan tidak efisien.​</a:t>
+              <a:t>Detection of mass shootings in schools is very slow and inefficient</a:t>
             </a:r>
           </a:p>
         </p:txBody>
@@ -10597,7 +10597,7 @@
                 <a:cs typeface="Telegraf Bold"/>
                 <a:sym typeface="Telegraf Bold"/>
               </a:rPr>
-              <a:t>Lambatnya pendeteksian membuat siswa tak memiliki banyak waktu untuk melarikan diri sehingga menurunkan chance of survival.​</a:t>
+              <a:t>Slow detection leaves students with very little time to escape, thereby reducing their chances of survival</a:t>
             </a:r>
           </a:p>
         </p:txBody>
@@ -10611,7 +10611,7 @@
         <p:spPr>
           <a:xfrm rot="0">
             <a:off x="6592102" y="212883"/>
-            <a:ext cx="5103797" cy="1212534"/>
+            <a:ext cx="5103797" cy="1206500"/>
           </a:xfrm>
           <a:prstGeom prst="rect">
             <a:avLst/>
@@ -10653,7 +10653,7 @@
                 <a:cs typeface="Pattanakarn Expanded Bold"/>
                 <a:sym typeface="Pattanakarn Expanded Bold"/>
               </a:rPr>
-              <a:t>Permasalahan</a:t>
+              <a:t>Background</a:t>
             </a:r>
           </a:p>
         </p:txBody>
@@ -11148,7 +11148,7 @@
                 <a:cs typeface="Telegraf Medium"/>
                 <a:sym typeface="Telegraf Medium"/>
               </a:rPr>
-              <a:t>Dibutuhkan sistem cerdas yang mampu mendeteksi penembakan masal lebih dini secara cepat dan tepat.</a:t>
+              <a:t>A smart system is needed that can detect mass shootings earlier, quickly, and accurately</a:t>
             </a:r>
           </a:p>
         </p:txBody>
@@ -11452,7 +11452,7 @@
                 <a:cs typeface="Pattanakarn Expanded Bold"/>
                 <a:sym typeface="Pattanakarn Expanded Bold"/>
               </a:rPr>
-              <a:t>SISTEM PENDETEKSI MASS SHOOTING BERBASIS SUARA</a:t>
+              <a:t>AUDIO-BASED MASS SHOOTING DETECTION SYSTEM</a:t>
             </a:r>
           </a:p>
         </p:txBody>
@@ -11642,7 +11642,7 @@
                 <a:cs typeface="Pattanakarn Expanded Bold"/>
                 <a:sym typeface="Pattanakarn Expanded Bold"/>
               </a:rPr>
-              <a:t>Tujuan</a:t>
+              <a:t>Objectives</a:t>
             </a:r>
           </a:p>
         </p:txBody>
@@ -11656,7 +11656,7 @@
         <p:spPr>
           <a:xfrm rot="0">
             <a:off x="3515534" y="3196006"/>
-            <a:ext cx="12727407" cy="3880116"/>
+            <a:ext cx="12727407" cy="3108591"/>
           </a:xfrm>
           <a:prstGeom prst="rect">
             <a:avLst/>
@@ -11686,7 +11686,7 @@
                 <a:cs typeface="Telegraf Medium"/>
                 <a:sym typeface="Telegraf Medium"/>
               </a:rPr>
-              <a:t>MSD (Mass Shooting Detector) adalah sistem pendeteksi penembakan masal berbasis suara. MSD hadir untuk mendeteksi adanya mass shooting lebih dini dan memberikan notifikasi secara langsung kepada pihak terkait</a:t>
+              <a:t>MSD (Mass Shooting Detector) is an audio-based mass shooting detection system. MSD is designed to detect mass shootings earlier and provide real-time notifications to relevant authorities</a:t>
             </a:r>
           </a:p>
         </p:txBody>
